--- a/Presentazione_RLBrain.pptx
+++ b/Presentazione_RLBrain.pptx
@@ -19,7 +19,11 @@
     <p:sldId id="268" r:id="rId13"/>
     <p:sldId id="267" r:id="rId14"/>
     <p:sldId id="269" r:id="rId15"/>
-    <p:sldId id="270" r:id="rId16"/>
+    <p:sldId id="272" r:id="rId16"/>
+    <p:sldId id="273" r:id="rId17"/>
+    <p:sldId id="274" r:id="rId18"/>
+    <p:sldId id="270" r:id="rId19"/>
+    <p:sldId id="275" r:id="rId20"/>
   </p:sldIdLst>
   <p:sldSz cx="12192000" cy="6858000"/>
   <p:notesSz cx="6858000" cy="9144000"/>
@@ -323,7 +327,7 @@
             <a:fld id="{96DFF08F-DC6B-4601-B491-B0F83F6DD2DA}" type="datetimeFigureOut">
               <a:rPr lang="en-US" dirty="0"/>
               <a:pPr/>
-              <a:t>11/23/2021</a:t>
+              <a:t>11/24/2021</a:t>
             </a:fld>
             <a:endParaRPr lang="en-US" dirty="0"/>
           </a:p>
@@ -540,7 +544,7 @@
           <a:p>
             <a:fld id="{96DFF08F-DC6B-4601-B491-B0F83F6DD2DA}" type="datetimeFigureOut">
               <a:rPr lang="en-US" dirty="0"/>
-              <a:t>11/23/2021</a:t>
+              <a:t>11/24/2021</a:t>
             </a:fld>
             <a:endParaRPr lang="en-US" dirty="0"/>
           </a:p>
@@ -715,7 +719,7 @@
           <a:p>
             <a:fld id="{96DFF08F-DC6B-4601-B491-B0F83F6DD2DA}" type="datetimeFigureOut">
               <a:rPr lang="en-US" dirty="0"/>
-              <a:t>11/23/2021</a:t>
+              <a:t>11/24/2021</a:t>
             </a:fld>
             <a:endParaRPr lang="en-US" dirty="0"/>
           </a:p>
@@ -880,7 +884,7 @@
           <a:p>
             <a:fld id="{96DFF08F-DC6B-4601-B491-B0F83F6DD2DA}" type="datetimeFigureOut">
               <a:rPr lang="en-US" dirty="0"/>
-              <a:t>11/23/2021</a:t>
+              <a:t>11/24/2021</a:t>
             </a:fld>
             <a:endParaRPr lang="en-US" dirty="0"/>
           </a:p>
@@ -1126,7 +1130,7 @@
           <a:p>
             <a:fld id="{96DFF08F-DC6B-4601-B491-B0F83F6DD2DA}" type="datetimeFigureOut">
               <a:rPr lang="en-US" dirty="0"/>
-              <a:t>11/23/2021</a:t>
+              <a:t>11/24/2021</a:t>
             </a:fld>
             <a:endParaRPr lang="en-US" dirty="0"/>
           </a:p>
@@ -1444,7 +1448,7 @@
           <a:p>
             <a:fld id="{96DFF08F-DC6B-4601-B491-B0F83F6DD2DA}" type="datetimeFigureOut">
               <a:rPr lang="en-US" dirty="0"/>
-              <a:t>11/23/2021</a:t>
+              <a:t>11/24/2021</a:t>
             </a:fld>
             <a:endParaRPr lang="en-US" dirty="0"/>
           </a:p>
@@ -1863,7 +1867,7 @@
           <a:p>
             <a:fld id="{96DFF08F-DC6B-4601-B491-B0F83F6DD2DA}" type="datetimeFigureOut">
               <a:rPr lang="en-US" dirty="0"/>
-              <a:t>11/23/2021</a:t>
+              <a:t>11/24/2021</a:t>
             </a:fld>
             <a:endParaRPr lang="en-US" dirty="0"/>
           </a:p>
@@ -1976,7 +1980,7 @@
           <a:p>
             <a:fld id="{96DFF08F-DC6B-4601-B491-B0F83F6DD2DA}" type="datetimeFigureOut">
               <a:rPr lang="en-US" dirty="0"/>
-              <a:t>11/23/2021</a:t>
+              <a:t>11/24/2021</a:t>
             </a:fld>
             <a:endParaRPr lang="en-US" dirty="0"/>
           </a:p>
@@ -2066,7 +2070,7 @@
           <a:p>
             <a:fld id="{96DFF08F-DC6B-4601-B491-B0F83F6DD2DA}" type="datetimeFigureOut">
               <a:rPr lang="en-US" dirty="0"/>
-              <a:t>11/23/2021</a:t>
+              <a:t>11/24/2021</a:t>
             </a:fld>
             <a:endParaRPr lang="en-US" dirty="0"/>
           </a:p>
@@ -2351,7 +2355,7 @@
           <a:p>
             <a:fld id="{96DFF08F-DC6B-4601-B491-B0F83F6DD2DA}" type="datetimeFigureOut">
               <a:rPr lang="en-US" dirty="0"/>
-              <a:t>11/23/2021</a:t>
+              <a:t>11/24/2021</a:t>
             </a:fld>
             <a:endParaRPr lang="en-US" dirty="0"/>
           </a:p>
@@ -2618,7 +2622,7 @@
           <a:p>
             <a:fld id="{96DFF08F-DC6B-4601-B491-B0F83F6DD2DA}" type="datetimeFigureOut">
               <a:rPr lang="en-US" dirty="0"/>
-              <a:t>11/23/2021</a:t>
+              <a:t>11/24/2021</a:t>
             </a:fld>
             <a:endParaRPr lang="en-US" dirty="0"/>
           </a:p>
@@ -2867,7 +2871,7 @@
             <a:fld id="{96DFF08F-DC6B-4601-B491-B0F83F6DD2DA}" type="datetimeFigureOut">
               <a:rPr lang="en-US" dirty="0"/>
               <a:pPr/>
-              <a:t>11/23/2021</a:t>
+              <a:t>11/24/2021</a:t>
             </a:fld>
             <a:endParaRPr lang="en-US" dirty="0"/>
           </a:p>
@@ -4018,13 +4022,13 @@
         </p:nvSpPr>
         <p:spPr>
           <a:xfrm>
-            <a:off x="477244" y="1415351"/>
-            <a:ext cx="11250221" cy="4542104"/>
+            <a:off x="464534" y="1008403"/>
+            <a:ext cx="11250221" cy="5420487"/>
           </a:xfrm>
         </p:spPr>
         <p:txBody>
           <a:bodyPr>
-            <a:normAutofit/>
+            <a:normAutofit lnSpcReduction="10000"/>
           </a:bodyPr>
           <a:lstStyle/>
           <a:p>
@@ -4089,6 +4093,123 @@
                 <a:ea typeface="Verdana" panose="020B0604030504040204" pitchFamily="34" charset="0"/>
               </a:rPr>
               <a:t>)</a:t>
+            </a:r>
+          </a:p>
+          <a:p>
+            <a:pPr marL="45720" indent="0">
+              <a:buNone/>
+            </a:pPr>
+            <a:r>
+              <a:rPr lang="it-IT" dirty="0">
+                <a:latin typeface="Verdana" panose="020B0604030504040204" pitchFamily="34" charset="0"/>
+                <a:ea typeface="Verdana" panose="020B0604030504040204" pitchFamily="34" charset="0"/>
+              </a:rPr>
+              <a:t>Cardinalità: (</a:t>
+            </a:r>
+            <a:r>
+              <a:rPr lang="it-IT" dirty="0" err="1">
+                <a:latin typeface="Verdana" panose="020B0604030504040204" pitchFamily="34" charset="0"/>
+                <a:ea typeface="Verdana" panose="020B0604030504040204" pitchFamily="34" charset="0"/>
+              </a:rPr>
+              <a:t>env</a:t>
+            </a:r>
+            <a:r>
+              <a:rPr lang="it-IT" dirty="0">
+                <a:latin typeface="Verdana" panose="020B0604030504040204" pitchFamily="34" charset="0"/>
+                <a:ea typeface="Verdana" panose="020B0604030504040204" pitchFamily="34" charset="0"/>
+              </a:rPr>
+              <a:t> 7x7) 7 * 7 * 3 * 2 = 294 stati possibili</a:t>
+            </a:r>
+          </a:p>
+          <a:p>
+            <a:pPr marL="45720" indent="0">
+              <a:buNone/>
+            </a:pPr>
+            <a:r>
+              <a:rPr lang="it-IT" dirty="0">
+                <a:latin typeface="Verdana" panose="020B0604030504040204" pitchFamily="34" charset="0"/>
+                <a:ea typeface="Verdana" panose="020B0604030504040204" pitchFamily="34" charset="0"/>
+              </a:rPr>
+              <a:t>Pro:</a:t>
+            </a:r>
+          </a:p>
+          <a:p>
+            <a:pPr>
+              <a:buFontTx/>
+              <a:buChar char="-"/>
+            </a:pPr>
+            <a:r>
+              <a:rPr lang="it-IT" dirty="0">
+                <a:latin typeface="Verdana" panose="020B0604030504040204" pitchFamily="34" charset="0"/>
+                <a:ea typeface="Verdana" panose="020B0604030504040204" pitchFamily="34" charset="0"/>
+              </a:rPr>
+              <a:t>l’agente ha imparato ad eseguire il task seguendo il percorso ottimo (in termini di step </a:t>
+            </a:r>
+            <a:r>
+              <a:rPr lang="it-IT" dirty="0" err="1">
+                <a:latin typeface="Verdana" panose="020B0604030504040204" pitchFamily="34" charset="0"/>
+                <a:ea typeface="Verdana" panose="020B0604030504040204" pitchFamily="34" charset="0"/>
+              </a:rPr>
+              <a:t>count</a:t>
+            </a:r>
+            <a:r>
+              <a:rPr lang="it-IT" dirty="0">
+                <a:latin typeface="Verdana" panose="020B0604030504040204" pitchFamily="34" charset="0"/>
+                <a:ea typeface="Verdana" panose="020B0604030504040204" pitchFamily="34" charset="0"/>
+              </a:rPr>
+              <a:t>)</a:t>
+            </a:r>
+          </a:p>
+          <a:p>
+            <a:pPr marL="45720" indent="0">
+              <a:buNone/>
+            </a:pPr>
+            <a:r>
+              <a:rPr lang="it-IT" dirty="0">
+                <a:latin typeface="Verdana" panose="020B0604030504040204" pitchFamily="34" charset="0"/>
+                <a:ea typeface="Verdana" panose="020B0604030504040204" pitchFamily="34" charset="0"/>
+              </a:rPr>
+              <a:t>Contro:</a:t>
+            </a:r>
+          </a:p>
+          <a:p>
+            <a:pPr>
+              <a:buFontTx/>
+              <a:buChar char="-"/>
+            </a:pPr>
+            <a:r>
+              <a:rPr lang="it-IT" dirty="0">
+                <a:latin typeface="Verdana" panose="020B0604030504040204" pitchFamily="34" charset="0"/>
+                <a:ea typeface="Verdana" panose="020B0604030504040204" pitchFamily="34" charset="0"/>
+              </a:rPr>
+              <a:t>l’agente si basa su un sistema di coordinate -&gt; poco versatile</a:t>
+            </a:r>
+          </a:p>
+          <a:p>
+            <a:pPr>
+              <a:buFontTx/>
+              <a:buChar char="-"/>
+            </a:pPr>
+            <a:r>
+              <a:rPr lang="it-IT" dirty="0">
+                <a:latin typeface="Verdana" panose="020B0604030504040204" pitchFamily="34" charset="0"/>
+                <a:ea typeface="Verdana" panose="020B0604030504040204" pitchFamily="34" charset="0"/>
+              </a:rPr>
+              <a:t>lo spazio di stato cresce linearmente al crescere </a:t>
+            </a:r>
+            <a:r>
+              <a:rPr lang="it-IT" dirty="0" err="1">
+                <a:latin typeface="Verdana" panose="020B0604030504040204" pitchFamily="34" charset="0"/>
+                <a:ea typeface="Verdana" panose="020B0604030504040204" pitchFamily="34" charset="0"/>
+              </a:rPr>
+              <a:t>dell’environment</a:t>
+            </a:r>
+            <a:r>
+              <a:rPr lang="it-IT" dirty="0">
+                <a:latin typeface="Verdana" panose="020B0604030504040204" pitchFamily="34" charset="0"/>
+                <a:ea typeface="Verdana" panose="020B0604030504040204" pitchFamily="34" charset="0"/>
+              </a:rPr>
+              <a:t> -&gt; impraticabile</a:t>
             </a:r>
           </a:p>
         </p:txBody>
@@ -4307,13 +4428,13 @@
         </p:nvSpPr>
         <p:spPr>
           <a:xfrm>
-            <a:off x="477244" y="1415351"/>
-            <a:ext cx="11250221" cy="4542104"/>
+            <a:off x="477245" y="1082065"/>
+            <a:ext cx="7248153" cy="5429830"/>
           </a:xfrm>
         </p:spPr>
         <p:txBody>
           <a:bodyPr>
-            <a:normAutofit fontScale="85000" lnSpcReduction="20000"/>
+            <a:normAutofit fontScale="70000" lnSpcReduction="20000"/>
           </a:bodyPr>
           <a:lstStyle/>
           <a:p>
@@ -4464,6 +4585,130 @@
                 <a:ea typeface="Verdana" panose="020B0604030504040204" pitchFamily="34" charset="0"/>
               </a:rPr>
               <a:t>W_d,W_obs</a:t>
+            </a:r>
+            <a:r>
+              <a:rPr lang="en-US" dirty="0">
+                <a:latin typeface="Verdana" panose="020B0604030504040204" pitchFamily="34" charset="0"/>
+                <a:ea typeface="Verdana" panose="020B0604030504040204" pitchFamily="34" charset="0"/>
+              </a:rPr>
+              <a:t>), </a:t>
+            </a:r>
+          </a:p>
+          <a:p>
+            <a:pPr marL="45720" indent="0">
+              <a:buNone/>
+            </a:pPr>
+            <a:r>
+              <a:rPr lang="en-US" dirty="0">
+                <a:latin typeface="Verdana" panose="020B0604030504040204" pitchFamily="34" charset="0"/>
+                <a:ea typeface="Verdana" panose="020B0604030504040204" pitchFamily="34" charset="0"/>
+              </a:rPr>
+              <a:t>   (</a:t>
+            </a:r>
+            <a:r>
+              <a:rPr lang="en-US" dirty="0" err="1">
+                <a:latin typeface="Verdana" panose="020B0604030504040204" pitchFamily="34" charset="0"/>
+                <a:ea typeface="Verdana" panose="020B0604030504040204" pitchFamily="34" charset="0"/>
+              </a:rPr>
+              <a:t>NE_d</a:t>
+            </a:r>
+            <a:r>
+              <a:rPr lang="en-US" dirty="0">
+                <a:latin typeface="Verdana" panose="020B0604030504040204" pitchFamily="34" charset="0"/>
+                <a:ea typeface="Verdana" panose="020B0604030504040204" pitchFamily="34" charset="0"/>
+              </a:rPr>
+              <a:t>, </a:t>
+            </a:r>
+            <a:r>
+              <a:rPr lang="en-US" dirty="0" err="1">
+                <a:latin typeface="Verdana" panose="020B0604030504040204" pitchFamily="34" charset="0"/>
+                <a:ea typeface="Verdana" panose="020B0604030504040204" pitchFamily="34" charset="0"/>
+              </a:rPr>
+              <a:t>NE_obs</a:t>
+            </a:r>
+            <a:r>
+              <a:rPr lang="en-US" dirty="0">
+                <a:latin typeface="Verdana" panose="020B0604030504040204" pitchFamily="34" charset="0"/>
+                <a:ea typeface="Verdana" panose="020B0604030504040204" pitchFamily="34" charset="0"/>
+              </a:rPr>
+              <a:t>), (</a:t>
+            </a:r>
+            <a:r>
+              <a:rPr lang="en-US" dirty="0" err="1">
+                <a:latin typeface="Verdana" panose="020B0604030504040204" pitchFamily="34" charset="0"/>
+                <a:ea typeface="Verdana" panose="020B0604030504040204" pitchFamily="34" charset="0"/>
+              </a:rPr>
+              <a:t>SE_d</a:t>
+            </a:r>
+            <a:r>
+              <a:rPr lang="en-US" dirty="0">
+                <a:latin typeface="Verdana" panose="020B0604030504040204" pitchFamily="34" charset="0"/>
+                <a:ea typeface="Verdana" panose="020B0604030504040204" pitchFamily="34" charset="0"/>
+              </a:rPr>
+              <a:t>, </a:t>
+            </a:r>
+            <a:r>
+              <a:rPr lang="en-US" dirty="0" err="1">
+                <a:latin typeface="Verdana" panose="020B0604030504040204" pitchFamily="34" charset="0"/>
+                <a:ea typeface="Verdana" panose="020B0604030504040204" pitchFamily="34" charset="0"/>
+              </a:rPr>
+              <a:t>SE_obs</a:t>
+            </a:r>
+            <a:r>
+              <a:rPr lang="en-US" dirty="0">
+                <a:latin typeface="Verdana" panose="020B0604030504040204" pitchFamily="34" charset="0"/>
+                <a:ea typeface="Verdana" panose="020B0604030504040204" pitchFamily="34" charset="0"/>
+              </a:rPr>
+              <a:t>), (</a:t>
+            </a:r>
+            <a:r>
+              <a:rPr lang="en-US" dirty="0" err="1">
+                <a:latin typeface="Verdana" panose="020B0604030504040204" pitchFamily="34" charset="0"/>
+                <a:ea typeface="Verdana" panose="020B0604030504040204" pitchFamily="34" charset="0"/>
+              </a:rPr>
+              <a:t>SW_d</a:t>
+            </a:r>
+            <a:r>
+              <a:rPr lang="en-US" dirty="0">
+                <a:latin typeface="Verdana" panose="020B0604030504040204" pitchFamily="34" charset="0"/>
+                <a:ea typeface="Verdana" panose="020B0604030504040204" pitchFamily="34" charset="0"/>
+              </a:rPr>
+              <a:t>, </a:t>
+            </a:r>
+            <a:r>
+              <a:rPr lang="en-US" dirty="0" err="1">
+                <a:latin typeface="Verdana" panose="020B0604030504040204" pitchFamily="34" charset="0"/>
+                <a:ea typeface="Verdana" panose="020B0604030504040204" pitchFamily="34" charset="0"/>
+              </a:rPr>
+              <a:t>SW_obs</a:t>
+            </a:r>
+            <a:r>
+              <a:rPr lang="en-US" dirty="0">
+                <a:latin typeface="Verdana" panose="020B0604030504040204" pitchFamily="34" charset="0"/>
+                <a:ea typeface="Verdana" panose="020B0604030504040204" pitchFamily="34" charset="0"/>
+              </a:rPr>
+              <a:t>), (</a:t>
+            </a:r>
+            <a:r>
+              <a:rPr lang="en-US" dirty="0" err="1">
+                <a:latin typeface="Verdana" panose="020B0604030504040204" pitchFamily="34" charset="0"/>
+                <a:ea typeface="Verdana" panose="020B0604030504040204" pitchFamily="34" charset="0"/>
+              </a:rPr>
+              <a:t>NW_d</a:t>
+            </a:r>
+            <a:r>
+              <a:rPr lang="en-US" dirty="0">
+                <a:latin typeface="Verdana" panose="020B0604030504040204" pitchFamily="34" charset="0"/>
+                <a:ea typeface="Verdana" panose="020B0604030504040204" pitchFamily="34" charset="0"/>
+              </a:rPr>
+              <a:t>, </a:t>
+            </a:r>
+            <a:r>
+              <a:rPr lang="en-US" dirty="0" err="1">
+                <a:latin typeface="Verdana" panose="020B0604030504040204" pitchFamily="34" charset="0"/>
+                <a:ea typeface="Verdana" panose="020B0604030504040204" pitchFamily="34" charset="0"/>
+              </a:rPr>
+              <a:t>NW_obs</a:t>
             </a:r>
             <a:r>
               <a:rPr lang="en-US" dirty="0">
@@ -4618,6 +4863,119 @@
             </a:r>
           </a:p>
           <a:p>
+            <a:pPr>
+              <a:buFontTx/>
+              <a:buChar char="-"/>
+            </a:pPr>
+            <a:r>
+              <a:rPr lang="it-IT" dirty="0" err="1">
+                <a:latin typeface="Verdana" panose="020B0604030504040204" pitchFamily="34" charset="0"/>
+                <a:ea typeface="Verdana" panose="020B0604030504040204" pitchFamily="34" charset="0"/>
+              </a:rPr>
+              <a:t>Distance</a:t>
+            </a:r>
+            <a:r>
+              <a:rPr lang="it-IT" dirty="0">
+                <a:latin typeface="Verdana" panose="020B0604030504040204" pitchFamily="34" charset="0"/>
+                <a:ea typeface="Verdana" panose="020B0604030504040204" pitchFamily="34" charset="0"/>
+              </a:rPr>
+              <a:t> (_d): [0,1,2,3]</a:t>
+            </a:r>
+          </a:p>
+          <a:p>
+            <a:pPr>
+              <a:buFontTx/>
+              <a:buChar char="-"/>
+            </a:pPr>
+            <a:r>
+              <a:rPr lang="it-IT" dirty="0" err="1">
+                <a:latin typeface="Verdana" panose="020B0604030504040204" pitchFamily="34" charset="0"/>
+                <a:ea typeface="Verdana" panose="020B0604030504040204" pitchFamily="34" charset="0"/>
+              </a:rPr>
+              <a:t>Passenger</a:t>
+            </a:r>
+            <a:r>
+              <a:rPr lang="it-IT" dirty="0">
+                <a:latin typeface="Verdana" panose="020B0604030504040204" pitchFamily="34" charset="0"/>
+                <a:ea typeface="Verdana" panose="020B0604030504040204" pitchFamily="34" charset="0"/>
+              </a:rPr>
+              <a:t> Location: None, </a:t>
+            </a:r>
+            <a:r>
+              <a:rPr lang="it-IT" dirty="0" err="1">
+                <a:latin typeface="Verdana" panose="020B0604030504040204" pitchFamily="34" charset="0"/>
+                <a:ea typeface="Verdana" panose="020B0604030504040204" pitchFamily="34" charset="0"/>
+              </a:rPr>
+              <a:t>StartPoint</a:t>
+            </a:r>
+            <a:r>
+              <a:rPr lang="it-IT" dirty="0">
+                <a:latin typeface="Verdana" panose="020B0604030504040204" pitchFamily="34" charset="0"/>
+                <a:ea typeface="Verdana" panose="020B0604030504040204" pitchFamily="34" charset="0"/>
+              </a:rPr>
+              <a:t>, </a:t>
+            </a:r>
+            <a:r>
+              <a:rPr lang="it-IT" dirty="0" err="1">
+                <a:latin typeface="Verdana" panose="020B0604030504040204" pitchFamily="34" charset="0"/>
+                <a:ea typeface="Verdana" panose="020B0604030504040204" pitchFamily="34" charset="0"/>
+              </a:rPr>
+              <a:t>OnMount</a:t>
+            </a:r>
+            <a:endParaRPr lang="it-IT" dirty="0">
+              <a:latin typeface="Verdana" panose="020B0604030504040204" pitchFamily="34" charset="0"/>
+              <a:ea typeface="Verdana" panose="020B0604030504040204" pitchFamily="34" charset="0"/>
+            </a:endParaRPr>
+          </a:p>
+          <a:p>
+            <a:pPr>
+              <a:buFontTx/>
+              <a:buChar char="-"/>
+            </a:pPr>
+            <a:r>
+              <a:rPr lang="it-IT" dirty="0" err="1">
+                <a:latin typeface="Verdana" panose="020B0604030504040204" pitchFamily="34" charset="0"/>
+                <a:ea typeface="Verdana" panose="020B0604030504040204" pitchFamily="34" charset="0"/>
+              </a:rPr>
+              <a:t>Passenger</a:t>
+            </a:r>
+            <a:r>
+              <a:rPr lang="it-IT" dirty="0">
+                <a:latin typeface="Verdana" panose="020B0604030504040204" pitchFamily="34" charset="0"/>
+                <a:ea typeface="Verdana" panose="020B0604030504040204" pitchFamily="34" charset="0"/>
+              </a:rPr>
+              <a:t> </a:t>
+            </a:r>
+            <a:r>
+              <a:rPr lang="it-IT" dirty="0" err="1">
+                <a:latin typeface="Verdana" panose="020B0604030504040204" pitchFamily="34" charset="0"/>
+                <a:ea typeface="Verdana" panose="020B0604030504040204" pitchFamily="34" charset="0"/>
+              </a:rPr>
+              <a:t>Destination</a:t>
+            </a:r>
+            <a:r>
+              <a:rPr lang="it-IT" dirty="0">
+                <a:latin typeface="Verdana" panose="020B0604030504040204" pitchFamily="34" charset="0"/>
+                <a:ea typeface="Verdana" panose="020B0604030504040204" pitchFamily="34" charset="0"/>
+              </a:rPr>
+              <a:t>: None, </a:t>
+            </a:r>
+            <a:r>
+              <a:rPr lang="it-IT" dirty="0" err="1">
+                <a:latin typeface="Verdana" panose="020B0604030504040204" pitchFamily="34" charset="0"/>
+                <a:ea typeface="Verdana" panose="020B0604030504040204" pitchFamily="34" charset="0"/>
+              </a:rPr>
+              <a:t>FinishPoint</a:t>
+            </a:r>
+            <a:r>
+              <a:rPr lang="it-IT" dirty="0">
+                <a:latin typeface="Verdana" panose="020B0604030504040204" pitchFamily="34" charset="0"/>
+                <a:ea typeface="Verdana" panose="020B0604030504040204" pitchFamily="34" charset="0"/>
+              </a:rPr>
+              <a:t> </a:t>
+            </a:r>
+          </a:p>
+          <a:p>
             <a:pPr marL="45720" indent="0">
               <a:buNone/>
             </a:pPr>
@@ -4626,21 +4984,21 @@
                 <a:latin typeface="Verdana" panose="020B0604030504040204" pitchFamily="34" charset="0"/>
                 <a:ea typeface="Verdana" panose="020B0604030504040204" pitchFamily="34" charset="0"/>
               </a:rPr>
-              <a:t>- </a:t>
+              <a:t>   (</a:t>
             </a:r>
             <a:r>
               <a:rPr lang="it-IT" dirty="0" err="1">
                 <a:latin typeface="Verdana" panose="020B0604030504040204" pitchFamily="34" charset="0"/>
                 <a:ea typeface="Verdana" panose="020B0604030504040204" pitchFamily="34" charset="0"/>
               </a:rPr>
-              <a:t>Distance</a:t>
+              <a:t>rindondante</a:t>
             </a:r>
             <a:r>
               <a:rPr lang="it-IT" dirty="0">
                 <a:latin typeface="Verdana" panose="020B0604030504040204" pitchFamily="34" charset="0"/>
                 <a:ea typeface="Verdana" panose="020B0604030504040204" pitchFamily="34" charset="0"/>
               </a:rPr>
-              <a:t> (_d): [0,1,2,3]</a:t>
+              <a:t>, ma consente di cambiare possibili punti di arrivo)</a:t>
             </a:r>
           </a:p>
           <a:p>
@@ -4657,73 +5015,86 @@
               <a:buNone/>
             </a:pPr>
             <a:r>
-              <a:rPr lang="it-IT" dirty="0" err="1">
-                <a:latin typeface="Verdana" panose="020B0604030504040204" pitchFamily="34" charset="0"/>
-                <a:ea typeface="Verdana" panose="020B0604030504040204" pitchFamily="34" charset="0"/>
-              </a:rPr>
-              <a:t>ToDO</a:t>
-            </a:r>
-            <a:r>
               <a:rPr lang="it-IT" dirty="0">
                 <a:latin typeface="Verdana" panose="020B0604030504040204" pitchFamily="34" charset="0"/>
                 <a:ea typeface="Verdana" panose="020B0604030504040204" pitchFamily="34" charset="0"/>
               </a:rPr>
-              <a:t>: da specificare pro e contro della scelta iniziale e della successiva</a:t>
-            </a:r>
-          </a:p>
-          <a:p>
-            <a:pPr marL="45720" indent="0">
-              <a:buNone/>
-            </a:pPr>
-            <a:r>
-              <a:rPr lang="it-IT" dirty="0">
-                <a:latin typeface="Verdana" panose="020B0604030504040204" pitchFamily="34" charset="0"/>
-                <a:ea typeface="Verdana" panose="020B0604030504040204" pitchFamily="34" charset="0"/>
-              </a:rPr>
-              <a:t>Q-</a:t>
-            </a:r>
-            <a:r>
-              <a:rPr lang="it-IT" dirty="0" err="1">
-                <a:latin typeface="Verdana" panose="020B0604030504040204" pitchFamily="34" charset="0"/>
-                <a:ea typeface="Verdana" panose="020B0604030504040204" pitchFamily="34" charset="0"/>
-              </a:rPr>
-              <a:t>Table</a:t>
-            </a:r>
-            <a:r>
-              <a:rPr lang="it-IT" dirty="0">
+              <a:t>Cardinalità: 4 * (4*4)^8 * 3 * 2 </a:t>
+            </a:r>
+            <a:r>
+              <a:rPr lang="en-US" dirty="0">
+                <a:latin typeface="Verdana" panose="020B0604030504040204" pitchFamily="34" charset="0"/>
+                <a:ea typeface="Verdana" panose="020B0604030504040204" pitchFamily="34" charset="0"/>
+              </a:rPr>
+              <a:t>= 103.079.215.104 </a:t>
+            </a:r>
+            <a:r>
+              <a:rPr lang="en-US" dirty="0" err="1">
+                <a:latin typeface="Verdana" panose="020B0604030504040204" pitchFamily="34" charset="0"/>
+                <a:ea typeface="Verdana" panose="020B0604030504040204" pitchFamily="34" charset="0"/>
+              </a:rPr>
+              <a:t>stati</a:t>
+            </a:r>
+            <a:r>
+              <a:rPr lang="en-US" dirty="0">
                 <a:latin typeface="Verdana" panose="020B0604030504040204" pitchFamily="34" charset="0"/>
                 <a:ea typeface="Verdana" panose="020B0604030504040204" pitchFamily="34" charset="0"/>
               </a:rPr>
               <a:t> </a:t>
             </a:r>
             <a:r>
-              <a:rPr lang="it-IT" dirty="0" err="1">
-                <a:latin typeface="Verdana" panose="020B0604030504040204" pitchFamily="34" charset="0"/>
-                <a:ea typeface="Verdana" panose="020B0604030504040204" pitchFamily="34" charset="0"/>
-              </a:rPr>
-              <a:t>Coord-based</a:t>
-            </a:r>
-            <a:r>
-              <a:rPr lang="it-IT" dirty="0">
-                <a:latin typeface="Verdana" panose="020B0604030504040204" pitchFamily="34" charset="0"/>
-                <a:ea typeface="Verdana" panose="020B0604030504040204" pitchFamily="34" charset="0"/>
-              </a:rPr>
-              <a:t> =&gt; Lidar-like DQN =&gt; Lidar-like </a:t>
-            </a:r>
-            <a:r>
-              <a:rPr lang="it-IT" dirty="0" err="1">
-                <a:latin typeface="Verdana" panose="020B0604030504040204" pitchFamily="34" charset="0"/>
-                <a:ea typeface="Verdana" panose="020B0604030504040204" pitchFamily="34" charset="0"/>
-              </a:rPr>
-              <a:t>QTable</a:t>
+              <a:rPr lang="en-US" dirty="0" err="1">
+                <a:latin typeface="Verdana" panose="020B0604030504040204" pitchFamily="34" charset="0"/>
+                <a:ea typeface="Verdana" panose="020B0604030504040204" pitchFamily="34" charset="0"/>
+              </a:rPr>
+              <a:t>possibili</a:t>
             </a:r>
             <a:endParaRPr lang="it-IT" dirty="0">
               <a:latin typeface="Verdana" panose="020B0604030504040204" pitchFamily="34" charset="0"/>
               <a:ea typeface="Verdana" panose="020B0604030504040204" pitchFamily="34" charset="0"/>
             </a:endParaRPr>
           </a:p>
-        </p:txBody>
-      </p:sp>
+          <a:p>
+            <a:pPr marL="45720" indent="0">
+              <a:buNone/>
+            </a:pPr>
+            <a:endParaRPr lang="it-IT" dirty="0">
+              <a:latin typeface="Verdana" panose="020B0604030504040204" pitchFamily="34" charset="0"/>
+              <a:ea typeface="Verdana" panose="020B0604030504040204" pitchFamily="34" charset="0"/>
+            </a:endParaRPr>
+          </a:p>
+        </p:txBody>
+      </p:sp>
+      <p:pic>
+        <p:nvPicPr>
+          <p:cNvPr id="4" name="Immagine 3">
+            <a:extLst>
+              <a:ext uri="{FF2B5EF4-FFF2-40B4-BE49-F238E27FC236}">
+                <a16:creationId xmlns:a16="http://schemas.microsoft.com/office/drawing/2014/main" id="{00AE8A20-A229-4483-BC7D-51D248671A8C}"/>
+              </a:ext>
+            </a:extLst>
+          </p:cNvPr>
+          <p:cNvPicPr>
+            <a:picLocks noChangeAspect="1"/>
+          </p:cNvPicPr>
+          <p:nvPr/>
+        </p:nvPicPr>
+        <p:blipFill>
+          <a:blip r:embed="rId2"/>
+          <a:stretch>
+            <a:fillRect/>
+          </a:stretch>
+        </p:blipFill>
+        <p:spPr>
+          <a:xfrm>
+            <a:off x="7572985" y="2680510"/>
+            <a:ext cx="4382795" cy="3933650"/>
+          </a:xfrm>
+          <a:prstGeom prst="rect">
+            <a:avLst/>
+          </a:prstGeom>
+        </p:spPr>
+      </p:pic>
     </p:spTree>
     <p:extLst>
       <p:ext uri="{BB962C8B-B14F-4D97-AF65-F5344CB8AC3E}">
@@ -5224,7 +5595,7 @@
                 <a:latin typeface="Verdana" panose="020B0604030504040204" pitchFamily="34" charset="0"/>
                 <a:ea typeface="Verdana" panose="020B0604030504040204" pitchFamily="34" charset="0"/>
               </a:rPr>
-              <a:t>Q-Table</a:t>
+              <a:t>Q-Learning</a:t>
             </a:r>
             <a:endParaRPr lang="it-IT" sz="3200" dirty="0">
               <a:latin typeface="Verdana" panose="020B0604030504040204" pitchFamily="34" charset="0"/>
@@ -5251,8 +5622,8 @@
         </p:nvSpPr>
         <p:spPr>
           <a:xfrm>
-            <a:off x="477244" y="1415351"/>
-            <a:ext cx="11250221" cy="4542104"/>
+            <a:off x="464534" y="1031950"/>
+            <a:ext cx="11250221" cy="2327194"/>
           </a:xfrm>
         </p:spPr>
         <p:txBody>
@@ -5264,13 +5635,1865 @@
             <a:pPr marL="45720" indent="0">
               <a:buNone/>
             </a:pPr>
-            <a:endParaRPr lang="it-IT" dirty="0">
-              <a:latin typeface="Verdana" panose="020B0604030504040204" pitchFamily="34" charset="0"/>
-              <a:ea typeface="Verdana" panose="020B0604030504040204" pitchFamily="34" charset="0"/>
+            <a:r>
+              <a:rPr lang="en-US" b="0" i="0" dirty="0">
+                <a:solidFill>
+                  <a:srgbClr val="333333"/>
+                </a:solidFill>
+                <a:effectLst/>
+                <a:latin typeface="proxima-nova"/>
+              </a:rPr>
+              <a:t>Q-Learning </a:t>
+            </a:r>
+            <a:r>
+              <a:rPr lang="en-US" b="0" i="0" dirty="0" err="1">
+                <a:solidFill>
+                  <a:srgbClr val="333333"/>
+                </a:solidFill>
+                <a:effectLst/>
+                <a:latin typeface="proxima-nova"/>
+              </a:rPr>
+              <a:t>permette</a:t>
+            </a:r>
+            <a:r>
+              <a:rPr lang="en-US" b="0" i="0" dirty="0">
+                <a:solidFill>
+                  <a:srgbClr val="333333"/>
+                </a:solidFill>
+                <a:effectLst/>
+                <a:latin typeface="proxima-nova"/>
+              </a:rPr>
+              <a:t> </a:t>
+            </a:r>
+            <a:r>
+              <a:rPr lang="en-US" b="0" i="0" dirty="0" err="1">
+                <a:solidFill>
+                  <a:srgbClr val="333333"/>
+                </a:solidFill>
+                <a:effectLst/>
+                <a:latin typeface="proxima-nova"/>
+              </a:rPr>
+              <a:t>all’agente</a:t>
+            </a:r>
+            <a:r>
+              <a:rPr lang="en-US" b="0" i="0" dirty="0">
+                <a:solidFill>
+                  <a:srgbClr val="333333"/>
+                </a:solidFill>
+                <a:effectLst/>
+                <a:latin typeface="proxima-nova"/>
+              </a:rPr>
+              <a:t> di </a:t>
+            </a:r>
+            <a:r>
+              <a:rPr lang="en-US" b="0" i="0" dirty="0" err="1">
+                <a:solidFill>
+                  <a:srgbClr val="333333"/>
+                </a:solidFill>
+                <a:effectLst/>
+                <a:latin typeface="proxima-nova"/>
+              </a:rPr>
+              <a:t>imparare</a:t>
+            </a:r>
+            <a:r>
+              <a:rPr lang="en-US" b="0" i="0" dirty="0">
+                <a:solidFill>
+                  <a:srgbClr val="333333"/>
+                </a:solidFill>
+                <a:effectLst/>
+                <a:latin typeface="proxima-nova"/>
+              </a:rPr>
+              <a:t> a </a:t>
+            </a:r>
+            <a:r>
+              <a:rPr lang="en-US" b="0" i="0" dirty="0" err="1">
+                <a:solidFill>
+                  <a:srgbClr val="333333"/>
+                </a:solidFill>
+                <a:effectLst/>
+                <a:latin typeface="proxima-nova"/>
+              </a:rPr>
+              <a:t>compiere</a:t>
+            </a:r>
+            <a:r>
+              <a:rPr lang="en-US" b="0" i="0" dirty="0">
+                <a:solidFill>
+                  <a:srgbClr val="333333"/>
+                </a:solidFill>
+                <a:effectLst/>
+                <a:latin typeface="proxima-nova"/>
+              </a:rPr>
+              <a:t> </a:t>
+            </a:r>
+            <a:r>
+              <a:rPr lang="en-US" b="0" i="0" dirty="0" err="1">
+                <a:solidFill>
+                  <a:srgbClr val="333333"/>
+                </a:solidFill>
+                <a:effectLst/>
+                <a:latin typeface="proxima-nova"/>
+              </a:rPr>
+              <a:t>l’azione</a:t>
+            </a:r>
+            <a:r>
+              <a:rPr lang="en-US" b="0" i="0" dirty="0">
+                <a:solidFill>
+                  <a:srgbClr val="333333"/>
+                </a:solidFill>
+                <a:effectLst/>
+                <a:latin typeface="proxima-nova"/>
+              </a:rPr>
+              <a:t> </a:t>
+            </a:r>
+            <a:r>
+              <a:rPr lang="en-US" b="0" i="0" dirty="0" err="1">
+                <a:solidFill>
+                  <a:srgbClr val="333333"/>
+                </a:solidFill>
+                <a:effectLst/>
+                <a:latin typeface="proxima-nova"/>
+              </a:rPr>
+              <a:t>migliore</a:t>
+            </a:r>
+            <a:r>
+              <a:rPr lang="en-US" b="0" i="0" dirty="0">
+                <a:solidFill>
+                  <a:srgbClr val="333333"/>
+                </a:solidFill>
+                <a:effectLst/>
+                <a:latin typeface="proxima-nova"/>
+              </a:rPr>
+              <a:t> in un </a:t>
+            </a:r>
+            <a:r>
+              <a:rPr lang="en-US" b="0" i="0" dirty="0" err="1">
+                <a:solidFill>
+                  <a:srgbClr val="333333"/>
+                </a:solidFill>
+                <a:effectLst/>
+                <a:latin typeface="proxima-nova"/>
+              </a:rPr>
+              <a:t>determinato</a:t>
+            </a:r>
+            <a:r>
+              <a:rPr lang="en-US" b="0" i="0" dirty="0">
+                <a:solidFill>
+                  <a:srgbClr val="333333"/>
+                </a:solidFill>
+                <a:effectLst/>
+                <a:latin typeface="proxima-nova"/>
+              </a:rPr>
+              <a:t> </a:t>
+            </a:r>
+            <a:r>
+              <a:rPr lang="en-US" b="0" i="0" dirty="0" err="1">
+                <a:solidFill>
+                  <a:srgbClr val="333333"/>
+                </a:solidFill>
+                <a:effectLst/>
+                <a:latin typeface="proxima-nova"/>
+              </a:rPr>
+              <a:t>stato</a:t>
+            </a:r>
+            <a:r>
+              <a:rPr lang="en-US" b="0" i="0" dirty="0">
+                <a:solidFill>
+                  <a:srgbClr val="333333"/>
+                </a:solidFill>
+                <a:effectLst/>
+                <a:latin typeface="proxima-nova"/>
+              </a:rPr>
+              <a:t> </a:t>
+            </a:r>
+            <a:r>
+              <a:rPr lang="en-US" b="0" i="0" dirty="0" err="1">
+                <a:solidFill>
+                  <a:srgbClr val="333333"/>
+                </a:solidFill>
+                <a:effectLst/>
+                <a:latin typeface="proxima-nova"/>
+              </a:rPr>
+              <a:t>utilizzando</a:t>
+            </a:r>
+            <a:r>
+              <a:rPr lang="en-US" b="0" i="0" dirty="0">
+                <a:solidFill>
+                  <a:srgbClr val="333333"/>
+                </a:solidFill>
+                <a:effectLst/>
+                <a:latin typeface="proxima-nova"/>
+              </a:rPr>
+              <a:t> le </a:t>
+            </a:r>
+            <a:r>
+              <a:rPr lang="en-US" b="0" i="0" dirty="0" err="1">
+                <a:solidFill>
+                  <a:srgbClr val="333333"/>
+                </a:solidFill>
+                <a:effectLst/>
+                <a:latin typeface="proxima-nova"/>
+              </a:rPr>
+              <a:t>ricompense</a:t>
+            </a:r>
+            <a:r>
+              <a:rPr lang="en-US" b="0" i="0" dirty="0">
+                <a:solidFill>
+                  <a:srgbClr val="333333"/>
+                </a:solidFill>
+                <a:effectLst/>
+                <a:latin typeface="proxima-nova"/>
+              </a:rPr>
+              <a:t> </a:t>
+            </a:r>
+            <a:r>
+              <a:rPr lang="en-US" b="0" i="0" dirty="0" err="1">
+                <a:solidFill>
+                  <a:srgbClr val="333333"/>
+                </a:solidFill>
+                <a:effectLst/>
+                <a:latin typeface="proxima-nova"/>
+              </a:rPr>
+              <a:t>ricevute</a:t>
+            </a:r>
+            <a:r>
+              <a:rPr lang="en-US" b="0" i="0" dirty="0">
+                <a:solidFill>
+                  <a:srgbClr val="333333"/>
+                </a:solidFill>
+                <a:effectLst/>
+                <a:latin typeface="proxima-nova"/>
+              </a:rPr>
+              <a:t> </a:t>
+            </a:r>
+            <a:r>
+              <a:rPr lang="en-US" b="0" i="0" dirty="0" err="1">
+                <a:solidFill>
+                  <a:srgbClr val="333333"/>
+                </a:solidFill>
+                <a:effectLst/>
+                <a:latin typeface="proxima-nova"/>
+              </a:rPr>
+              <a:t>dall’environment</a:t>
+            </a:r>
+            <a:r>
+              <a:rPr lang="en-US" b="0" i="0" dirty="0">
+                <a:solidFill>
+                  <a:srgbClr val="333333"/>
+                </a:solidFill>
+                <a:effectLst/>
+                <a:latin typeface="proxima-nova"/>
+              </a:rPr>
+              <a:t> </a:t>
+            </a:r>
+            <a:r>
+              <a:rPr lang="en-US" b="0" i="0" dirty="0" err="1">
+                <a:solidFill>
+                  <a:srgbClr val="333333"/>
+                </a:solidFill>
+                <a:effectLst/>
+                <a:latin typeface="proxima-nova"/>
+              </a:rPr>
+              <a:t>nel</a:t>
+            </a:r>
+            <a:r>
+              <a:rPr lang="en-US" b="0" i="0" dirty="0">
+                <a:solidFill>
+                  <a:srgbClr val="333333"/>
+                </a:solidFill>
+                <a:effectLst/>
+                <a:latin typeface="proxima-nova"/>
+              </a:rPr>
+              <a:t> tempo.</a:t>
+            </a:r>
+          </a:p>
+          <a:p>
+            <a:pPr marL="45720" indent="0">
+              <a:buNone/>
+            </a:pPr>
+            <a:r>
+              <a:rPr lang="en-US" dirty="0">
+                <a:solidFill>
+                  <a:srgbClr val="333333"/>
+                </a:solidFill>
+                <a:latin typeface="proxima-nova"/>
+              </a:rPr>
+              <a:t>Nel nostro </a:t>
+            </a:r>
+            <a:r>
+              <a:rPr lang="en-US" dirty="0" err="1">
+                <a:solidFill>
+                  <a:srgbClr val="333333"/>
+                </a:solidFill>
+                <a:latin typeface="proxima-nova"/>
+              </a:rPr>
+              <a:t>ambiente</a:t>
+            </a:r>
+            <a:r>
+              <a:rPr lang="en-US" dirty="0">
+                <a:solidFill>
+                  <a:srgbClr val="333333"/>
+                </a:solidFill>
+                <a:latin typeface="proxima-nova"/>
+              </a:rPr>
+              <a:t>, </a:t>
+            </a:r>
+            <a:r>
+              <a:rPr lang="en-US" dirty="0" err="1">
+                <a:solidFill>
+                  <a:srgbClr val="333333"/>
+                </a:solidFill>
+                <a:latin typeface="proxima-nova"/>
+              </a:rPr>
+              <a:t>l’agente</a:t>
+            </a:r>
+            <a:r>
+              <a:rPr lang="en-US" dirty="0">
+                <a:solidFill>
+                  <a:srgbClr val="333333"/>
+                </a:solidFill>
+                <a:latin typeface="proxima-nova"/>
+              </a:rPr>
+              <a:t> </a:t>
+            </a:r>
+            <a:r>
+              <a:rPr lang="en-US" dirty="0" err="1">
+                <a:solidFill>
+                  <a:srgbClr val="333333"/>
+                </a:solidFill>
+                <a:latin typeface="proxima-nova"/>
+              </a:rPr>
+              <a:t>riceverà</a:t>
+            </a:r>
+            <a:r>
+              <a:rPr lang="en-US" dirty="0">
+                <a:solidFill>
+                  <a:srgbClr val="333333"/>
+                </a:solidFill>
+                <a:latin typeface="proxima-nova"/>
+              </a:rPr>
+              <a:t> una </a:t>
+            </a:r>
+            <a:r>
+              <a:rPr lang="en-US" dirty="0" err="1">
+                <a:solidFill>
+                  <a:srgbClr val="333333"/>
+                </a:solidFill>
+                <a:latin typeface="proxima-nova"/>
+              </a:rPr>
+              <a:t>ricompensa</a:t>
+            </a:r>
+            <a:r>
+              <a:rPr lang="en-US" dirty="0">
+                <a:solidFill>
+                  <a:srgbClr val="333333"/>
+                </a:solidFill>
+                <a:latin typeface="proxima-nova"/>
+              </a:rPr>
+              <a:t> o una </a:t>
+            </a:r>
+            <a:r>
+              <a:rPr lang="en-US" dirty="0" err="1">
+                <a:solidFill>
+                  <a:srgbClr val="333333"/>
+                </a:solidFill>
+                <a:latin typeface="proxima-nova"/>
+              </a:rPr>
+              <a:t>penalità</a:t>
+            </a:r>
+            <a:r>
+              <a:rPr lang="en-US" dirty="0">
+                <a:solidFill>
+                  <a:srgbClr val="333333"/>
+                </a:solidFill>
+                <a:latin typeface="proxima-nova"/>
+              </a:rPr>
+              <a:t> ad </a:t>
+            </a:r>
+            <a:r>
+              <a:rPr lang="en-US" dirty="0" err="1">
+                <a:solidFill>
+                  <a:srgbClr val="333333"/>
+                </a:solidFill>
+                <a:latin typeface="proxima-nova"/>
+              </a:rPr>
+              <a:t>ogni</a:t>
+            </a:r>
+            <a:r>
+              <a:rPr lang="en-US" dirty="0">
+                <a:solidFill>
+                  <a:srgbClr val="333333"/>
+                </a:solidFill>
+                <a:latin typeface="proxima-nova"/>
+              </a:rPr>
+              <a:t> azione </a:t>
+            </a:r>
+            <a:r>
+              <a:rPr lang="en-US" dirty="0" err="1">
+                <a:solidFill>
+                  <a:srgbClr val="333333"/>
+                </a:solidFill>
+                <a:latin typeface="proxima-nova"/>
+              </a:rPr>
+              <a:t>compiuta</a:t>
+            </a:r>
+            <a:r>
+              <a:rPr lang="en-US" dirty="0">
+                <a:solidFill>
+                  <a:srgbClr val="333333"/>
+                </a:solidFill>
+                <a:latin typeface="proxima-nova"/>
+              </a:rPr>
+              <a:t> in </a:t>
+            </a:r>
+            <a:r>
+              <a:rPr lang="en-US" dirty="0" err="1">
+                <a:solidFill>
+                  <a:srgbClr val="333333"/>
+                </a:solidFill>
+                <a:latin typeface="proxima-nova"/>
+              </a:rPr>
+              <a:t>quello</a:t>
+            </a:r>
+            <a:r>
+              <a:rPr lang="en-US" dirty="0">
+                <a:solidFill>
+                  <a:srgbClr val="333333"/>
+                </a:solidFill>
+                <a:latin typeface="proxima-nova"/>
+              </a:rPr>
+              <a:t> </a:t>
+            </a:r>
+            <a:r>
+              <a:rPr lang="en-US" dirty="0" err="1">
+                <a:solidFill>
+                  <a:srgbClr val="333333"/>
+                </a:solidFill>
+                <a:latin typeface="proxima-nova"/>
+              </a:rPr>
+              <a:t>stato</a:t>
+            </a:r>
+            <a:r>
+              <a:rPr lang="en-US" dirty="0">
+                <a:solidFill>
+                  <a:srgbClr val="333333"/>
+                </a:solidFill>
+                <a:latin typeface="proxima-nova"/>
+              </a:rPr>
+              <a:t>. </a:t>
+            </a:r>
+            <a:r>
+              <a:rPr lang="en-US" dirty="0" err="1">
+                <a:solidFill>
+                  <a:srgbClr val="333333"/>
+                </a:solidFill>
+                <a:latin typeface="proxima-nova"/>
+              </a:rPr>
+              <a:t>Tali</a:t>
+            </a:r>
+            <a:r>
+              <a:rPr lang="en-US" dirty="0">
+                <a:solidFill>
+                  <a:srgbClr val="333333"/>
+                </a:solidFill>
+                <a:latin typeface="proxima-nova"/>
+              </a:rPr>
+              <a:t> </a:t>
+            </a:r>
+            <a:r>
+              <a:rPr lang="en-US" dirty="0" err="1">
+                <a:solidFill>
+                  <a:srgbClr val="333333"/>
+                </a:solidFill>
+                <a:latin typeface="proxima-nova"/>
+              </a:rPr>
+              <a:t>ricompense</a:t>
+            </a:r>
+            <a:r>
+              <a:rPr lang="en-US" dirty="0">
+                <a:solidFill>
+                  <a:srgbClr val="333333"/>
+                </a:solidFill>
+                <a:latin typeface="proxima-nova"/>
+              </a:rPr>
+              <a:t>/</a:t>
+            </a:r>
+            <a:r>
+              <a:rPr lang="en-US" dirty="0" err="1">
+                <a:solidFill>
+                  <a:srgbClr val="333333"/>
+                </a:solidFill>
+                <a:latin typeface="proxima-nova"/>
+              </a:rPr>
+              <a:t>penalità</a:t>
+            </a:r>
+            <a:r>
+              <a:rPr lang="en-US" dirty="0">
+                <a:solidFill>
+                  <a:srgbClr val="333333"/>
+                </a:solidFill>
+                <a:latin typeface="proxima-nova"/>
+              </a:rPr>
+              <a:t> </a:t>
+            </a:r>
+            <a:r>
+              <a:rPr lang="en-US" dirty="0" err="1">
+                <a:solidFill>
+                  <a:srgbClr val="333333"/>
+                </a:solidFill>
+                <a:latin typeface="proxima-nova"/>
+              </a:rPr>
+              <a:t>saranno</a:t>
+            </a:r>
+            <a:r>
+              <a:rPr lang="en-US" dirty="0">
+                <a:solidFill>
+                  <a:srgbClr val="333333"/>
+                </a:solidFill>
+                <a:latin typeface="proxima-nova"/>
+              </a:rPr>
+              <a:t> </a:t>
+            </a:r>
+            <a:r>
+              <a:rPr lang="en-US" dirty="0" err="1">
+                <a:solidFill>
+                  <a:srgbClr val="333333"/>
+                </a:solidFill>
+                <a:latin typeface="proxima-nova"/>
+              </a:rPr>
+              <a:t>utilizzate</a:t>
+            </a:r>
+            <a:r>
+              <a:rPr lang="en-US" dirty="0">
+                <a:solidFill>
+                  <a:srgbClr val="333333"/>
+                </a:solidFill>
+                <a:latin typeface="proxima-nova"/>
+              </a:rPr>
+              <a:t> per </a:t>
+            </a:r>
+            <a:r>
+              <a:rPr lang="en-US" dirty="0" err="1">
+                <a:solidFill>
+                  <a:srgbClr val="333333"/>
+                </a:solidFill>
+                <a:latin typeface="proxima-nova"/>
+              </a:rPr>
+              <a:t>calcolare</a:t>
+            </a:r>
+            <a:r>
+              <a:rPr lang="en-US" dirty="0">
+                <a:solidFill>
+                  <a:srgbClr val="333333"/>
+                </a:solidFill>
+                <a:latin typeface="proxima-nova"/>
+              </a:rPr>
+              <a:t> il Q-Value.</a:t>
+            </a:r>
+          </a:p>
+          <a:p>
+            <a:pPr marL="45720" indent="0">
+              <a:buNone/>
+            </a:pPr>
+            <a:r>
+              <a:rPr lang="en-US" b="0" i="0" dirty="0">
+                <a:solidFill>
+                  <a:srgbClr val="333333"/>
+                </a:solidFill>
+                <a:effectLst/>
+                <a:latin typeface="proxima-nova"/>
+              </a:rPr>
+              <a:t>Q-Value</a:t>
+            </a:r>
+            <a:r>
+              <a:rPr lang="en-US" dirty="0">
+                <a:solidFill>
+                  <a:srgbClr val="333333"/>
+                </a:solidFill>
+                <a:latin typeface="proxima-nova"/>
+              </a:rPr>
+              <a:t>: </a:t>
+            </a:r>
+            <a:r>
+              <a:rPr lang="en-US" dirty="0" err="1">
+                <a:solidFill>
+                  <a:srgbClr val="333333"/>
+                </a:solidFill>
+                <a:latin typeface="proxima-nova"/>
+              </a:rPr>
+              <a:t>combinazione</a:t>
+            </a:r>
+            <a:r>
+              <a:rPr lang="en-US" dirty="0">
+                <a:solidFill>
+                  <a:srgbClr val="333333"/>
+                </a:solidFill>
+                <a:latin typeface="proxima-nova"/>
+              </a:rPr>
+              <a:t> (state, action) </a:t>
+            </a:r>
+            <a:r>
+              <a:rPr lang="en-US" dirty="0" err="1">
+                <a:solidFill>
+                  <a:srgbClr val="333333"/>
+                </a:solidFill>
+                <a:latin typeface="proxima-nova"/>
+              </a:rPr>
+              <a:t>che</a:t>
+            </a:r>
+            <a:r>
+              <a:rPr lang="en-US" dirty="0">
+                <a:solidFill>
+                  <a:srgbClr val="333333"/>
+                </a:solidFill>
+                <a:latin typeface="proxima-nova"/>
+              </a:rPr>
+              <a:t> </a:t>
+            </a:r>
+            <a:r>
+              <a:rPr lang="en-US" dirty="0" err="1">
+                <a:solidFill>
+                  <a:srgbClr val="333333"/>
+                </a:solidFill>
+                <a:latin typeface="proxima-nova"/>
+              </a:rPr>
+              <a:t>rappresenta</a:t>
+            </a:r>
+            <a:r>
+              <a:rPr lang="en-US" dirty="0">
+                <a:solidFill>
+                  <a:srgbClr val="333333"/>
+                </a:solidFill>
+                <a:latin typeface="proxima-nova"/>
+              </a:rPr>
+              <a:t> </a:t>
+            </a:r>
+            <a:r>
+              <a:rPr lang="en-US" dirty="0" err="1">
+                <a:solidFill>
+                  <a:srgbClr val="333333"/>
+                </a:solidFill>
+                <a:latin typeface="proxima-nova"/>
+              </a:rPr>
+              <a:t>quantitativamente</a:t>
+            </a:r>
+            <a:r>
+              <a:rPr lang="en-US" dirty="0">
+                <a:solidFill>
+                  <a:srgbClr val="333333"/>
+                </a:solidFill>
+                <a:latin typeface="proxima-nova"/>
+              </a:rPr>
+              <a:t> la </a:t>
+            </a:r>
+            <a:r>
+              <a:rPr lang="en-US" dirty="0" err="1">
+                <a:solidFill>
+                  <a:srgbClr val="333333"/>
+                </a:solidFill>
+                <a:latin typeface="proxima-nova"/>
+              </a:rPr>
+              <a:t>bontà</a:t>
+            </a:r>
+            <a:r>
+              <a:rPr lang="en-US" dirty="0">
+                <a:solidFill>
+                  <a:srgbClr val="333333"/>
+                </a:solidFill>
+                <a:latin typeface="proxima-nova"/>
+              </a:rPr>
+              <a:t> di </a:t>
+            </a:r>
+            <a:r>
+              <a:rPr lang="en-US" dirty="0" err="1">
+                <a:solidFill>
+                  <a:srgbClr val="333333"/>
+                </a:solidFill>
+                <a:latin typeface="proxima-nova"/>
+              </a:rPr>
+              <a:t>un’azione</a:t>
+            </a:r>
+            <a:r>
+              <a:rPr lang="en-US" dirty="0">
+                <a:solidFill>
+                  <a:srgbClr val="333333"/>
+                </a:solidFill>
+                <a:latin typeface="proxima-nova"/>
+              </a:rPr>
+              <a:t> </a:t>
+            </a:r>
+            <a:r>
+              <a:rPr lang="en-US" dirty="0" err="1">
+                <a:solidFill>
+                  <a:srgbClr val="333333"/>
+                </a:solidFill>
+                <a:latin typeface="proxima-nova"/>
+              </a:rPr>
+              <a:t>dato</a:t>
+            </a:r>
+            <a:r>
+              <a:rPr lang="en-US" dirty="0">
+                <a:solidFill>
+                  <a:srgbClr val="333333"/>
+                </a:solidFill>
+                <a:latin typeface="proxima-nova"/>
+              </a:rPr>
+              <a:t> uno </a:t>
+            </a:r>
+            <a:r>
+              <a:rPr lang="en-US" dirty="0" err="1">
+                <a:solidFill>
+                  <a:srgbClr val="333333"/>
+                </a:solidFill>
+                <a:latin typeface="proxima-nova"/>
+              </a:rPr>
+              <a:t>stato</a:t>
+            </a:r>
+            <a:r>
+              <a:rPr lang="en-US" dirty="0">
+                <a:solidFill>
+                  <a:srgbClr val="333333"/>
+                </a:solidFill>
+                <a:latin typeface="proxima-nova"/>
+              </a:rPr>
+              <a:t>.  Grande Q-Value =&gt; </a:t>
+            </a:r>
+            <a:r>
+              <a:rPr lang="en-US" dirty="0" err="1">
+                <a:solidFill>
+                  <a:srgbClr val="333333"/>
+                </a:solidFill>
+                <a:latin typeface="proxima-nova"/>
+              </a:rPr>
+              <a:t>maggiori</a:t>
+            </a:r>
+            <a:r>
+              <a:rPr lang="en-US" dirty="0">
+                <a:solidFill>
+                  <a:srgbClr val="333333"/>
+                </a:solidFill>
+                <a:latin typeface="proxima-nova"/>
+              </a:rPr>
+              <a:t> </a:t>
+            </a:r>
+            <a:r>
+              <a:rPr lang="en-US" dirty="0" err="1">
+                <a:solidFill>
+                  <a:srgbClr val="333333"/>
+                </a:solidFill>
+                <a:latin typeface="proxima-nova"/>
+              </a:rPr>
+              <a:t>probabilit</a:t>
+            </a:r>
+            <a:r>
+              <a:rPr lang="it-IT" dirty="0">
+                <a:solidFill>
+                  <a:srgbClr val="333333"/>
+                </a:solidFill>
+                <a:latin typeface="proxima-nova"/>
+              </a:rPr>
+              <a:t>à di ricevere ricompense migliori</a:t>
+            </a:r>
+            <a:endParaRPr lang="en-US" b="0" i="0" dirty="0">
+              <a:solidFill>
+                <a:srgbClr val="333333"/>
+              </a:solidFill>
+              <a:effectLst/>
+              <a:latin typeface="proxima-nova"/>
             </a:endParaRPr>
           </a:p>
         </p:txBody>
       </p:sp>
+      <mc:AlternateContent xmlns:mc="http://schemas.openxmlformats.org/markup-compatibility/2006" xmlns:a14="http://schemas.microsoft.com/office/drawing/2010/main">
+        <mc:Choice Requires="a14">
+          <p:sp>
+            <p:nvSpPr>
+              <p:cNvPr id="4" name="CasellaDiTesto 3">
+                <a:extLst>
+                  <a:ext uri="{FF2B5EF4-FFF2-40B4-BE49-F238E27FC236}">
+                    <a16:creationId xmlns:a16="http://schemas.microsoft.com/office/drawing/2014/main" id="{31B77DA4-EEC4-42C1-82D3-EF4BF90967A1}"/>
+                  </a:ext>
+                </a:extLst>
+              </p:cNvPr>
+              <p:cNvSpPr txBox="1"/>
+              <p:nvPr/>
+            </p:nvSpPr>
+            <p:spPr>
+              <a:xfrm>
+                <a:off x="698272" y="3692516"/>
+                <a:ext cx="10795456" cy="338554"/>
+              </a:xfrm>
+              <a:prstGeom prst="rect">
+                <a:avLst/>
+              </a:prstGeom>
+              <a:noFill/>
+            </p:spPr>
+            <p:txBody>
+              <a:bodyPr wrap="none" lIns="0" tIns="0" rIns="0" bIns="0" rtlCol="0">
+                <a:spAutoFit/>
+              </a:bodyPr>
+              <a:lstStyle/>
+              <a:p>
+                <a14:m>
+                  <m:oMath xmlns:m="http://schemas.openxmlformats.org/officeDocument/2006/math">
+                    <m:r>
+                      <a:rPr lang="it-IT" sz="2200" b="0" i="1" smtClean="0">
+                        <a:latin typeface="Cambria Math" panose="02040503050406030204" pitchFamily="18" charset="0"/>
+                      </a:rPr>
+                      <m:t>𝑄</m:t>
+                    </m:r>
+                    <m:d>
+                      <m:dPr>
+                        <m:ctrlPr>
+                          <a:rPr lang="it-IT" sz="2200" b="0" i="1" smtClean="0">
+                            <a:latin typeface="Cambria Math" panose="02040503050406030204" pitchFamily="18" charset="0"/>
+                          </a:rPr>
+                        </m:ctrlPr>
+                      </m:dPr>
+                      <m:e>
+                        <m:r>
+                          <a:rPr lang="it-IT" sz="2200" b="0" i="1" smtClean="0">
+                            <a:latin typeface="Cambria Math" panose="02040503050406030204" pitchFamily="18" charset="0"/>
+                          </a:rPr>
+                          <m:t>𝑠𝑡𝑎𝑡𝑒</m:t>
+                        </m:r>
+                        <m:r>
+                          <a:rPr lang="it-IT" sz="2200" b="0" i="1" smtClean="0">
+                            <a:latin typeface="Cambria Math" panose="02040503050406030204" pitchFamily="18" charset="0"/>
+                          </a:rPr>
+                          <m:t>,</m:t>
+                        </m:r>
+                        <m:r>
+                          <a:rPr lang="it-IT" sz="2200" b="0" i="1" smtClean="0">
+                            <a:latin typeface="Cambria Math" panose="02040503050406030204" pitchFamily="18" charset="0"/>
+                          </a:rPr>
+                          <m:t>𝑎𝑐𝑡𝑖𝑜𝑛</m:t>
+                        </m:r>
+                      </m:e>
+                    </m:d>
+                    <m:r>
+                      <a:rPr lang="en-US" sz="2200" b="0" i="1" smtClean="0">
+                        <a:latin typeface="Cambria Math" panose="02040503050406030204" pitchFamily="18" charset="0"/>
+                      </a:rPr>
+                      <m:t>=</m:t>
+                    </m:r>
+                    <m:d>
+                      <m:dPr>
+                        <m:ctrlPr>
+                          <a:rPr lang="en-US" sz="2200" b="0" i="1" smtClean="0">
+                            <a:latin typeface="Cambria Math" panose="02040503050406030204" pitchFamily="18" charset="0"/>
+                          </a:rPr>
+                        </m:ctrlPr>
+                      </m:dPr>
+                      <m:e>
+                        <m:r>
+                          <a:rPr lang="en-US" sz="2200" b="0" i="1" smtClean="0">
+                            <a:latin typeface="Cambria Math" panose="02040503050406030204" pitchFamily="18" charset="0"/>
+                          </a:rPr>
+                          <m:t>1− </m:t>
+                        </m:r>
+                        <m:r>
+                          <a:rPr lang="el-GR" sz="2200" b="0" i="1" smtClean="0">
+                            <a:latin typeface="Cambria Math" panose="02040503050406030204" pitchFamily="18" charset="0"/>
+                          </a:rPr>
+                          <m:t>𝛼</m:t>
+                        </m:r>
+                      </m:e>
+                    </m:d>
+                    <m:r>
+                      <a:rPr lang="en-US" sz="2200" b="0" i="1" smtClean="0">
+                        <a:latin typeface="Cambria Math" panose="02040503050406030204" pitchFamily="18" charset="0"/>
+                      </a:rPr>
+                      <m:t>𝑄</m:t>
+                    </m:r>
+                    <m:d>
+                      <m:dPr>
+                        <m:ctrlPr>
+                          <a:rPr lang="en-US" sz="2200" b="0" i="1" smtClean="0">
+                            <a:latin typeface="Cambria Math" panose="02040503050406030204" pitchFamily="18" charset="0"/>
+                          </a:rPr>
+                        </m:ctrlPr>
+                      </m:dPr>
+                      <m:e>
+                        <m:r>
+                          <a:rPr lang="en-US" sz="2200" b="0" i="1" smtClean="0">
+                            <a:latin typeface="Cambria Math" panose="02040503050406030204" pitchFamily="18" charset="0"/>
+                          </a:rPr>
+                          <m:t>𝑠𝑡𝑎𝑡𝑒</m:t>
+                        </m:r>
+                        <m:r>
+                          <a:rPr lang="en-US" sz="2200" b="0" i="1" smtClean="0">
+                            <a:latin typeface="Cambria Math" panose="02040503050406030204" pitchFamily="18" charset="0"/>
+                          </a:rPr>
+                          <m:t>,</m:t>
+                        </m:r>
+                        <m:r>
+                          <a:rPr lang="en-US" sz="2200" b="0" i="1" smtClean="0">
+                            <a:latin typeface="Cambria Math" panose="02040503050406030204" pitchFamily="18" charset="0"/>
+                          </a:rPr>
+                          <m:t>𝑎𝑐𝑡𝑖𝑜𝑛</m:t>
+                        </m:r>
+                      </m:e>
+                    </m:d>
+                    <m:r>
+                      <a:rPr lang="en-US" sz="2200" b="0" i="1" smtClean="0">
+                        <a:latin typeface="Cambria Math" panose="02040503050406030204" pitchFamily="18" charset="0"/>
+                      </a:rPr>
+                      <m:t>+ </m:t>
+                    </m:r>
+                    <m:r>
+                      <a:rPr lang="el-GR" sz="2200" i="1">
+                        <a:latin typeface="Cambria Math" panose="02040503050406030204" pitchFamily="18" charset="0"/>
+                      </a:rPr>
+                      <m:t>𝛼</m:t>
+                    </m:r>
+                  </m:oMath>
+                </a14:m>
+                <a:r>
+                  <a:rPr lang="it-IT" sz="2200" i="1" dirty="0"/>
+                  <a:t> (</a:t>
+                </a:r>
+                <a:r>
+                  <a:rPr lang="it-IT" sz="2200" i="1" dirty="0" err="1"/>
+                  <a:t>reward</a:t>
+                </a:r>
+                <a:r>
+                  <a:rPr lang="it-IT" sz="2200" i="1" dirty="0"/>
+                  <a:t> + </a:t>
+                </a:r>
+                <a:r>
+                  <a:rPr lang="el-GR" sz="2200" i="1" dirty="0"/>
+                  <a:t>γ</a:t>
+                </a:r>
+                <a:r>
+                  <a:rPr lang="en-US" sz="2200" i="1" dirty="0"/>
+                  <a:t> max Q(</a:t>
+                </a:r>
+                <a:r>
+                  <a:rPr lang="en-US" sz="2200" i="1" dirty="0" err="1"/>
+                  <a:t>next_state</a:t>
+                </a:r>
+                <a:r>
+                  <a:rPr lang="en-US" sz="2200" i="1" dirty="0"/>
+                  <a:t>, </a:t>
+                </a:r>
+                <a:r>
+                  <a:rPr lang="en-US" sz="2200" i="1" dirty="0" err="1"/>
+                  <a:t>all_actions</a:t>
+                </a:r>
+                <a:r>
+                  <a:rPr lang="en-US" sz="2200" i="1" dirty="0"/>
+                  <a:t>) </a:t>
+                </a:r>
+                <a:endParaRPr lang="it-IT" sz="2200" i="1" dirty="0"/>
+              </a:p>
+            </p:txBody>
+          </p:sp>
+        </mc:Choice>
+        <mc:Fallback xmlns="">
+          <p:sp>
+            <p:nvSpPr>
+              <p:cNvPr id="4" name="CasellaDiTesto 3">
+                <a:extLst>
+                  <a:ext uri="{FF2B5EF4-FFF2-40B4-BE49-F238E27FC236}">
+                    <a16:creationId xmlns:a16="http://schemas.microsoft.com/office/drawing/2014/main" id="{31B77DA4-EEC4-42C1-82D3-EF4BF90967A1}"/>
+                  </a:ext>
+                </a:extLst>
+              </p:cNvPr>
+              <p:cNvSpPr txBox="1">
+                <a:spLocks noRot="1" noChangeAspect="1" noMove="1" noResize="1" noEditPoints="1" noAdjustHandles="1" noChangeArrowheads="1" noChangeShapeType="1" noTextEdit="1"/>
+              </p:cNvSpPr>
+              <p:nvPr/>
+            </p:nvSpPr>
+            <p:spPr>
+              <a:xfrm>
+                <a:off x="698272" y="3692516"/>
+                <a:ext cx="10795456" cy="338554"/>
+              </a:xfrm>
+              <a:prstGeom prst="rect">
+                <a:avLst/>
+              </a:prstGeom>
+              <a:blipFill>
+                <a:blip r:embed="rId2"/>
+                <a:stretch>
+                  <a:fillRect l="-1186" t="-27273" r="-678" b="-50909"/>
+                </a:stretch>
+              </a:blipFill>
+            </p:spPr>
+            <p:txBody>
+              <a:bodyPr/>
+              <a:lstStyle/>
+              <a:p>
+                <a:r>
+                  <a:rPr lang="it-IT">
+                    <a:noFill/>
+                  </a:rPr>
+                  <a:t> </a:t>
+                </a:r>
+              </a:p>
+            </p:txBody>
+          </p:sp>
+        </mc:Fallback>
+      </mc:AlternateContent>
+      <mc:AlternateContent xmlns:mc="http://schemas.openxmlformats.org/markup-compatibility/2006" xmlns:a14="http://schemas.microsoft.com/office/drawing/2010/main">
+        <mc:Choice Requires="a14">
+          <p:sp>
+            <p:nvSpPr>
+              <p:cNvPr id="11" name="Content Placeholder 12">
+                <a:extLst>
+                  <a:ext uri="{FF2B5EF4-FFF2-40B4-BE49-F238E27FC236}">
+                    <a16:creationId xmlns:a16="http://schemas.microsoft.com/office/drawing/2014/main" id="{0413E754-4C2B-4A10-82AD-0C8F47AA0006}"/>
+                  </a:ext>
+                </a:extLst>
+              </p:cNvPr>
+              <p:cNvSpPr txBox="1">
+                <a:spLocks/>
+              </p:cNvSpPr>
+              <p:nvPr/>
+            </p:nvSpPr>
+            <p:spPr>
+              <a:xfrm>
+                <a:off x="464533" y="4364442"/>
+                <a:ext cx="11250221" cy="2327194"/>
+              </a:xfrm>
+              <a:prstGeom prst="rect">
+                <a:avLst/>
+              </a:prstGeom>
+            </p:spPr>
+            <p:txBody>
+              <a:bodyPr vert="horz" lIns="91440" tIns="45720" rIns="91440" bIns="45720" rtlCol="0">
+                <a:normAutofit/>
+              </a:bodyPr>
+              <a:lstStyle>
+                <a:lvl1pPr marL="228600" indent="-182880" algn="l" defTabSz="914400" rtl="0" eaLnBrk="1" latinLnBrk="0" hangingPunct="1">
+                  <a:lnSpc>
+                    <a:spcPct val="90000"/>
+                  </a:lnSpc>
+                  <a:spcBef>
+                    <a:spcPts val="1400"/>
+                  </a:spcBef>
+                  <a:buClr>
+                    <a:schemeClr val="tx1"/>
+                  </a:buClr>
+                  <a:buSzPct val="80000"/>
+                  <a:buFont typeface="Corbel" pitchFamily="34" charset="0"/>
+                  <a:buChar char="•"/>
+                  <a:defRPr sz="2200" kern="1200">
+                    <a:solidFill>
+                      <a:schemeClr val="tx1"/>
+                    </a:solidFill>
+                    <a:latin typeface="+mn-lt"/>
+                    <a:ea typeface="+mn-ea"/>
+                    <a:cs typeface="+mn-cs"/>
+                  </a:defRPr>
+                </a:lvl1pPr>
+                <a:lvl2pPr marL="457200" indent="-182880" algn="l" defTabSz="914400" rtl="0" eaLnBrk="1" latinLnBrk="0" hangingPunct="1">
+                  <a:lnSpc>
+                    <a:spcPct val="90000"/>
+                  </a:lnSpc>
+                  <a:spcBef>
+                    <a:spcPts val="200"/>
+                  </a:spcBef>
+                  <a:spcAft>
+                    <a:spcPts val="400"/>
+                  </a:spcAft>
+                  <a:buClr>
+                    <a:schemeClr val="tx1"/>
+                  </a:buClr>
+                  <a:buSzPct val="80000"/>
+                  <a:buFont typeface="Corbel" pitchFamily="34" charset="0"/>
+                  <a:buChar char="•"/>
+                  <a:defRPr sz="2000" kern="1200">
+                    <a:solidFill>
+                      <a:schemeClr val="tx1"/>
+                    </a:solidFill>
+                    <a:latin typeface="+mn-lt"/>
+                    <a:ea typeface="+mn-ea"/>
+                    <a:cs typeface="+mn-cs"/>
+                  </a:defRPr>
+                </a:lvl2pPr>
+                <a:lvl3pPr marL="731520" indent="-182880" algn="l" defTabSz="914400" rtl="0" eaLnBrk="1" latinLnBrk="0" hangingPunct="1">
+                  <a:lnSpc>
+                    <a:spcPct val="90000"/>
+                  </a:lnSpc>
+                  <a:spcBef>
+                    <a:spcPts val="200"/>
+                  </a:spcBef>
+                  <a:spcAft>
+                    <a:spcPts val="400"/>
+                  </a:spcAft>
+                  <a:buClr>
+                    <a:schemeClr val="tx1"/>
+                  </a:buClr>
+                  <a:buSzPct val="80000"/>
+                  <a:buFont typeface="Corbel" pitchFamily="34" charset="0"/>
+                  <a:buChar char="•"/>
+                  <a:defRPr sz="1800" kern="1200">
+                    <a:solidFill>
+                      <a:schemeClr val="tx1"/>
+                    </a:solidFill>
+                    <a:latin typeface="+mn-lt"/>
+                    <a:ea typeface="+mn-ea"/>
+                    <a:cs typeface="+mn-cs"/>
+                  </a:defRPr>
+                </a:lvl3pPr>
+                <a:lvl4pPr marL="1005840" indent="-182880" algn="l" defTabSz="914400" rtl="0" eaLnBrk="1" latinLnBrk="0" hangingPunct="1">
+                  <a:lnSpc>
+                    <a:spcPct val="90000"/>
+                  </a:lnSpc>
+                  <a:spcBef>
+                    <a:spcPts val="200"/>
+                  </a:spcBef>
+                  <a:spcAft>
+                    <a:spcPts val="400"/>
+                  </a:spcAft>
+                  <a:buClr>
+                    <a:schemeClr val="tx1"/>
+                  </a:buClr>
+                  <a:buSzPct val="80000"/>
+                  <a:buFont typeface="Corbel" pitchFamily="34" charset="0"/>
+                  <a:buChar char="•"/>
+                  <a:defRPr sz="1600" kern="1200">
+                    <a:solidFill>
+                      <a:schemeClr val="tx1"/>
+                    </a:solidFill>
+                    <a:latin typeface="+mn-lt"/>
+                    <a:ea typeface="+mn-ea"/>
+                    <a:cs typeface="+mn-cs"/>
+                  </a:defRPr>
+                </a:lvl4pPr>
+                <a:lvl5pPr marL="1280160" indent="-182880" algn="l" defTabSz="914400" rtl="0" eaLnBrk="1" latinLnBrk="0" hangingPunct="1">
+                  <a:lnSpc>
+                    <a:spcPct val="90000"/>
+                  </a:lnSpc>
+                  <a:spcBef>
+                    <a:spcPts val="200"/>
+                  </a:spcBef>
+                  <a:spcAft>
+                    <a:spcPts val="400"/>
+                  </a:spcAft>
+                  <a:buClr>
+                    <a:schemeClr val="tx1"/>
+                  </a:buClr>
+                  <a:buSzPct val="80000"/>
+                  <a:buFont typeface="Corbel" pitchFamily="34" charset="0"/>
+                  <a:buChar char="•"/>
+                  <a:defRPr sz="1600" kern="1200">
+                    <a:solidFill>
+                      <a:schemeClr val="tx1"/>
+                    </a:solidFill>
+                    <a:latin typeface="+mn-lt"/>
+                    <a:ea typeface="+mn-ea"/>
+                    <a:cs typeface="+mn-cs"/>
+                  </a:defRPr>
+                </a:lvl5pPr>
+                <a:lvl6pPr marL="1600000" indent="-228600" algn="l" defTabSz="914400" rtl="0" eaLnBrk="1" latinLnBrk="0" hangingPunct="1">
+                  <a:lnSpc>
+                    <a:spcPct val="90000"/>
+                  </a:lnSpc>
+                  <a:spcBef>
+                    <a:spcPts val="200"/>
+                  </a:spcBef>
+                  <a:spcAft>
+                    <a:spcPts val="400"/>
+                  </a:spcAft>
+                  <a:buClr>
+                    <a:schemeClr val="tx1"/>
+                  </a:buClr>
+                  <a:buSzPct val="80000"/>
+                  <a:buFont typeface="Corbel" pitchFamily="34" charset="0"/>
+                  <a:buChar char="•"/>
+                  <a:defRPr sz="1600" kern="1200">
+                    <a:solidFill>
+                      <a:schemeClr val="tx1"/>
+                    </a:solidFill>
+                    <a:latin typeface="+mn-lt"/>
+                    <a:ea typeface="+mn-ea"/>
+                    <a:cs typeface="+mn-cs"/>
+                  </a:defRPr>
+                </a:lvl6pPr>
+                <a:lvl7pPr marL="1900000" indent="-228600" algn="l" defTabSz="914400" rtl="0" eaLnBrk="1" latinLnBrk="0" hangingPunct="1">
+                  <a:lnSpc>
+                    <a:spcPct val="90000"/>
+                  </a:lnSpc>
+                  <a:spcBef>
+                    <a:spcPts val="200"/>
+                  </a:spcBef>
+                  <a:spcAft>
+                    <a:spcPts val="400"/>
+                  </a:spcAft>
+                  <a:buClr>
+                    <a:schemeClr val="tx1"/>
+                  </a:buClr>
+                  <a:buSzPct val="80000"/>
+                  <a:buFont typeface="Corbel" pitchFamily="34" charset="0"/>
+                  <a:buChar char="•"/>
+                  <a:defRPr sz="1600" kern="1200">
+                    <a:solidFill>
+                      <a:schemeClr val="tx1"/>
+                    </a:solidFill>
+                    <a:latin typeface="+mn-lt"/>
+                    <a:ea typeface="+mn-ea"/>
+                    <a:cs typeface="+mn-cs"/>
+                  </a:defRPr>
+                </a:lvl7pPr>
+                <a:lvl8pPr marL="2200000" indent="-228600" algn="l" defTabSz="914400" rtl="0" eaLnBrk="1" latinLnBrk="0" hangingPunct="1">
+                  <a:lnSpc>
+                    <a:spcPct val="90000"/>
+                  </a:lnSpc>
+                  <a:spcBef>
+                    <a:spcPts val="200"/>
+                  </a:spcBef>
+                  <a:spcAft>
+                    <a:spcPts val="400"/>
+                  </a:spcAft>
+                  <a:buClr>
+                    <a:schemeClr val="tx1"/>
+                  </a:buClr>
+                  <a:buSzPct val="80000"/>
+                  <a:buFont typeface="Corbel" pitchFamily="34" charset="0"/>
+                  <a:buChar char="•"/>
+                  <a:defRPr sz="1600" kern="1200">
+                    <a:solidFill>
+                      <a:schemeClr val="tx1"/>
+                    </a:solidFill>
+                    <a:latin typeface="+mn-lt"/>
+                    <a:ea typeface="+mn-ea"/>
+                    <a:cs typeface="+mn-cs"/>
+                  </a:defRPr>
+                </a:lvl8pPr>
+                <a:lvl9pPr marL="2500000" indent="-228600" algn="l" defTabSz="914400" rtl="0" eaLnBrk="1" latinLnBrk="0" hangingPunct="1">
+                  <a:lnSpc>
+                    <a:spcPct val="90000"/>
+                  </a:lnSpc>
+                  <a:spcBef>
+                    <a:spcPts val="200"/>
+                  </a:spcBef>
+                  <a:spcAft>
+                    <a:spcPts val="400"/>
+                  </a:spcAft>
+                  <a:buClr>
+                    <a:schemeClr val="tx1"/>
+                  </a:buClr>
+                  <a:buSzPct val="80000"/>
+                  <a:buFont typeface="Corbel" pitchFamily="34" charset="0"/>
+                  <a:buChar char="•"/>
+                  <a:defRPr sz="1600" kern="1200">
+                    <a:solidFill>
+                      <a:schemeClr val="tx1"/>
+                    </a:solidFill>
+                    <a:latin typeface="+mn-lt"/>
+                    <a:ea typeface="+mn-ea"/>
+                    <a:cs typeface="+mn-cs"/>
+                  </a:defRPr>
+                </a:lvl9pPr>
+              </a:lstStyle>
+              <a:p>
+                <a:pPr marL="45720" indent="0">
+                  <a:buFont typeface="Corbel" pitchFamily="34" charset="0"/>
+                  <a:buNone/>
+                </a:pPr>
+                <a:r>
+                  <a:rPr lang="en-US" dirty="0">
+                    <a:solidFill>
+                      <a:srgbClr val="333333"/>
+                    </a:solidFill>
+                    <a:latin typeface="proxima-nova"/>
+                  </a:rPr>
+                  <a:t>Dove:</a:t>
+                </a:r>
+              </a:p>
+              <a:p>
+                <a:pPr>
+                  <a:buFontTx/>
+                  <a:buChar char="-"/>
+                </a:pPr>
+                <a14:m>
+                  <m:oMath xmlns:m="http://schemas.openxmlformats.org/officeDocument/2006/math">
+                    <m:r>
+                      <a:rPr lang="el-GR" b="0" i="1" smtClean="0">
+                        <a:latin typeface="Cambria Math" panose="02040503050406030204" pitchFamily="18" charset="0"/>
+                      </a:rPr>
+                      <m:t>𝛼</m:t>
+                    </m:r>
+                  </m:oMath>
+                </a14:m>
+                <a:r>
+                  <a:rPr lang="en-US" dirty="0">
+                    <a:solidFill>
+                      <a:srgbClr val="333333"/>
+                    </a:solidFill>
+                    <a:latin typeface="proxima-nova"/>
+                  </a:rPr>
+                  <a:t>: </a:t>
+                </a:r>
+                <a:r>
+                  <a:rPr lang="it-IT" sz="1600" dirty="0">
+                    <a:solidFill>
+                      <a:srgbClr val="333333"/>
+                    </a:solidFill>
+                    <a:latin typeface="Verdana" panose="020B0604030504040204" pitchFamily="34" charset="0"/>
+                    <a:ea typeface="Verdana" panose="020B0604030504040204" pitchFamily="34" charset="0"/>
+                  </a:rPr>
+                  <a:t>è il </a:t>
+                </a:r>
+                <a:r>
+                  <a:rPr lang="en-US" sz="1600" dirty="0">
+                    <a:solidFill>
+                      <a:srgbClr val="333333"/>
+                    </a:solidFill>
+                    <a:latin typeface="Verdana" panose="020B0604030504040204" pitchFamily="34" charset="0"/>
+                    <a:ea typeface="Verdana" panose="020B0604030504040204" pitchFamily="34" charset="0"/>
+                  </a:rPr>
+                  <a:t>learning rate (0&lt;</a:t>
+                </a:r>
+                <a:r>
+                  <a:rPr lang="el-GR" sz="1600" dirty="0">
+                    <a:latin typeface="Verdana" panose="020B0604030504040204" pitchFamily="34" charset="0"/>
+                    <a:ea typeface="Verdana" panose="020B0604030504040204" pitchFamily="34" charset="0"/>
+                  </a:rPr>
+                  <a:t> </a:t>
+                </a:r>
+                <a14:m>
+                  <m:oMath xmlns:m="http://schemas.openxmlformats.org/officeDocument/2006/math">
+                    <m:r>
+                      <a:rPr lang="el-GR" sz="1600" i="1">
+                        <a:latin typeface="Cambria Math" panose="02040503050406030204" pitchFamily="18" charset="0"/>
+                      </a:rPr>
+                      <m:t>𝛼</m:t>
+                    </m:r>
+                    <m:r>
+                      <a:rPr lang="it-IT" sz="1600" b="0" i="1" smtClean="0">
+                        <a:latin typeface="Cambria Math" panose="02040503050406030204" pitchFamily="18" charset="0"/>
+                      </a:rPr>
+                      <m:t> </m:t>
+                    </m:r>
+                    <m:r>
+                      <m:rPr>
+                        <m:nor/>
+                      </m:rPr>
+                      <a:rPr lang="en-US" sz="1600" dirty="0">
+                        <a:solidFill>
+                          <a:srgbClr val="333333"/>
+                        </a:solidFill>
+                        <a:latin typeface="Verdana" panose="020B0604030504040204" pitchFamily="34" charset="0"/>
+                        <a:ea typeface="Verdana" panose="020B0604030504040204" pitchFamily="34" charset="0"/>
+                      </a:rPr>
+                      <m:t>&lt;</m:t>
+                    </m:r>
+                  </m:oMath>
+                </a14:m>
+                <a:r>
+                  <a:rPr lang="en-US" sz="1600" dirty="0">
+                    <a:solidFill>
+                      <a:srgbClr val="333333"/>
+                    </a:solidFill>
+                    <a:latin typeface="Verdana" panose="020B0604030504040204" pitchFamily="34" charset="0"/>
+                    <a:ea typeface="Verdana" panose="020B0604030504040204" pitchFamily="34" charset="0"/>
+                  </a:rPr>
+                  <a:t> 1) e </a:t>
+                </a:r>
+                <a:r>
+                  <a:rPr lang="en-US" sz="1600" dirty="0" err="1">
+                    <a:solidFill>
+                      <a:srgbClr val="333333"/>
+                    </a:solidFill>
+                    <a:latin typeface="Verdana" panose="020B0604030504040204" pitchFamily="34" charset="0"/>
+                    <a:ea typeface="Verdana" panose="020B0604030504040204" pitchFamily="34" charset="0"/>
+                  </a:rPr>
+                  <a:t>determina</a:t>
+                </a:r>
+                <a:r>
+                  <a:rPr lang="en-US" sz="1600" dirty="0">
+                    <a:solidFill>
+                      <a:srgbClr val="333333"/>
+                    </a:solidFill>
+                    <a:latin typeface="Verdana" panose="020B0604030504040204" pitchFamily="34" charset="0"/>
+                    <a:ea typeface="Verdana" panose="020B0604030504040204" pitchFamily="34" charset="0"/>
+                  </a:rPr>
+                  <a:t> come </a:t>
+                </a:r>
+                <a:r>
+                  <a:rPr lang="en-US" sz="1600" dirty="0" err="1">
+                    <a:solidFill>
+                      <a:srgbClr val="333333"/>
+                    </a:solidFill>
+                    <a:latin typeface="Verdana" panose="020B0604030504040204" pitchFamily="34" charset="0"/>
+                    <a:ea typeface="Verdana" panose="020B0604030504040204" pitchFamily="34" charset="0"/>
+                  </a:rPr>
+                  <a:t>vengono</a:t>
+                </a:r>
+                <a:r>
+                  <a:rPr lang="en-US" sz="1600" dirty="0">
+                    <a:solidFill>
+                      <a:srgbClr val="333333"/>
+                    </a:solidFill>
+                    <a:latin typeface="Verdana" panose="020B0604030504040204" pitchFamily="34" charset="0"/>
+                    <a:ea typeface="Verdana" panose="020B0604030504040204" pitchFamily="34" charset="0"/>
+                  </a:rPr>
+                  <a:t> </a:t>
+                </a:r>
+                <a:r>
+                  <a:rPr lang="en-US" sz="1600" dirty="0" err="1">
+                    <a:solidFill>
+                      <a:srgbClr val="333333"/>
+                    </a:solidFill>
+                    <a:latin typeface="Verdana" panose="020B0604030504040204" pitchFamily="34" charset="0"/>
+                    <a:ea typeface="Verdana" panose="020B0604030504040204" pitchFamily="34" charset="0"/>
+                  </a:rPr>
+                  <a:t>aggiornati</a:t>
+                </a:r>
+                <a:r>
+                  <a:rPr lang="en-US" sz="1600" dirty="0">
+                    <a:solidFill>
+                      <a:srgbClr val="333333"/>
+                    </a:solidFill>
+                    <a:latin typeface="Verdana" panose="020B0604030504040204" pitchFamily="34" charset="0"/>
+                    <a:ea typeface="Verdana" panose="020B0604030504040204" pitchFamily="34" charset="0"/>
+                  </a:rPr>
+                  <a:t> </a:t>
+                </a:r>
+                <a:r>
+                  <a:rPr lang="en-US" sz="1600" dirty="0" err="1">
+                    <a:solidFill>
+                      <a:srgbClr val="333333"/>
+                    </a:solidFill>
+                    <a:latin typeface="Verdana" panose="020B0604030504040204" pitchFamily="34" charset="0"/>
+                    <a:ea typeface="Verdana" panose="020B0604030504040204" pitchFamily="34" charset="0"/>
+                  </a:rPr>
+                  <a:t>i</a:t>
+                </a:r>
+                <a:r>
+                  <a:rPr lang="en-US" sz="1600" dirty="0">
+                    <a:solidFill>
+                      <a:srgbClr val="333333"/>
+                    </a:solidFill>
+                    <a:latin typeface="Verdana" panose="020B0604030504040204" pitchFamily="34" charset="0"/>
+                    <a:ea typeface="Verdana" panose="020B0604030504040204" pitchFamily="34" charset="0"/>
+                  </a:rPr>
+                  <a:t> Q-Value ad </a:t>
+                </a:r>
+                <a:r>
+                  <a:rPr lang="en-US" sz="1600" dirty="0" err="1">
+                    <a:solidFill>
+                      <a:srgbClr val="333333"/>
+                    </a:solidFill>
+                    <a:latin typeface="Verdana" panose="020B0604030504040204" pitchFamily="34" charset="0"/>
+                    <a:ea typeface="Verdana" panose="020B0604030504040204" pitchFamily="34" charset="0"/>
+                  </a:rPr>
+                  <a:t>ogni</a:t>
+                </a:r>
+                <a:r>
+                  <a:rPr lang="en-US" sz="1600" dirty="0">
+                    <a:solidFill>
+                      <a:srgbClr val="333333"/>
+                    </a:solidFill>
+                    <a:latin typeface="Verdana" panose="020B0604030504040204" pitchFamily="34" charset="0"/>
+                    <a:ea typeface="Verdana" panose="020B0604030504040204" pitchFamily="34" charset="0"/>
+                  </a:rPr>
+                  <a:t> </a:t>
+                </a:r>
+                <a:r>
+                  <a:rPr lang="en-US" sz="1600" dirty="0" err="1">
+                    <a:solidFill>
+                      <a:srgbClr val="333333"/>
+                    </a:solidFill>
+                    <a:latin typeface="Verdana" panose="020B0604030504040204" pitchFamily="34" charset="0"/>
+                    <a:ea typeface="Verdana" panose="020B0604030504040204" pitchFamily="34" charset="0"/>
+                  </a:rPr>
+                  <a:t>iterazione</a:t>
+                </a:r>
+                <a:endParaRPr lang="en-US" sz="1600" dirty="0">
+                  <a:solidFill>
+                    <a:srgbClr val="333333"/>
+                  </a:solidFill>
+                  <a:latin typeface="Verdana" panose="020B0604030504040204" pitchFamily="34" charset="0"/>
+                  <a:ea typeface="Verdana" panose="020B0604030504040204" pitchFamily="34" charset="0"/>
+                </a:endParaRPr>
+              </a:p>
+              <a:p>
+                <a:pPr>
+                  <a:buFontTx/>
+                  <a:buChar char="-"/>
+                </a:pPr>
+                <a:r>
+                  <a:rPr lang="el-GR" i="1" dirty="0"/>
+                  <a:t>γ</a:t>
+                </a:r>
+                <a:r>
+                  <a:rPr lang="en-US" i="1" dirty="0">
+                    <a:solidFill>
+                      <a:srgbClr val="333333"/>
+                    </a:solidFill>
+                    <a:latin typeface="proxima-nova"/>
+                  </a:rPr>
+                  <a:t>: </a:t>
+                </a:r>
+                <a:r>
+                  <a:rPr lang="en-US" sz="1600" dirty="0">
+                    <a:solidFill>
+                      <a:srgbClr val="333333"/>
+                    </a:solidFill>
+                    <a:latin typeface="Verdana" panose="020B0604030504040204" pitchFamily="34" charset="0"/>
+                    <a:ea typeface="Verdana" panose="020B0604030504040204" pitchFamily="34" charset="0"/>
+                  </a:rPr>
+                  <a:t>è il discount factor (0&lt;</a:t>
+                </a:r>
+                <a:r>
+                  <a:rPr lang="el-GR" sz="1600" dirty="0">
+                    <a:latin typeface="Verdana" panose="020B0604030504040204" pitchFamily="34" charset="0"/>
+                    <a:ea typeface="Verdana" panose="020B0604030504040204" pitchFamily="34" charset="0"/>
+                  </a:rPr>
+                  <a:t> </a:t>
+                </a:r>
+                <a:r>
+                  <a:rPr lang="el-GR" sz="1600" i="1" dirty="0"/>
+                  <a:t>γ</a:t>
+                </a:r>
+                <a14:m>
+                  <m:oMath xmlns:m="http://schemas.openxmlformats.org/officeDocument/2006/math">
+                    <m:r>
+                      <a:rPr lang="it-IT" sz="1600" b="0" i="1" smtClean="0">
+                        <a:latin typeface="Cambria Math" panose="02040503050406030204" pitchFamily="18" charset="0"/>
+                      </a:rPr>
+                      <m:t> </m:t>
+                    </m:r>
+                    <m:r>
+                      <m:rPr>
+                        <m:nor/>
+                      </m:rPr>
+                      <a:rPr lang="en-US" sz="1600" dirty="0">
+                        <a:solidFill>
+                          <a:srgbClr val="333333"/>
+                        </a:solidFill>
+                        <a:latin typeface="Verdana" panose="020B0604030504040204" pitchFamily="34" charset="0"/>
+                        <a:ea typeface="Verdana" panose="020B0604030504040204" pitchFamily="34" charset="0"/>
+                      </a:rPr>
+                      <m:t>&lt;</m:t>
+                    </m:r>
+                  </m:oMath>
+                </a14:m>
+                <a:r>
+                  <a:rPr lang="en-US" sz="1600" dirty="0">
+                    <a:solidFill>
+                      <a:srgbClr val="333333"/>
+                    </a:solidFill>
+                    <a:latin typeface="Verdana" panose="020B0604030504040204" pitchFamily="34" charset="0"/>
+                    <a:ea typeface="Verdana" panose="020B0604030504040204" pitchFamily="34" charset="0"/>
+                  </a:rPr>
+                  <a:t> 1) e </a:t>
+                </a:r>
+                <a:r>
+                  <a:rPr lang="en-US" sz="1600" dirty="0" err="1">
+                    <a:solidFill>
+                      <a:srgbClr val="333333"/>
+                    </a:solidFill>
+                    <a:latin typeface="Verdana" panose="020B0604030504040204" pitchFamily="34" charset="0"/>
+                    <a:ea typeface="Verdana" panose="020B0604030504040204" pitchFamily="34" charset="0"/>
+                  </a:rPr>
+                  <a:t>determina</a:t>
+                </a:r>
+                <a:r>
+                  <a:rPr lang="en-US" sz="1600" dirty="0">
+                    <a:solidFill>
+                      <a:srgbClr val="333333"/>
+                    </a:solidFill>
+                    <a:latin typeface="Verdana" panose="020B0604030504040204" pitchFamily="34" charset="0"/>
+                    <a:ea typeface="Verdana" panose="020B0604030504040204" pitchFamily="34" charset="0"/>
+                  </a:rPr>
+                  <a:t> quanta </a:t>
+                </a:r>
+                <a:r>
+                  <a:rPr lang="en-US" sz="1600" dirty="0" err="1">
+                    <a:solidFill>
+                      <a:srgbClr val="333333"/>
+                    </a:solidFill>
+                    <a:latin typeface="Verdana" panose="020B0604030504040204" pitchFamily="34" charset="0"/>
+                    <a:ea typeface="Verdana" panose="020B0604030504040204" pitchFamily="34" charset="0"/>
+                  </a:rPr>
+                  <a:t>importanza</a:t>
+                </a:r>
+                <a:r>
+                  <a:rPr lang="en-US" sz="1600" dirty="0">
+                    <a:solidFill>
+                      <a:srgbClr val="333333"/>
+                    </a:solidFill>
+                    <a:latin typeface="Verdana" panose="020B0604030504040204" pitchFamily="34" charset="0"/>
+                    <a:ea typeface="Verdana" panose="020B0604030504040204" pitchFamily="34" charset="0"/>
+                  </a:rPr>
+                  <a:t> </a:t>
+                </a:r>
+                <a:r>
+                  <a:rPr lang="en-US" sz="1600" dirty="0" err="1">
+                    <a:solidFill>
+                      <a:srgbClr val="333333"/>
+                    </a:solidFill>
+                    <a:latin typeface="Verdana" panose="020B0604030504040204" pitchFamily="34" charset="0"/>
+                    <a:ea typeface="Verdana" panose="020B0604030504040204" pitchFamily="34" charset="0"/>
+                  </a:rPr>
+                  <a:t>vogliamo</a:t>
+                </a:r>
+                <a:r>
+                  <a:rPr lang="en-US" sz="1600" dirty="0">
+                    <a:solidFill>
+                      <a:srgbClr val="333333"/>
+                    </a:solidFill>
+                    <a:latin typeface="Verdana" panose="020B0604030504040204" pitchFamily="34" charset="0"/>
+                    <a:ea typeface="Verdana" panose="020B0604030504040204" pitchFamily="34" charset="0"/>
+                  </a:rPr>
+                  <a:t> dare alle </a:t>
+                </a:r>
+                <a:r>
+                  <a:rPr lang="en-US" sz="1600" dirty="0" err="1">
+                    <a:solidFill>
+                      <a:srgbClr val="333333"/>
+                    </a:solidFill>
+                    <a:latin typeface="Verdana" panose="020B0604030504040204" pitchFamily="34" charset="0"/>
+                    <a:ea typeface="Verdana" panose="020B0604030504040204" pitchFamily="34" charset="0"/>
+                  </a:rPr>
+                  <a:t>azioni</a:t>
+                </a:r>
+                <a:r>
+                  <a:rPr lang="en-US" sz="1600" dirty="0">
+                    <a:solidFill>
+                      <a:srgbClr val="333333"/>
+                    </a:solidFill>
+                    <a:latin typeface="Verdana" panose="020B0604030504040204" pitchFamily="34" charset="0"/>
+                    <a:ea typeface="Verdana" panose="020B0604030504040204" pitchFamily="34" charset="0"/>
+                  </a:rPr>
+                  <a:t> future</a:t>
+                </a:r>
+              </a:p>
+              <a:p>
+                <a:pPr marL="45720" indent="0">
+                  <a:buNone/>
+                </a:pPr>
+                <a:r>
+                  <a:rPr lang="en-US" sz="1600" dirty="0">
+                    <a:solidFill>
+                      <a:srgbClr val="333333"/>
+                    </a:solidFill>
+                    <a:latin typeface="Verdana" panose="020B0604030504040204" pitchFamily="34" charset="0"/>
+                    <a:ea typeface="Verdana" panose="020B0604030504040204" pitchFamily="34" charset="0"/>
+                  </a:rPr>
+                  <a:t>	-&gt; 1 =&gt; </a:t>
+                </a:r>
+                <a:r>
+                  <a:rPr lang="en-US" sz="1600" dirty="0" err="1">
+                    <a:solidFill>
+                      <a:srgbClr val="333333"/>
+                    </a:solidFill>
+                    <a:latin typeface="Verdana" panose="020B0604030504040204" pitchFamily="34" charset="0"/>
+                    <a:ea typeface="Verdana" panose="020B0604030504040204" pitchFamily="34" charset="0"/>
+                  </a:rPr>
+                  <a:t>tiene</a:t>
+                </a:r>
+                <a:r>
+                  <a:rPr lang="en-US" sz="1600" dirty="0">
+                    <a:solidFill>
+                      <a:srgbClr val="333333"/>
+                    </a:solidFill>
+                    <a:latin typeface="Verdana" panose="020B0604030504040204" pitchFamily="34" charset="0"/>
+                    <a:ea typeface="Verdana" panose="020B0604030504040204" pitchFamily="34" charset="0"/>
+                  </a:rPr>
+                  <a:t> </a:t>
+                </a:r>
+                <a:r>
+                  <a:rPr lang="en-US" sz="1600" dirty="0" err="1">
+                    <a:solidFill>
+                      <a:srgbClr val="333333"/>
+                    </a:solidFill>
+                    <a:latin typeface="Verdana" panose="020B0604030504040204" pitchFamily="34" charset="0"/>
+                    <a:ea typeface="Verdana" panose="020B0604030504040204" pitchFamily="34" charset="0"/>
+                  </a:rPr>
+                  <a:t>conto</a:t>
+                </a:r>
+                <a:r>
+                  <a:rPr lang="en-US" sz="1600" dirty="0">
+                    <a:solidFill>
+                      <a:srgbClr val="333333"/>
+                    </a:solidFill>
+                    <a:latin typeface="Verdana" panose="020B0604030504040204" pitchFamily="34" charset="0"/>
+                    <a:ea typeface="Verdana" panose="020B0604030504040204" pitchFamily="34" charset="0"/>
+                  </a:rPr>
+                  <a:t> </a:t>
+                </a:r>
+                <a:r>
+                  <a:rPr lang="en-US" sz="1600" dirty="0" err="1">
+                    <a:solidFill>
+                      <a:srgbClr val="333333"/>
+                    </a:solidFill>
+                    <a:latin typeface="Verdana" panose="020B0604030504040204" pitchFamily="34" charset="0"/>
+                    <a:ea typeface="Verdana" panose="020B0604030504040204" pitchFamily="34" charset="0"/>
+                  </a:rPr>
+                  <a:t>delle</a:t>
+                </a:r>
+                <a:r>
+                  <a:rPr lang="en-US" sz="1600" dirty="0">
+                    <a:solidFill>
+                      <a:srgbClr val="333333"/>
+                    </a:solidFill>
+                    <a:latin typeface="Verdana" panose="020B0604030504040204" pitchFamily="34" charset="0"/>
+                    <a:ea typeface="Verdana" panose="020B0604030504040204" pitchFamily="34" charset="0"/>
+                  </a:rPr>
+                  <a:t> </a:t>
+                </a:r>
+                <a:r>
+                  <a:rPr lang="en-US" sz="1600" dirty="0" err="1">
+                    <a:solidFill>
+                      <a:srgbClr val="333333"/>
+                    </a:solidFill>
+                    <a:latin typeface="Verdana" panose="020B0604030504040204" pitchFamily="34" charset="0"/>
+                    <a:ea typeface="Verdana" panose="020B0604030504040204" pitchFamily="34" charset="0"/>
+                  </a:rPr>
+                  <a:t>ricompense</a:t>
+                </a:r>
+                <a:r>
+                  <a:rPr lang="en-US" sz="1600" dirty="0">
+                    <a:solidFill>
+                      <a:srgbClr val="333333"/>
+                    </a:solidFill>
+                    <a:latin typeface="Verdana" panose="020B0604030504040204" pitchFamily="34" charset="0"/>
+                    <a:ea typeface="Verdana" panose="020B0604030504040204" pitchFamily="34" charset="0"/>
+                  </a:rPr>
+                  <a:t> a </a:t>
+                </a:r>
+                <a:r>
+                  <a:rPr lang="en-US" sz="1600" dirty="0" err="1">
+                    <a:solidFill>
+                      <a:srgbClr val="333333"/>
+                    </a:solidFill>
+                    <a:latin typeface="Verdana" panose="020B0604030504040204" pitchFamily="34" charset="0"/>
+                    <a:ea typeface="Verdana" panose="020B0604030504040204" pitchFamily="34" charset="0"/>
+                  </a:rPr>
+                  <a:t>lungo</a:t>
+                </a:r>
+                <a:r>
+                  <a:rPr lang="en-US" sz="1600" dirty="0">
+                    <a:solidFill>
+                      <a:srgbClr val="333333"/>
+                    </a:solidFill>
+                    <a:latin typeface="Verdana" panose="020B0604030504040204" pitchFamily="34" charset="0"/>
+                    <a:ea typeface="Verdana" panose="020B0604030504040204" pitchFamily="34" charset="0"/>
+                  </a:rPr>
+                  <a:t> </a:t>
+                </a:r>
+                <a:r>
+                  <a:rPr lang="en-US" sz="1600" dirty="0" err="1">
+                    <a:solidFill>
+                      <a:srgbClr val="333333"/>
+                    </a:solidFill>
+                    <a:latin typeface="Verdana" panose="020B0604030504040204" pitchFamily="34" charset="0"/>
+                    <a:ea typeface="Verdana" panose="020B0604030504040204" pitchFamily="34" charset="0"/>
+                  </a:rPr>
+                  <a:t>termine</a:t>
+                </a:r>
+                <a:endParaRPr lang="en-US" sz="1600" dirty="0">
+                  <a:solidFill>
+                    <a:srgbClr val="333333"/>
+                  </a:solidFill>
+                  <a:latin typeface="Verdana" panose="020B0604030504040204" pitchFamily="34" charset="0"/>
+                  <a:ea typeface="Verdana" panose="020B0604030504040204" pitchFamily="34" charset="0"/>
+                </a:endParaRPr>
+              </a:p>
+              <a:p>
+                <a:pPr marL="45720" indent="0">
+                  <a:buNone/>
+                </a:pPr>
+                <a:r>
+                  <a:rPr lang="en-US" sz="1600" dirty="0">
+                    <a:solidFill>
+                      <a:srgbClr val="333333"/>
+                    </a:solidFill>
+                    <a:latin typeface="Verdana" panose="020B0604030504040204" pitchFamily="34" charset="0"/>
+                    <a:ea typeface="Verdana" panose="020B0604030504040204" pitchFamily="34" charset="0"/>
+                  </a:rPr>
+                  <a:t>	-&gt; 0 =&gt; da pi</a:t>
+                </a:r>
+                <a:r>
+                  <a:rPr lang="it-IT" sz="1600" dirty="0">
+                    <a:solidFill>
+                      <a:srgbClr val="333333"/>
+                    </a:solidFill>
+                    <a:latin typeface="Verdana" panose="020B0604030504040204" pitchFamily="34" charset="0"/>
+                    <a:ea typeface="Verdana" panose="020B0604030504040204" pitchFamily="34" charset="0"/>
+                  </a:rPr>
+                  <a:t>ù peso alle ricompense immediate (</a:t>
+                </a:r>
+                <a:r>
+                  <a:rPr lang="it-IT" sz="1600" dirty="0" err="1">
+                    <a:solidFill>
+                      <a:srgbClr val="333333"/>
+                    </a:solidFill>
+                    <a:latin typeface="Verdana" panose="020B0604030504040204" pitchFamily="34" charset="0"/>
+                    <a:ea typeface="Verdana" panose="020B0604030504040204" pitchFamily="34" charset="0"/>
+                  </a:rPr>
+                  <a:t>greedy</a:t>
+                </a:r>
+                <a:r>
+                  <a:rPr lang="it-IT" sz="1600" dirty="0">
+                    <a:solidFill>
+                      <a:srgbClr val="333333"/>
+                    </a:solidFill>
+                    <a:latin typeface="Verdana" panose="020B0604030504040204" pitchFamily="34" charset="0"/>
+                    <a:ea typeface="Verdana" panose="020B0604030504040204" pitchFamily="34" charset="0"/>
+                  </a:rPr>
+                  <a:t>)</a:t>
+                </a:r>
+                <a:endParaRPr lang="en-US" dirty="0">
+                  <a:solidFill>
+                    <a:srgbClr val="333333"/>
+                  </a:solidFill>
+                  <a:latin typeface="proxima-nova"/>
+                </a:endParaRPr>
+              </a:p>
+            </p:txBody>
+          </p:sp>
+        </mc:Choice>
+        <mc:Fallback xmlns="">
+          <p:sp>
+            <p:nvSpPr>
+              <p:cNvPr id="11" name="Content Placeholder 12">
+                <a:extLst>
+                  <a:ext uri="{FF2B5EF4-FFF2-40B4-BE49-F238E27FC236}">
+                    <a16:creationId xmlns:a16="http://schemas.microsoft.com/office/drawing/2014/main" id="{0413E754-4C2B-4A10-82AD-0C8F47AA0006}"/>
+                  </a:ext>
+                </a:extLst>
+              </p:cNvPr>
+              <p:cNvSpPr txBox="1">
+                <a:spLocks noRot="1" noChangeAspect="1" noMove="1" noResize="1" noEditPoints="1" noAdjustHandles="1" noChangeArrowheads="1" noChangeShapeType="1" noTextEdit="1"/>
+              </p:cNvSpPr>
+              <p:nvPr/>
+            </p:nvSpPr>
+            <p:spPr>
+              <a:xfrm>
+                <a:off x="464533" y="4364442"/>
+                <a:ext cx="11250221" cy="2327194"/>
+              </a:xfrm>
+              <a:prstGeom prst="rect">
+                <a:avLst/>
+              </a:prstGeom>
+              <a:blipFill>
+                <a:blip r:embed="rId3"/>
+                <a:stretch>
+                  <a:fillRect l="-271" t="-3403"/>
+                </a:stretch>
+              </a:blipFill>
+            </p:spPr>
+            <p:txBody>
+              <a:bodyPr/>
+              <a:lstStyle/>
+              <a:p>
+                <a:r>
+                  <a:rPr lang="it-IT">
+                    <a:noFill/>
+                  </a:rPr>
+                  <a:t> </a:t>
+                </a:r>
+              </a:p>
+            </p:txBody>
+          </p:sp>
+        </mc:Fallback>
+      </mc:AlternateContent>
     </p:spTree>
     <p:extLst>
       <p:ext uri="{BB962C8B-B14F-4D97-AF65-F5344CB8AC3E}">
@@ -5309,6 +7532,2484 @@
           <a:chExt cx="0" cy="0"/>
         </a:xfrm>
       </p:grpSpPr>
+      <p:sp>
+        <p:nvSpPr>
+          <p:cNvPr id="2" name="Titolo 1">
+            <a:extLst>
+              <a:ext uri="{FF2B5EF4-FFF2-40B4-BE49-F238E27FC236}">
+                <a16:creationId xmlns:a16="http://schemas.microsoft.com/office/drawing/2014/main" id="{4599934B-87C3-45A9-A1F9-E5B1D9F1A3EB}"/>
+              </a:ext>
+            </a:extLst>
+          </p:cNvPr>
+          <p:cNvSpPr>
+            <a:spLocks noGrp="1"/>
+          </p:cNvSpPr>
+          <p:nvPr>
+            <p:ph type="title"/>
+          </p:nvPr>
+        </p:nvSpPr>
+        <p:spPr>
+          <a:xfrm>
+            <a:off x="499975" y="472552"/>
+            <a:ext cx="5199926" cy="789271"/>
+          </a:xfrm>
+        </p:spPr>
+        <p:txBody>
+          <a:bodyPr>
+            <a:normAutofit/>
+          </a:bodyPr>
+          <a:lstStyle/>
+          <a:p>
+            <a:r>
+              <a:rPr lang="en-GB" sz="4000" dirty="0">
+                <a:latin typeface="Verdana" panose="020B0604030504040204" pitchFamily="34" charset="0"/>
+                <a:ea typeface="Verdana" panose="020B0604030504040204" pitchFamily="34" charset="0"/>
+              </a:rPr>
+              <a:t>Q-Table</a:t>
+            </a:r>
+            <a:endParaRPr lang="it-IT" sz="4000" dirty="0">
+              <a:latin typeface="Verdana" panose="020B0604030504040204" pitchFamily="34" charset="0"/>
+              <a:ea typeface="Verdana" panose="020B0604030504040204" pitchFamily="34" charset="0"/>
+            </a:endParaRPr>
+          </a:p>
+        </p:txBody>
+      </p:sp>
+      <p:sp>
+        <p:nvSpPr>
+          <p:cNvPr id="46" name="Content Placeholder 12">
+            <a:extLst>
+              <a:ext uri="{FF2B5EF4-FFF2-40B4-BE49-F238E27FC236}">
+                <a16:creationId xmlns:a16="http://schemas.microsoft.com/office/drawing/2014/main" id="{6E697896-E47C-45F7-A1D5-01764DF5C601}"/>
+              </a:ext>
+            </a:extLst>
+          </p:cNvPr>
+          <p:cNvSpPr>
+            <a:spLocks noGrp="1"/>
+          </p:cNvSpPr>
+          <p:nvPr>
+            <p:ph idx="1"/>
+          </p:nvPr>
+        </p:nvSpPr>
+        <p:spPr>
+          <a:xfrm>
+            <a:off x="404170" y="1568965"/>
+            <a:ext cx="6150454" cy="2338398"/>
+          </a:xfrm>
+        </p:spPr>
+        <p:txBody>
+          <a:bodyPr>
+            <a:normAutofit lnSpcReduction="10000"/>
+          </a:bodyPr>
+          <a:lstStyle/>
+          <a:p>
+            <a:pPr marL="45720" indent="0">
+              <a:buNone/>
+            </a:pPr>
+            <a:r>
+              <a:rPr lang="en-US" sz="1600" b="0" i="0" dirty="0">
+                <a:effectLst/>
+                <a:latin typeface="Verdana" panose="020B0604030504040204" pitchFamily="34" charset="0"/>
+                <a:ea typeface="Verdana" panose="020B0604030504040204" pitchFamily="34" charset="0"/>
+              </a:rPr>
+              <a:t>La Q-Table è la </a:t>
+            </a:r>
+            <a:r>
+              <a:rPr lang="en-US" sz="1600" b="0" i="0" dirty="0" err="1">
+                <a:effectLst/>
+                <a:latin typeface="Verdana" panose="020B0604030504040204" pitchFamily="34" charset="0"/>
+                <a:ea typeface="Verdana" panose="020B0604030504040204" pitchFamily="34" charset="0"/>
+              </a:rPr>
+              <a:t>struttura</a:t>
+            </a:r>
+            <a:r>
+              <a:rPr lang="en-US" sz="1600" b="0" i="0" dirty="0">
+                <a:effectLst/>
+                <a:latin typeface="Verdana" panose="020B0604030504040204" pitchFamily="34" charset="0"/>
+                <a:ea typeface="Verdana" panose="020B0604030504040204" pitchFamily="34" charset="0"/>
+              </a:rPr>
+              <a:t> </a:t>
+            </a:r>
+            <a:r>
+              <a:rPr lang="en-US" sz="1600" b="0" i="0" dirty="0" err="1">
+                <a:effectLst/>
+                <a:latin typeface="Verdana" panose="020B0604030504040204" pitchFamily="34" charset="0"/>
+                <a:ea typeface="Verdana" panose="020B0604030504040204" pitchFamily="34" charset="0"/>
+              </a:rPr>
+              <a:t>dati</a:t>
+            </a:r>
+            <a:r>
+              <a:rPr lang="en-US" sz="1600" b="0" i="0" dirty="0">
+                <a:effectLst/>
+                <a:latin typeface="Verdana" panose="020B0604030504040204" pitchFamily="34" charset="0"/>
+                <a:ea typeface="Verdana" panose="020B0604030504040204" pitchFamily="34" charset="0"/>
+              </a:rPr>
+              <a:t> in cui </a:t>
+            </a:r>
+            <a:r>
+              <a:rPr lang="en-US" sz="1600" b="0" i="0" dirty="0" err="1">
+                <a:effectLst/>
+                <a:latin typeface="Verdana" panose="020B0604030504040204" pitchFamily="34" charset="0"/>
+                <a:ea typeface="Verdana" panose="020B0604030504040204" pitchFamily="34" charset="0"/>
+              </a:rPr>
+              <a:t>vengono</a:t>
+            </a:r>
+            <a:r>
+              <a:rPr lang="en-US" sz="1600" b="0" i="0" dirty="0">
+                <a:effectLst/>
+                <a:latin typeface="Verdana" panose="020B0604030504040204" pitchFamily="34" charset="0"/>
+                <a:ea typeface="Verdana" panose="020B0604030504040204" pitchFamily="34" charset="0"/>
+              </a:rPr>
+              <a:t> </a:t>
+            </a:r>
+            <a:r>
+              <a:rPr lang="en-US" sz="1600" b="0" i="0" dirty="0" err="1">
+                <a:effectLst/>
+                <a:latin typeface="Verdana" panose="020B0604030504040204" pitchFamily="34" charset="0"/>
+                <a:ea typeface="Verdana" panose="020B0604030504040204" pitchFamily="34" charset="0"/>
+              </a:rPr>
+              <a:t>immagazzinati</a:t>
+            </a:r>
+            <a:r>
+              <a:rPr lang="en-US" sz="1600" b="0" i="0" dirty="0">
+                <a:effectLst/>
+                <a:latin typeface="Verdana" panose="020B0604030504040204" pitchFamily="34" charset="0"/>
+                <a:ea typeface="Verdana" panose="020B0604030504040204" pitchFamily="34" charset="0"/>
+              </a:rPr>
+              <a:t> </a:t>
+            </a:r>
+            <a:r>
+              <a:rPr lang="en-US" sz="1600" b="0" i="0" dirty="0" err="1">
+                <a:effectLst/>
+                <a:latin typeface="Verdana" panose="020B0604030504040204" pitchFamily="34" charset="0"/>
+                <a:ea typeface="Verdana" panose="020B0604030504040204" pitchFamily="34" charset="0"/>
+              </a:rPr>
+              <a:t>i</a:t>
+            </a:r>
+            <a:r>
+              <a:rPr lang="en-US" sz="1600" b="0" i="0" dirty="0">
+                <a:effectLst/>
+                <a:latin typeface="Verdana" panose="020B0604030504040204" pitchFamily="34" charset="0"/>
+                <a:ea typeface="Verdana" panose="020B0604030504040204" pitchFamily="34" charset="0"/>
+              </a:rPr>
+              <a:t> Q-Values per </a:t>
+            </a:r>
+            <a:r>
+              <a:rPr lang="en-US" sz="1600" b="0" i="0" dirty="0" err="1">
+                <a:effectLst/>
+                <a:latin typeface="Verdana" panose="020B0604030504040204" pitchFamily="34" charset="0"/>
+                <a:ea typeface="Verdana" panose="020B0604030504040204" pitchFamily="34" charset="0"/>
+              </a:rPr>
+              <a:t>ogni</a:t>
+            </a:r>
+            <a:r>
+              <a:rPr lang="en-US" sz="1600" b="0" i="0" dirty="0">
+                <a:effectLst/>
+                <a:latin typeface="Verdana" panose="020B0604030504040204" pitchFamily="34" charset="0"/>
+                <a:ea typeface="Verdana" panose="020B0604030504040204" pitchFamily="34" charset="0"/>
+              </a:rPr>
+              <a:t> </a:t>
+            </a:r>
+            <a:r>
+              <a:rPr lang="en-US" sz="1600" b="0" i="0" dirty="0" err="1">
+                <a:effectLst/>
+                <a:latin typeface="Verdana" panose="020B0604030504040204" pitchFamily="34" charset="0"/>
+                <a:ea typeface="Verdana" panose="020B0604030504040204" pitchFamily="34" charset="0"/>
+              </a:rPr>
+              <a:t>coppia</a:t>
+            </a:r>
+            <a:r>
+              <a:rPr lang="en-US" sz="1600" b="0" i="0" dirty="0">
+                <a:effectLst/>
+                <a:latin typeface="Verdana" panose="020B0604030504040204" pitchFamily="34" charset="0"/>
+                <a:ea typeface="Verdana" panose="020B0604030504040204" pitchFamily="34" charset="0"/>
+              </a:rPr>
+              <a:t> (</a:t>
+            </a:r>
+            <a:r>
+              <a:rPr lang="en-US" sz="1600" b="0" i="0" dirty="0" err="1">
+                <a:effectLst/>
+                <a:latin typeface="Verdana" panose="020B0604030504040204" pitchFamily="34" charset="0"/>
+                <a:ea typeface="Verdana" panose="020B0604030504040204" pitchFamily="34" charset="0"/>
+              </a:rPr>
+              <a:t>stato</a:t>
+            </a:r>
+            <a:r>
+              <a:rPr lang="en-US" sz="1600" b="0" i="0" dirty="0">
+                <a:effectLst/>
+                <a:latin typeface="Verdana" panose="020B0604030504040204" pitchFamily="34" charset="0"/>
+                <a:ea typeface="Verdana" panose="020B0604030504040204" pitchFamily="34" charset="0"/>
+              </a:rPr>
+              <a:t>, azione).</a:t>
+            </a:r>
+          </a:p>
+          <a:p>
+            <a:pPr marL="45720" indent="0">
+              <a:buNone/>
+            </a:pPr>
+            <a:r>
+              <a:rPr lang="en-US" sz="1600" dirty="0">
+                <a:latin typeface="Verdana" panose="020B0604030504040204" pitchFamily="34" charset="0"/>
+                <a:ea typeface="Verdana" panose="020B0604030504040204" pitchFamily="34" charset="0"/>
+              </a:rPr>
+              <a:t>In </a:t>
+            </a:r>
+            <a:r>
+              <a:rPr lang="en-US" sz="1600" dirty="0" err="1">
+                <a:latin typeface="Verdana" panose="020B0604030504040204" pitchFamily="34" charset="0"/>
+                <a:ea typeface="Verdana" panose="020B0604030504040204" pitchFamily="34" charset="0"/>
+              </a:rPr>
+              <a:t>particolare</a:t>
+            </a:r>
+            <a:r>
+              <a:rPr lang="en-US" sz="1600" dirty="0">
+                <a:latin typeface="Verdana" panose="020B0604030504040204" pitchFamily="34" charset="0"/>
+                <a:ea typeface="Verdana" panose="020B0604030504040204" pitchFamily="34" charset="0"/>
+              </a:rPr>
+              <a:t>: è una </a:t>
+            </a:r>
+            <a:r>
+              <a:rPr lang="en-US" sz="1600" dirty="0" err="1">
+                <a:latin typeface="Verdana" panose="020B0604030504040204" pitchFamily="34" charset="0"/>
+                <a:ea typeface="Verdana" panose="020B0604030504040204" pitchFamily="34" charset="0"/>
+              </a:rPr>
+              <a:t>matrice</a:t>
+            </a:r>
+            <a:r>
+              <a:rPr lang="en-US" sz="1600" dirty="0">
+                <a:latin typeface="Verdana" panose="020B0604030504040204" pitchFamily="34" charset="0"/>
+                <a:ea typeface="Verdana" panose="020B0604030504040204" pitchFamily="34" charset="0"/>
+              </a:rPr>
+              <a:t> in cui</a:t>
+            </a:r>
+          </a:p>
+          <a:p>
+            <a:pPr>
+              <a:buFontTx/>
+              <a:buChar char="-"/>
+            </a:pPr>
+            <a:r>
+              <a:rPr lang="en-US" sz="1600" b="0" i="0" dirty="0" err="1">
+                <a:effectLst/>
+                <a:latin typeface="Verdana" panose="020B0604030504040204" pitchFamily="34" charset="0"/>
+                <a:ea typeface="Verdana" panose="020B0604030504040204" pitchFamily="34" charset="0"/>
+              </a:rPr>
+              <a:t>Righe</a:t>
+            </a:r>
+            <a:r>
+              <a:rPr lang="en-US" sz="1600" b="0" i="0" dirty="0">
+                <a:effectLst/>
+                <a:latin typeface="Verdana" panose="020B0604030504040204" pitchFamily="34" charset="0"/>
+                <a:ea typeface="Verdana" panose="020B0604030504040204" pitchFamily="34" charset="0"/>
+              </a:rPr>
+              <a:t>: state</a:t>
+            </a:r>
+          </a:p>
+          <a:p>
+            <a:pPr>
+              <a:buFontTx/>
+              <a:buChar char="-"/>
+            </a:pPr>
+            <a:r>
+              <a:rPr lang="en-US" sz="1600" dirty="0" err="1">
+                <a:latin typeface="Verdana" panose="020B0604030504040204" pitchFamily="34" charset="0"/>
+                <a:ea typeface="Verdana" panose="020B0604030504040204" pitchFamily="34" charset="0"/>
+              </a:rPr>
+              <a:t>Colonne</a:t>
+            </a:r>
+            <a:r>
+              <a:rPr lang="en-US" sz="1600" dirty="0">
+                <a:latin typeface="Verdana" panose="020B0604030504040204" pitchFamily="34" charset="0"/>
+                <a:ea typeface="Verdana" panose="020B0604030504040204" pitchFamily="34" charset="0"/>
+              </a:rPr>
+              <a:t>: action</a:t>
+            </a:r>
+          </a:p>
+          <a:p>
+            <a:pPr marL="45720" indent="0">
+              <a:buNone/>
+            </a:pPr>
+            <a:r>
+              <a:rPr lang="en-US" sz="1600" b="0" i="0" dirty="0">
+                <a:effectLst/>
+                <a:latin typeface="Verdana" panose="020B0604030504040204" pitchFamily="34" charset="0"/>
+                <a:ea typeface="Verdana" panose="020B0604030504040204" pitchFamily="34" charset="0"/>
+              </a:rPr>
+              <a:t>La </a:t>
+            </a:r>
+            <a:r>
+              <a:rPr lang="en-US" sz="1600" b="0" i="0" dirty="0" err="1">
+                <a:effectLst/>
+                <a:latin typeface="Verdana" panose="020B0604030504040204" pitchFamily="34" charset="0"/>
+                <a:ea typeface="Verdana" panose="020B0604030504040204" pitchFamily="34" charset="0"/>
+              </a:rPr>
+              <a:t>cardinalità</a:t>
+            </a:r>
+            <a:r>
+              <a:rPr lang="en-US" sz="1600" b="0" i="0" dirty="0">
+                <a:effectLst/>
+                <a:latin typeface="Verdana" panose="020B0604030504040204" pitchFamily="34" charset="0"/>
+                <a:ea typeface="Verdana" panose="020B0604030504040204" pitchFamily="34" charset="0"/>
+              </a:rPr>
+              <a:t> </a:t>
+            </a:r>
+            <a:r>
+              <a:rPr lang="en-US" sz="1600" b="0" i="0" dirty="0" err="1">
+                <a:effectLst/>
+                <a:latin typeface="Verdana" panose="020B0604030504040204" pitchFamily="34" charset="0"/>
+                <a:ea typeface="Verdana" panose="020B0604030504040204" pitchFamily="34" charset="0"/>
+              </a:rPr>
+              <a:t>dello</a:t>
+            </a:r>
+            <a:r>
+              <a:rPr lang="en-US" sz="1600" b="0" i="0" dirty="0">
+                <a:effectLst/>
+                <a:latin typeface="Verdana" panose="020B0604030504040204" pitchFamily="34" charset="0"/>
+                <a:ea typeface="Verdana" panose="020B0604030504040204" pitchFamily="34" charset="0"/>
+              </a:rPr>
+              <a:t> </a:t>
+            </a:r>
+            <a:r>
+              <a:rPr lang="en-US" sz="1600" b="0" i="0" dirty="0" err="1">
+                <a:effectLst/>
+                <a:latin typeface="Verdana" panose="020B0604030504040204" pitchFamily="34" charset="0"/>
+                <a:ea typeface="Verdana" panose="020B0604030504040204" pitchFamily="34" charset="0"/>
+              </a:rPr>
+              <a:t>spazio</a:t>
+            </a:r>
+            <a:r>
+              <a:rPr lang="en-US" sz="1600" b="0" i="0" dirty="0">
+                <a:effectLst/>
+                <a:latin typeface="Verdana" panose="020B0604030504040204" pitchFamily="34" charset="0"/>
+                <a:ea typeface="Verdana" panose="020B0604030504040204" pitchFamily="34" charset="0"/>
+              </a:rPr>
+              <a:t> di </a:t>
+            </a:r>
+            <a:r>
+              <a:rPr lang="en-US" sz="1600" b="0" i="0" dirty="0" err="1">
+                <a:effectLst/>
+                <a:latin typeface="Verdana" panose="020B0604030504040204" pitchFamily="34" charset="0"/>
+                <a:ea typeface="Verdana" panose="020B0604030504040204" pitchFamily="34" charset="0"/>
+              </a:rPr>
+              <a:t>stato</a:t>
+            </a:r>
+            <a:r>
+              <a:rPr lang="en-US" sz="1600" b="0" i="0" dirty="0">
+                <a:effectLst/>
+                <a:latin typeface="Verdana" panose="020B0604030504040204" pitchFamily="34" charset="0"/>
+                <a:ea typeface="Verdana" panose="020B0604030504040204" pitchFamily="34" charset="0"/>
+              </a:rPr>
+              <a:t> </a:t>
+            </a:r>
+            <a:r>
+              <a:rPr lang="en-US" sz="1600" b="0" i="0" dirty="0" err="1">
+                <a:effectLst/>
+                <a:latin typeface="Verdana" panose="020B0604030504040204" pitchFamily="34" charset="0"/>
+                <a:ea typeface="Verdana" panose="020B0604030504040204" pitchFamily="34" charset="0"/>
+              </a:rPr>
+              <a:t>determina</a:t>
+            </a:r>
+            <a:r>
+              <a:rPr lang="en-US" sz="1600" b="0" i="0" dirty="0">
+                <a:effectLst/>
+                <a:latin typeface="Verdana" panose="020B0604030504040204" pitchFamily="34" charset="0"/>
+                <a:ea typeface="Verdana" panose="020B0604030504040204" pitchFamily="34" charset="0"/>
+              </a:rPr>
+              <a:t> </a:t>
+            </a:r>
+            <a:r>
+              <a:rPr lang="en-US" sz="1600" b="0" i="0" dirty="0" err="1">
+                <a:effectLst/>
+                <a:latin typeface="Verdana" panose="020B0604030504040204" pitchFamily="34" charset="0"/>
+                <a:ea typeface="Verdana" panose="020B0604030504040204" pitchFamily="34" charset="0"/>
+              </a:rPr>
+              <a:t>univocamente</a:t>
+            </a:r>
+            <a:r>
+              <a:rPr lang="en-US" sz="1600" b="0" i="0" dirty="0">
+                <a:effectLst/>
+                <a:latin typeface="Verdana" panose="020B0604030504040204" pitchFamily="34" charset="0"/>
+                <a:ea typeface="Verdana" panose="020B0604030504040204" pitchFamily="34" charset="0"/>
+              </a:rPr>
+              <a:t> il </a:t>
+            </a:r>
+            <a:r>
+              <a:rPr lang="en-US" sz="1600" b="0" i="0" dirty="0" err="1">
+                <a:effectLst/>
+                <a:latin typeface="Verdana" panose="020B0604030504040204" pitchFamily="34" charset="0"/>
+                <a:ea typeface="Verdana" panose="020B0604030504040204" pitchFamily="34" charset="0"/>
+              </a:rPr>
+              <a:t>numero</a:t>
+            </a:r>
+            <a:r>
+              <a:rPr lang="en-US" sz="1600" b="0" i="0" dirty="0">
+                <a:effectLst/>
+                <a:latin typeface="Verdana" panose="020B0604030504040204" pitchFamily="34" charset="0"/>
+                <a:ea typeface="Verdana" panose="020B0604030504040204" pitchFamily="34" charset="0"/>
+              </a:rPr>
+              <a:t> di </a:t>
+            </a:r>
+            <a:r>
+              <a:rPr lang="en-US" sz="1600" b="0" i="0" dirty="0" err="1">
+                <a:effectLst/>
+                <a:latin typeface="Verdana" panose="020B0604030504040204" pitchFamily="34" charset="0"/>
+                <a:ea typeface="Verdana" panose="020B0604030504040204" pitchFamily="34" charset="0"/>
+              </a:rPr>
+              <a:t>righe</a:t>
+            </a:r>
+            <a:r>
+              <a:rPr lang="en-US" sz="1600" b="0" i="0" dirty="0">
+                <a:effectLst/>
+                <a:latin typeface="Verdana" panose="020B0604030504040204" pitchFamily="34" charset="0"/>
+                <a:ea typeface="Verdana" panose="020B0604030504040204" pitchFamily="34" charset="0"/>
+              </a:rPr>
+              <a:t> </a:t>
+            </a:r>
+            <a:r>
+              <a:rPr lang="en-US" sz="1600" b="0" i="0" dirty="0" err="1">
+                <a:effectLst/>
+                <a:latin typeface="Verdana" panose="020B0604030504040204" pitchFamily="34" charset="0"/>
+                <a:ea typeface="Verdana" panose="020B0604030504040204" pitchFamily="34" charset="0"/>
+              </a:rPr>
+              <a:t>della</a:t>
+            </a:r>
+            <a:r>
+              <a:rPr lang="en-US" sz="1600" b="0" i="0" dirty="0">
+                <a:effectLst/>
+                <a:latin typeface="Verdana" panose="020B0604030504040204" pitchFamily="34" charset="0"/>
+                <a:ea typeface="Verdana" panose="020B0604030504040204" pitchFamily="34" charset="0"/>
+              </a:rPr>
+              <a:t> Q-Table</a:t>
+            </a:r>
+          </a:p>
+        </p:txBody>
+      </p:sp>
+      <p:pic>
+        <p:nvPicPr>
+          <p:cNvPr id="1026" name="Picture 2">
+            <a:extLst>
+              <a:ext uri="{FF2B5EF4-FFF2-40B4-BE49-F238E27FC236}">
+                <a16:creationId xmlns:a16="http://schemas.microsoft.com/office/drawing/2014/main" id="{6DA9459B-F130-44DD-8E49-BEF0046F0F11}"/>
+              </a:ext>
+            </a:extLst>
+          </p:cNvPr>
+          <p:cNvPicPr>
+            <a:picLocks noChangeAspect="1" noChangeArrowheads="1"/>
+          </p:cNvPicPr>
+          <p:nvPr/>
+        </p:nvPicPr>
+        <p:blipFill rotWithShape="1">
+          <a:blip r:embed="rId2">
+            <a:extLst>
+              <a:ext uri="{28A0092B-C50C-407E-A947-70E740481C1C}">
+                <a14:useLocalDpi xmlns:a14="http://schemas.microsoft.com/office/drawing/2010/main" val="0"/>
+              </a:ext>
+            </a:extLst>
+          </a:blip>
+          <a:srcRect r="-2" b="6651"/>
+          <a:stretch/>
+        </p:blipFill>
+        <p:spPr bwMode="auto">
+          <a:xfrm>
+            <a:off x="6492100" y="1182469"/>
+            <a:ext cx="5461344" cy="5175601"/>
+          </a:xfrm>
+          <a:prstGeom prst="rect">
+            <a:avLst/>
+          </a:prstGeom>
+          <a:noFill/>
+          <a:extLst>
+            <a:ext uri="{909E8E84-426E-40DD-AFC4-6F175D3DCCD1}">
+              <a14:hiddenFill xmlns:a14="http://schemas.microsoft.com/office/drawing/2010/main">
+                <a:solidFill>
+                  <a:srgbClr val="FFFFFF"/>
+                </a:solidFill>
+              </a14:hiddenFill>
+            </a:ext>
+          </a:extLst>
+        </p:spPr>
+      </p:pic>
+      <p:sp>
+        <p:nvSpPr>
+          <p:cNvPr id="3" name="Freccia in giù 2">
+            <a:extLst>
+              <a:ext uri="{FF2B5EF4-FFF2-40B4-BE49-F238E27FC236}">
+                <a16:creationId xmlns:a16="http://schemas.microsoft.com/office/drawing/2014/main" id="{18F029FC-5B28-4B35-82C8-FC1FEFD8459D}"/>
+              </a:ext>
+            </a:extLst>
+          </p:cNvPr>
+          <p:cNvSpPr/>
+          <p:nvPr/>
+        </p:nvSpPr>
+        <p:spPr>
+          <a:xfrm>
+            <a:off x="1381405" y="3815496"/>
+            <a:ext cx="273466" cy="492598"/>
+          </a:xfrm>
+          <a:prstGeom prst="downArrow">
+            <a:avLst/>
+          </a:prstGeom>
+          <a:noFill/>
+        </p:spPr>
+        <p:style>
+          <a:lnRef idx="2">
+            <a:schemeClr val="dk1">
+              <a:shade val="50000"/>
+            </a:schemeClr>
+          </a:lnRef>
+          <a:fillRef idx="1">
+            <a:schemeClr val="dk1"/>
+          </a:fillRef>
+          <a:effectRef idx="0">
+            <a:schemeClr val="dk1"/>
+          </a:effectRef>
+          <a:fontRef idx="minor">
+            <a:schemeClr val="lt1"/>
+          </a:fontRef>
+        </p:style>
+        <p:txBody>
+          <a:bodyPr rtlCol="0" anchor="ctr"/>
+          <a:lstStyle/>
+          <a:p>
+            <a:pPr algn="ctr"/>
+            <a:endParaRPr lang="it-IT"/>
+          </a:p>
+        </p:txBody>
+      </p:sp>
+      <p:sp>
+        <p:nvSpPr>
+          <p:cNvPr id="8" name="Content Placeholder 12">
+            <a:extLst>
+              <a:ext uri="{FF2B5EF4-FFF2-40B4-BE49-F238E27FC236}">
+                <a16:creationId xmlns:a16="http://schemas.microsoft.com/office/drawing/2014/main" id="{75AD9F29-656E-49F2-9A33-F0C9C1783C8F}"/>
+              </a:ext>
+            </a:extLst>
+          </p:cNvPr>
+          <p:cNvSpPr txBox="1">
+            <a:spLocks/>
+          </p:cNvSpPr>
+          <p:nvPr/>
+        </p:nvSpPr>
+        <p:spPr>
+          <a:xfrm>
+            <a:off x="404171" y="4388575"/>
+            <a:ext cx="2227934" cy="1151036"/>
+          </a:xfrm>
+          <a:prstGeom prst="rect">
+            <a:avLst/>
+          </a:prstGeom>
+        </p:spPr>
+        <p:txBody>
+          <a:bodyPr vert="horz" lIns="91440" tIns="45720" rIns="91440" bIns="45720" rtlCol="0">
+            <a:normAutofit/>
+          </a:bodyPr>
+          <a:lstStyle>
+            <a:lvl1pPr marL="228600" indent="-182880" algn="l" defTabSz="914400" rtl="0" eaLnBrk="1" latinLnBrk="0" hangingPunct="1">
+              <a:lnSpc>
+                <a:spcPct val="90000"/>
+              </a:lnSpc>
+              <a:spcBef>
+                <a:spcPts val="1400"/>
+              </a:spcBef>
+              <a:buClr>
+                <a:schemeClr val="tx1"/>
+              </a:buClr>
+              <a:buSzPct val="80000"/>
+              <a:buFont typeface="Corbel" pitchFamily="34" charset="0"/>
+              <a:buChar char="•"/>
+              <a:defRPr sz="2200" kern="1200">
+                <a:solidFill>
+                  <a:schemeClr val="tx1"/>
+                </a:solidFill>
+                <a:latin typeface="+mn-lt"/>
+                <a:ea typeface="+mn-ea"/>
+                <a:cs typeface="+mn-cs"/>
+              </a:defRPr>
+            </a:lvl1pPr>
+            <a:lvl2pPr marL="457200" indent="-182880" algn="l" defTabSz="914400" rtl="0" eaLnBrk="1" latinLnBrk="0" hangingPunct="1">
+              <a:lnSpc>
+                <a:spcPct val="90000"/>
+              </a:lnSpc>
+              <a:spcBef>
+                <a:spcPts val="200"/>
+              </a:spcBef>
+              <a:spcAft>
+                <a:spcPts val="400"/>
+              </a:spcAft>
+              <a:buClr>
+                <a:schemeClr val="tx1"/>
+              </a:buClr>
+              <a:buSzPct val="80000"/>
+              <a:buFont typeface="Corbel" pitchFamily="34" charset="0"/>
+              <a:buChar char="•"/>
+              <a:defRPr sz="2000" kern="1200">
+                <a:solidFill>
+                  <a:schemeClr val="tx1"/>
+                </a:solidFill>
+                <a:latin typeface="+mn-lt"/>
+                <a:ea typeface="+mn-ea"/>
+                <a:cs typeface="+mn-cs"/>
+              </a:defRPr>
+            </a:lvl2pPr>
+            <a:lvl3pPr marL="731520" indent="-182880" algn="l" defTabSz="914400" rtl="0" eaLnBrk="1" latinLnBrk="0" hangingPunct="1">
+              <a:lnSpc>
+                <a:spcPct val="90000"/>
+              </a:lnSpc>
+              <a:spcBef>
+                <a:spcPts val="200"/>
+              </a:spcBef>
+              <a:spcAft>
+                <a:spcPts val="400"/>
+              </a:spcAft>
+              <a:buClr>
+                <a:schemeClr val="tx1"/>
+              </a:buClr>
+              <a:buSzPct val="80000"/>
+              <a:buFont typeface="Corbel" pitchFamily="34" charset="0"/>
+              <a:buChar char="•"/>
+              <a:defRPr sz="1800" kern="1200">
+                <a:solidFill>
+                  <a:schemeClr val="tx1"/>
+                </a:solidFill>
+                <a:latin typeface="+mn-lt"/>
+                <a:ea typeface="+mn-ea"/>
+                <a:cs typeface="+mn-cs"/>
+              </a:defRPr>
+            </a:lvl3pPr>
+            <a:lvl4pPr marL="1005840" indent="-182880" algn="l" defTabSz="914400" rtl="0" eaLnBrk="1" latinLnBrk="0" hangingPunct="1">
+              <a:lnSpc>
+                <a:spcPct val="90000"/>
+              </a:lnSpc>
+              <a:spcBef>
+                <a:spcPts val="200"/>
+              </a:spcBef>
+              <a:spcAft>
+                <a:spcPts val="400"/>
+              </a:spcAft>
+              <a:buClr>
+                <a:schemeClr val="tx1"/>
+              </a:buClr>
+              <a:buSzPct val="80000"/>
+              <a:buFont typeface="Corbel" pitchFamily="34" charset="0"/>
+              <a:buChar char="•"/>
+              <a:defRPr sz="1600" kern="1200">
+                <a:solidFill>
+                  <a:schemeClr val="tx1"/>
+                </a:solidFill>
+                <a:latin typeface="+mn-lt"/>
+                <a:ea typeface="+mn-ea"/>
+                <a:cs typeface="+mn-cs"/>
+              </a:defRPr>
+            </a:lvl4pPr>
+            <a:lvl5pPr marL="1280160" indent="-182880" algn="l" defTabSz="914400" rtl="0" eaLnBrk="1" latinLnBrk="0" hangingPunct="1">
+              <a:lnSpc>
+                <a:spcPct val="90000"/>
+              </a:lnSpc>
+              <a:spcBef>
+                <a:spcPts val="200"/>
+              </a:spcBef>
+              <a:spcAft>
+                <a:spcPts val="400"/>
+              </a:spcAft>
+              <a:buClr>
+                <a:schemeClr val="tx1"/>
+              </a:buClr>
+              <a:buSzPct val="80000"/>
+              <a:buFont typeface="Corbel" pitchFamily="34" charset="0"/>
+              <a:buChar char="•"/>
+              <a:defRPr sz="1600" kern="1200">
+                <a:solidFill>
+                  <a:schemeClr val="tx1"/>
+                </a:solidFill>
+                <a:latin typeface="+mn-lt"/>
+                <a:ea typeface="+mn-ea"/>
+                <a:cs typeface="+mn-cs"/>
+              </a:defRPr>
+            </a:lvl5pPr>
+            <a:lvl6pPr marL="1600000" indent="-228600" algn="l" defTabSz="914400" rtl="0" eaLnBrk="1" latinLnBrk="0" hangingPunct="1">
+              <a:lnSpc>
+                <a:spcPct val="90000"/>
+              </a:lnSpc>
+              <a:spcBef>
+                <a:spcPts val="200"/>
+              </a:spcBef>
+              <a:spcAft>
+                <a:spcPts val="400"/>
+              </a:spcAft>
+              <a:buClr>
+                <a:schemeClr val="tx1"/>
+              </a:buClr>
+              <a:buSzPct val="80000"/>
+              <a:buFont typeface="Corbel" pitchFamily="34" charset="0"/>
+              <a:buChar char="•"/>
+              <a:defRPr sz="1600" kern="1200">
+                <a:solidFill>
+                  <a:schemeClr val="tx1"/>
+                </a:solidFill>
+                <a:latin typeface="+mn-lt"/>
+                <a:ea typeface="+mn-ea"/>
+                <a:cs typeface="+mn-cs"/>
+              </a:defRPr>
+            </a:lvl6pPr>
+            <a:lvl7pPr marL="1900000" indent="-228600" algn="l" defTabSz="914400" rtl="0" eaLnBrk="1" latinLnBrk="0" hangingPunct="1">
+              <a:lnSpc>
+                <a:spcPct val="90000"/>
+              </a:lnSpc>
+              <a:spcBef>
+                <a:spcPts val="200"/>
+              </a:spcBef>
+              <a:spcAft>
+                <a:spcPts val="400"/>
+              </a:spcAft>
+              <a:buClr>
+                <a:schemeClr val="tx1"/>
+              </a:buClr>
+              <a:buSzPct val="80000"/>
+              <a:buFont typeface="Corbel" pitchFamily="34" charset="0"/>
+              <a:buChar char="•"/>
+              <a:defRPr sz="1600" kern="1200">
+                <a:solidFill>
+                  <a:schemeClr val="tx1"/>
+                </a:solidFill>
+                <a:latin typeface="+mn-lt"/>
+                <a:ea typeface="+mn-ea"/>
+                <a:cs typeface="+mn-cs"/>
+              </a:defRPr>
+            </a:lvl7pPr>
+            <a:lvl8pPr marL="2200000" indent="-228600" algn="l" defTabSz="914400" rtl="0" eaLnBrk="1" latinLnBrk="0" hangingPunct="1">
+              <a:lnSpc>
+                <a:spcPct val="90000"/>
+              </a:lnSpc>
+              <a:spcBef>
+                <a:spcPts val="200"/>
+              </a:spcBef>
+              <a:spcAft>
+                <a:spcPts val="400"/>
+              </a:spcAft>
+              <a:buClr>
+                <a:schemeClr val="tx1"/>
+              </a:buClr>
+              <a:buSzPct val="80000"/>
+              <a:buFont typeface="Corbel" pitchFamily="34" charset="0"/>
+              <a:buChar char="•"/>
+              <a:defRPr sz="1600" kern="1200">
+                <a:solidFill>
+                  <a:schemeClr val="tx1"/>
+                </a:solidFill>
+                <a:latin typeface="+mn-lt"/>
+                <a:ea typeface="+mn-ea"/>
+                <a:cs typeface="+mn-cs"/>
+              </a:defRPr>
+            </a:lvl8pPr>
+            <a:lvl9pPr marL="2500000" indent="-228600" algn="l" defTabSz="914400" rtl="0" eaLnBrk="1" latinLnBrk="0" hangingPunct="1">
+              <a:lnSpc>
+                <a:spcPct val="90000"/>
+              </a:lnSpc>
+              <a:spcBef>
+                <a:spcPts val="200"/>
+              </a:spcBef>
+              <a:spcAft>
+                <a:spcPts val="400"/>
+              </a:spcAft>
+              <a:buClr>
+                <a:schemeClr val="tx1"/>
+              </a:buClr>
+              <a:buSzPct val="80000"/>
+              <a:buFont typeface="Corbel" pitchFamily="34" charset="0"/>
+              <a:buChar char="•"/>
+              <a:defRPr sz="1600" kern="1200">
+                <a:solidFill>
+                  <a:schemeClr val="tx1"/>
+                </a:solidFill>
+                <a:latin typeface="+mn-lt"/>
+                <a:ea typeface="+mn-ea"/>
+                <a:cs typeface="+mn-cs"/>
+              </a:defRPr>
+            </a:lvl9pPr>
+          </a:lstStyle>
+          <a:p>
+            <a:pPr marL="45720" indent="0">
+              <a:buFont typeface="Corbel" pitchFamily="34" charset="0"/>
+              <a:buNone/>
+            </a:pPr>
+            <a:r>
+              <a:rPr lang="it-IT" sz="1600" dirty="0">
+                <a:latin typeface="Verdana" panose="020B0604030504040204" pitchFamily="34" charset="0"/>
+                <a:ea typeface="Verdana" panose="020B0604030504040204" pitchFamily="34" charset="0"/>
+              </a:rPr>
+              <a:t>Coordinate-</a:t>
+            </a:r>
+            <a:r>
+              <a:rPr lang="it-IT" sz="1600" dirty="0" err="1">
+                <a:latin typeface="Verdana" panose="020B0604030504040204" pitchFamily="34" charset="0"/>
+                <a:ea typeface="Verdana" panose="020B0604030504040204" pitchFamily="34" charset="0"/>
+              </a:rPr>
+              <a:t>based</a:t>
+            </a:r>
+            <a:r>
+              <a:rPr lang="it-IT" sz="1600" dirty="0">
+                <a:latin typeface="Verdana" panose="020B0604030504040204" pitchFamily="34" charset="0"/>
+                <a:ea typeface="Verdana" panose="020B0604030504040204" pitchFamily="34" charset="0"/>
+              </a:rPr>
+              <a:t>:</a:t>
+            </a:r>
+          </a:p>
+          <a:p>
+            <a:pPr marL="45720" indent="0">
+              <a:buFont typeface="Corbel" pitchFamily="34" charset="0"/>
+              <a:buNone/>
+            </a:pPr>
+            <a:r>
+              <a:rPr lang="it-IT" sz="1600" dirty="0">
+                <a:latin typeface="Verdana" panose="020B0604030504040204" pitchFamily="34" charset="0"/>
+                <a:ea typeface="Verdana" panose="020B0604030504040204" pitchFamily="34" charset="0"/>
+              </a:rPr>
+              <a:t>7 * 7 * 3 * 2 = </a:t>
+            </a:r>
+          </a:p>
+          <a:p>
+            <a:pPr marL="45720" indent="0">
+              <a:buFont typeface="Corbel" pitchFamily="34" charset="0"/>
+              <a:buNone/>
+            </a:pPr>
+            <a:r>
+              <a:rPr lang="it-IT" sz="1600" dirty="0">
+                <a:latin typeface="Verdana" panose="020B0604030504040204" pitchFamily="34" charset="0"/>
+                <a:ea typeface="Verdana" panose="020B0604030504040204" pitchFamily="34" charset="0"/>
+              </a:rPr>
+              <a:t>294 stati possibili</a:t>
+            </a:r>
+          </a:p>
+          <a:p>
+            <a:pPr marL="45720" indent="0">
+              <a:buFont typeface="Corbel" pitchFamily="34" charset="0"/>
+              <a:buNone/>
+            </a:pPr>
+            <a:endParaRPr lang="it-IT" sz="1600" dirty="0">
+              <a:latin typeface="Verdana" panose="020B0604030504040204" pitchFamily="34" charset="0"/>
+              <a:ea typeface="Verdana" panose="020B0604030504040204" pitchFamily="34" charset="0"/>
+            </a:endParaRPr>
+          </a:p>
+        </p:txBody>
+      </p:sp>
+      <p:sp>
+        <p:nvSpPr>
+          <p:cNvPr id="9" name="Freccia in giù 8">
+            <a:extLst>
+              <a:ext uri="{FF2B5EF4-FFF2-40B4-BE49-F238E27FC236}">
+                <a16:creationId xmlns:a16="http://schemas.microsoft.com/office/drawing/2014/main" id="{D2AE45C3-F771-4319-AAD0-FBADCA421B7B}"/>
+              </a:ext>
+            </a:extLst>
+          </p:cNvPr>
+          <p:cNvSpPr/>
+          <p:nvPr/>
+        </p:nvSpPr>
+        <p:spPr>
+          <a:xfrm>
+            <a:off x="4347333" y="5570953"/>
+            <a:ext cx="273466" cy="492598"/>
+          </a:xfrm>
+          <a:prstGeom prst="downArrow">
+            <a:avLst/>
+          </a:prstGeom>
+        </p:spPr>
+        <p:style>
+          <a:lnRef idx="2">
+            <a:schemeClr val="accent2"/>
+          </a:lnRef>
+          <a:fillRef idx="1">
+            <a:schemeClr val="lt1"/>
+          </a:fillRef>
+          <a:effectRef idx="0">
+            <a:schemeClr val="accent2"/>
+          </a:effectRef>
+          <a:fontRef idx="minor">
+            <a:schemeClr val="dk1"/>
+          </a:fontRef>
+        </p:style>
+        <p:txBody>
+          <a:bodyPr rtlCol="0" anchor="ctr"/>
+          <a:lstStyle/>
+          <a:p>
+            <a:pPr algn="ctr"/>
+            <a:endParaRPr lang="it-IT">
+              <a:solidFill>
+                <a:srgbClr val="FF0000"/>
+              </a:solidFill>
+            </a:endParaRPr>
+          </a:p>
+        </p:txBody>
+      </p:sp>
+      <p:sp>
+        <p:nvSpPr>
+          <p:cNvPr id="10" name="Content Placeholder 12">
+            <a:extLst>
+              <a:ext uri="{FF2B5EF4-FFF2-40B4-BE49-F238E27FC236}">
+                <a16:creationId xmlns:a16="http://schemas.microsoft.com/office/drawing/2014/main" id="{F3449E46-9AD3-4980-B19F-E0EEF2B4CF13}"/>
+              </a:ext>
+            </a:extLst>
+          </p:cNvPr>
+          <p:cNvSpPr txBox="1">
+            <a:spLocks/>
+          </p:cNvSpPr>
+          <p:nvPr/>
+        </p:nvSpPr>
+        <p:spPr>
+          <a:xfrm>
+            <a:off x="3548848" y="6153894"/>
+            <a:ext cx="1870435" cy="339695"/>
+          </a:xfrm>
+          <a:prstGeom prst="rect">
+            <a:avLst/>
+          </a:prstGeom>
+        </p:spPr>
+        <p:txBody>
+          <a:bodyPr vert="horz" lIns="91440" tIns="45720" rIns="91440" bIns="45720" rtlCol="0">
+            <a:normAutofit/>
+          </a:bodyPr>
+          <a:lstStyle>
+            <a:lvl1pPr marL="228600" indent="-182880" algn="l" defTabSz="914400" rtl="0" eaLnBrk="1" latinLnBrk="0" hangingPunct="1">
+              <a:lnSpc>
+                <a:spcPct val="90000"/>
+              </a:lnSpc>
+              <a:spcBef>
+                <a:spcPts val="1400"/>
+              </a:spcBef>
+              <a:buClr>
+                <a:schemeClr val="tx1"/>
+              </a:buClr>
+              <a:buSzPct val="80000"/>
+              <a:buFont typeface="Corbel" pitchFamily="34" charset="0"/>
+              <a:buChar char="•"/>
+              <a:defRPr sz="2200" kern="1200">
+                <a:solidFill>
+                  <a:schemeClr val="tx1"/>
+                </a:solidFill>
+                <a:latin typeface="+mn-lt"/>
+                <a:ea typeface="+mn-ea"/>
+                <a:cs typeface="+mn-cs"/>
+              </a:defRPr>
+            </a:lvl1pPr>
+            <a:lvl2pPr marL="457200" indent="-182880" algn="l" defTabSz="914400" rtl="0" eaLnBrk="1" latinLnBrk="0" hangingPunct="1">
+              <a:lnSpc>
+                <a:spcPct val="90000"/>
+              </a:lnSpc>
+              <a:spcBef>
+                <a:spcPts val="200"/>
+              </a:spcBef>
+              <a:spcAft>
+                <a:spcPts val="400"/>
+              </a:spcAft>
+              <a:buClr>
+                <a:schemeClr val="tx1"/>
+              </a:buClr>
+              <a:buSzPct val="80000"/>
+              <a:buFont typeface="Corbel" pitchFamily="34" charset="0"/>
+              <a:buChar char="•"/>
+              <a:defRPr sz="2000" kern="1200">
+                <a:solidFill>
+                  <a:schemeClr val="tx1"/>
+                </a:solidFill>
+                <a:latin typeface="+mn-lt"/>
+                <a:ea typeface="+mn-ea"/>
+                <a:cs typeface="+mn-cs"/>
+              </a:defRPr>
+            </a:lvl2pPr>
+            <a:lvl3pPr marL="731520" indent="-182880" algn="l" defTabSz="914400" rtl="0" eaLnBrk="1" latinLnBrk="0" hangingPunct="1">
+              <a:lnSpc>
+                <a:spcPct val="90000"/>
+              </a:lnSpc>
+              <a:spcBef>
+                <a:spcPts val="200"/>
+              </a:spcBef>
+              <a:spcAft>
+                <a:spcPts val="400"/>
+              </a:spcAft>
+              <a:buClr>
+                <a:schemeClr val="tx1"/>
+              </a:buClr>
+              <a:buSzPct val="80000"/>
+              <a:buFont typeface="Corbel" pitchFamily="34" charset="0"/>
+              <a:buChar char="•"/>
+              <a:defRPr sz="1800" kern="1200">
+                <a:solidFill>
+                  <a:schemeClr val="tx1"/>
+                </a:solidFill>
+                <a:latin typeface="+mn-lt"/>
+                <a:ea typeface="+mn-ea"/>
+                <a:cs typeface="+mn-cs"/>
+              </a:defRPr>
+            </a:lvl3pPr>
+            <a:lvl4pPr marL="1005840" indent="-182880" algn="l" defTabSz="914400" rtl="0" eaLnBrk="1" latinLnBrk="0" hangingPunct="1">
+              <a:lnSpc>
+                <a:spcPct val="90000"/>
+              </a:lnSpc>
+              <a:spcBef>
+                <a:spcPts val="200"/>
+              </a:spcBef>
+              <a:spcAft>
+                <a:spcPts val="400"/>
+              </a:spcAft>
+              <a:buClr>
+                <a:schemeClr val="tx1"/>
+              </a:buClr>
+              <a:buSzPct val="80000"/>
+              <a:buFont typeface="Corbel" pitchFamily="34" charset="0"/>
+              <a:buChar char="•"/>
+              <a:defRPr sz="1600" kern="1200">
+                <a:solidFill>
+                  <a:schemeClr val="tx1"/>
+                </a:solidFill>
+                <a:latin typeface="+mn-lt"/>
+                <a:ea typeface="+mn-ea"/>
+                <a:cs typeface="+mn-cs"/>
+              </a:defRPr>
+            </a:lvl4pPr>
+            <a:lvl5pPr marL="1280160" indent="-182880" algn="l" defTabSz="914400" rtl="0" eaLnBrk="1" latinLnBrk="0" hangingPunct="1">
+              <a:lnSpc>
+                <a:spcPct val="90000"/>
+              </a:lnSpc>
+              <a:spcBef>
+                <a:spcPts val="200"/>
+              </a:spcBef>
+              <a:spcAft>
+                <a:spcPts val="400"/>
+              </a:spcAft>
+              <a:buClr>
+                <a:schemeClr val="tx1"/>
+              </a:buClr>
+              <a:buSzPct val="80000"/>
+              <a:buFont typeface="Corbel" pitchFamily="34" charset="0"/>
+              <a:buChar char="•"/>
+              <a:defRPr sz="1600" kern="1200">
+                <a:solidFill>
+                  <a:schemeClr val="tx1"/>
+                </a:solidFill>
+                <a:latin typeface="+mn-lt"/>
+                <a:ea typeface="+mn-ea"/>
+                <a:cs typeface="+mn-cs"/>
+              </a:defRPr>
+            </a:lvl5pPr>
+            <a:lvl6pPr marL="1600000" indent="-228600" algn="l" defTabSz="914400" rtl="0" eaLnBrk="1" latinLnBrk="0" hangingPunct="1">
+              <a:lnSpc>
+                <a:spcPct val="90000"/>
+              </a:lnSpc>
+              <a:spcBef>
+                <a:spcPts val="200"/>
+              </a:spcBef>
+              <a:spcAft>
+                <a:spcPts val="400"/>
+              </a:spcAft>
+              <a:buClr>
+                <a:schemeClr val="tx1"/>
+              </a:buClr>
+              <a:buSzPct val="80000"/>
+              <a:buFont typeface="Corbel" pitchFamily="34" charset="0"/>
+              <a:buChar char="•"/>
+              <a:defRPr sz="1600" kern="1200">
+                <a:solidFill>
+                  <a:schemeClr val="tx1"/>
+                </a:solidFill>
+                <a:latin typeface="+mn-lt"/>
+                <a:ea typeface="+mn-ea"/>
+                <a:cs typeface="+mn-cs"/>
+              </a:defRPr>
+            </a:lvl6pPr>
+            <a:lvl7pPr marL="1900000" indent="-228600" algn="l" defTabSz="914400" rtl="0" eaLnBrk="1" latinLnBrk="0" hangingPunct="1">
+              <a:lnSpc>
+                <a:spcPct val="90000"/>
+              </a:lnSpc>
+              <a:spcBef>
+                <a:spcPts val="200"/>
+              </a:spcBef>
+              <a:spcAft>
+                <a:spcPts val="400"/>
+              </a:spcAft>
+              <a:buClr>
+                <a:schemeClr val="tx1"/>
+              </a:buClr>
+              <a:buSzPct val="80000"/>
+              <a:buFont typeface="Corbel" pitchFamily="34" charset="0"/>
+              <a:buChar char="•"/>
+              <a:defRPr sz="1600" kern="1200">
+                <a:solidFill>
+                  <a:schemeClr val="tx1"/>
+                </a:solidFill>
+                <a:latin typeface="+mn-lt"/>
+                <a:ea typeface="+mn-ea"/>
+                <a:cs typeface="+mn-cs"/>
+              </a:defRPr>
+            </a:lvl7pPr>
+            <a:lvl8pPr marL="2200000" indent="-228600" algn="l" defTabSz="914400" rtl="0" eaLnBrk="1" latinLnBrk="0" hangingPunct="1">
+              <a:lnSpc>
+                <a:spcPct val="90000"/>
+              </a:lnSpc>
+              <a:spcBef>
+                <a:spcPts val="200"/>
+              </a:spcBef>
+              <a:spcAft>
+                <a:spcPts val="400"/>
+              </a:spcAft>
+              <a:buClr>
+                <a:schemeClr val="tx1"/>
+              </a:buClr>
+              <a:buSzPct val="80000"/>
+              <a:buFont typeface="Corbel" pitchFamily="34" charset="0"/>
+              <a:buChar char="•"/>
+              <a:defRPr sz="1600" kern="1200">
+                <a:solidFill>
+                  <a:schemeClr val="tx1"/>
+                </a:solidFill>
+                <a:latin typeface="+mn-lt"/>
+                <a:ea typeface="+mn-ea"/>
+                <a:cs typeface="+mn-cs"/>
+              </a:defRPr>
+            </a:lvl8pPr>
+            <a:lvl9pPr marL="2500000" indent="-228600" algn="l" defTabSz="914400" rtl="0" eaLnBrk="1" latinLnBrk="0" hangingPunct="1">
+              <a:lnSpc>
+                <a:spcPct val="90000"/>
+              </a:lnSpc>
+              <a:spcBef>
+                <a:spcPts val="200"/>
+              </a:spcBef>
+              <a:spcAft>
+                <a:spcPts val="400"/>
+              </a:spcAft>
+              <a:buClr>
+                <a:schemeClr val="tx1"/>
+              </a:buClr>
+              <a:buSzPct val="80000"/>
+              <a:buFont typeface="Corbel" pitchFamily="34" charset="0"/>
+              <a:buChar char="•"/>
+              <a:defRPr sz="1600" kern="1200">
+                <a:solidFill>
+                  <a:schemeClr val="tx1"/>
+                </a:solidFill>
+                <a:latin typeface="+mn-lt"/>
+                <a:ea typeface="+mn-ea"/>
+                <a:cs typeface="+mn-cs"/>
+              </a:defRPr>
+            </a:lvl9pPr>
+          </a:lstStyle>
+          <a:p>
+            <a:pPr marL="45720" indent="0">
+              <a:buFont typeface="Corbel" pitchFamily="34" charset="0"/>
+              <a:buNone/>
+            </a:pPr>
+            <a:r>
+              <a:rPr lang="it-IT" sz="1600" dirty="0">
+                <a:solidFill>
+                  <a:srgbClr val="FF0000"/>
+                </a:solidFill>
+                <a:latin typeface="Verdana" panose="020B0604030504040204" pitchFamily="34" charset="0"/>
+                <a:ea typeface="Verdana" panose="020B0604030504040204" pitchFamily="34" charset="0"/>
+              </a:rPr>
+              <a:t>IMPRATICABILE</a:t>
+            </a:r>
+          </a:p>
+        </p:txBody>
+      </p:sp>
+      <p:sp>
+        <p:nvSpPr>
+          <p:cNvPr id="11" name="Content Placeholder 12">
+            <a:extLst>
+              <a:ext uri="{FF2B5EF4-FFF2-40B4-BE49-F238E27FC236}">
+                <a16:creationId xmlns:a16="http://schemas.microsoft.com/office/drawing/2014/main" id="{90131C08-CD0A-412F-95FC-DB51DAB7E4AA}"/>
+              </a:ext>
+            </a:extLst>
+          </p:cNvPr>
+          <p:cNvSpPr txBox="1">
+            <a:spLocks/>
+          </p:cNvSpPr>
+          <p:nvPr/>
+        </p:nvSpPr>
+        <p:spPr>
+          <a:xfrm>
+            <a:off x="2839320" y="4388575"/>
+            <a:ext cx="3562958" cy="1151036"/>
+          </a:xfrm>
+          <a:prstGeom prst="rect">
+            <a:avLst/>
+          </a:prstGeom>
+        </p:spPr>
+        <p:txBody>
+          <a:bodyPr vert="horz" lIns="91440" tIns="45720" rIns="91440" bIns="45720" rtlCol="0">
+            <a:normAutofit/>
+          </a:bodyPr>
+          <a:lstStyle>
+            <a:lvl1pPr marL="228600" indent="-182880" algn="l" defTabSz="914400" rtl="0" eaLnBrk="1" latinLnBrk="0" hangingPunct="1">
+              <a:lnSpc>
+                <a:spcPct val="90000"/>
+              </a:lnSpc>
+              <a:spcBef>
+                <a:spcPts val="1400"/>
+              </a:spcBef>
+              <a:buClr>
+                <a:schemeClr val="tx1"/>
+              </a:buClr>
+              <a:buSzPct val="80000"/>
+              <a:buFont typeface="Corbel" pitchFamily="34" charset="0"/>
+              <a:buChar char="•"/>
+              <a:defRPr sz="2200" kern="1200">
+                <a:solidFill>
+                  <a:schemeClr val="tx1"/>
+                </a:solidFill>
+                <a:latin typeface="+mn-lt"/>
+                <a:ea typeface="+mn-ea"/>
+                <a:cs typeface="+mn-cs"/>
+              </a:defRPr>
+            </a:lvl1pPr>
+            <a:lvl2pPr marL="457200" indent="-182880" algn="l" defTabSz="914400" rtl="0" eaLnBrk="1" latinLnBrk="0" hangingPunct="1">
+              <a:lnSpc>
+                <a:spcPct val="90000"/>
+              </a:lnSpc>
+              <a:spcBef>
+                <a:spcPts val="200"/>
+              </a:spcBef>
+              <a:spcAft>
+                <a:spcPts val="400"/>
+              </a:spcAft>
+              <a:buClr>
+                <a:schemeClr val="tx1"/>
+              </a:buClr>
+              <a:buSzPct val="80000"/>
+              <a:buFont typeface="Corbel" pitchFamily="34" charset="0"/>
+              <a:buChar char="•"/>
+              <a:defRPr sz="2000" kern="1200">
+                <a:solidFill>
+                  <a:schemeClr val="tx1"/>
+                </a:solidFill>
+                <a:latin typeface="+mn-lt"/>
+                <a:ea typeface="+mn-ea"/>
+                <a:cs typeface="+mn-cs"/>
+              </a:defRPr>
+            </a:lvl2pPr>
+            <a:lvl3pPr marL="731520" indent="-182880" algn="l" defTabSz="914400" rtl="0" eaLnBrk="1" latinLnBrk="0" hangingPunct="1">
+              <a:lnSpc>
+                <a:spcPct val="90000"/>
+              </a:lnSpc>
+              <a:spcBef>
+                <a:spcPts val="200"/>
+              </a:spcBef>
+              <a:spcAft>
+                <a:spcPts val="400"/>
+              </a:spcAft>
+              <a:buClr>
+                <a:schemeClr val="tx1"/>
+              </a:buClr>
+              <a:buSzPct val="80000"/>
+              <a:buFont typeface="Corbel" pitchFamily="34" charset="0"/>
+              <a:buChar char="•"/>
+              <a:defRPr sz="1800" kern="1200">
+                <a:solidFill>
+                  <a:schemeClr val="tx1"/>
+                </a:solidFill>
+                <a:latin typeface="+mn-lt"/>
+                <a:ea typeface="+mn-ea"/>
+                <a:cs typeface="+mn-cs"/>
+              </a:defRPr>
+            </a:lvl3pPr>
+            <a:lvl4pPr marL="1005840" indent="-182880" algn="l" defTabSz="914400" rtl="0" eaLnBrk="1" latinLnBrk="0" hangingPunct="1">
+              <a:lnSpc>
+                <a:spcPct val="90000"/>
+              </a:lnSpc>
+              <a:spcBef>
+                <a:spcPts val="200"/>
+              </a:spcBef>
+              <a:spcAft>
+                <a:spcPts val="400"/>
+              </a:spcAft>
+              <a:buClr>
+                <a:schemeClr val="tx1"/>
+              </a:buClr>
+              <a:buSzPct val="80000"/>
+              <a:buFont typeface="Corbel" pitchFamily="34" charset="0"/>
+              <a:buChar char="•"/>
+              <a:defRPr sz="1600" kern="1200">
+                <a:solidFill>
+                  <a:schemeClr val="tx1"/>
+                </a:solidFill>
+                <a:latin typeface="+mn-lt"/>
+                <a:ea typeface="+mn-ea"/>
+                <a:cs typeface="+mn-cs"/>
+              </a:defRPr>
+            </a:lvl4pPr>
+            <a:lvl5pPr marL="1280160" indent="-182880" algn="l" defTabSz="914400" rtl="0" eaLnBrk="1" latinLnBrk="0" hangingPunct="1">
+              <a:lnSpc>
+                <a:spcPct val="90000"/>
+              </a:lnSpc>
+              <a:spcBef>
+                <a:spcPts val="200"/>
+              </a:spcBef>
+              <a:spcAft>
+                <a:spcPts val="400"/>
+              </a:spcAft>
+              <a:buClr>
+                <a:schemeClr val="tx1"/>
+              </a:buClr>
+              <a:buSzPct val="80000"/>
+              <a:buFont typeface="Corbel" pitchFamily="34" charset="0"/>
+              <a:buChar char="•"/>
+              <a:defRPr sz="1600" kern="1200">
+                <a:solidFill>
+                  <a:schemeClr val="tx1"/>
+                </a:solidFill>
+                <a:latin typeface="+mn-lt"/>
+                <a:ea typeface="+mn-ea"/>
+                <a:cs typeface="+mn-cs"/>
+              </a:defRPr>
+            </a:lvl5pPr>
+            <a:lvl6pPr marL="1600000" indent="-228600" algn="l" defTabSz="914400" rtl="0" eaLnBrk="1" latinLnBrk="0" hangingPunct="1">
+              <a:lnSpc>
+                <a:spcPct val="90000"/>
+              </a:lnSpc>
+              <a:spcBef>
+                <a:spcPts val="200"/>
+              </a:spcBef>
+              <a:spcAft>
+                <a:spcPts val="400"/>
+              </a:spcAft>
+              <a:buClr>
+                <a:schemeClr val="tx1"/>
+              </a:buClr>
+              <a:buSzPct val="80000"/>
+              <a:buFont typeface="Corbel" pitchFamily="34" charset="0"/>
+              <a:buChar char="•"/>
+              <a:defRPr sz="1600" kern="1200">
+                <a:solidFill>
+                  <a:schemeClr val="tx1"/>
+                </a:solidFill>
+                <a:latin typeface="+mn-lt"/>
+                <a:ea typeface="+mn-ea"/>
+                <a:cs typeface="+mn-cs"/>
+              </a:defRPr>
+            </a:lvl6pPr>
+            <a:lvl7pPr marL="1900000" indent="-228600" algn="l" defTabSz="914400" rtl="0" eaLnBrk="1" latinLnBrk="0" hangingPunct="1">
+              <a:lnSpc>
+                <a:spcPct val="90000"/>
+              </a:lnSpc>
+              <a:spcBef>
+                <a:spcPts val="200"/>
+              </a:spcBef>
+              <a:spcAft>
+                <a:spcPts val="400"/>
+              </a:spcAft>
+              <a:buClr>
+                <a:schemeClr val="tx1"/>
+              </a:buClr>
+              <a:buSzPct val="80000"/>
+              <a:buFont typeface="Corbel" pitchFamily="34" charset="0"/>
+              <a:buChar char="•"/>
+              <a:defRPr sz="1600" kern="1200">
+                <a:solidFill>
+                  <a:schemeClr val="tx1"/>
+                </a:solidFill>
+                <a:latin typeface="+mn-lt"/>
+                <a:ea typeface="+mn-ea"/>
+                <a:cs typeface="+mn-cs"/>
+              </a:defRPr>
+            </a:lvl7pPr>
+            <a:lvl8pPr marL="2200000" indent="-228600" algn="l" defTabSz="914400" rtl="0" eaLnBrk="1" latinLnBrk="0" hangingPunct="1">
+              <a:lnSpc>
+                <a:spcPct val="90000"/>
+              </a:lnSpc>
+              <a:spcBef>
+                <a:spcPts val="200"/>
+              </a:spcBef>
+              <a:spcAft>
+                <a:spcPts val="400"/>
+              </a:spcAft>
+              <a:buClr>
+                <a:schemeClr val="tx1"/>
+              </a:buClr>
+              <a:buSzPct val="80000"/>
+              <a:buFont typeface="Corbel" pitchFamily="34" charset="0"/>
+              <a:buChar char="•"/>
+              <a:defRPr sz="1600" kern="1200">
+                <a:solidFill>
+                  <a:schemeClr val="tx1"/>
+                </a:solidFill>
+                <a:latin typeface="+mn-lt"/>
+                <a:ea typeface="+mn-ea"/>
+                <a:cs typeface="+mn-cs"/>
+              </a:defRPr>
+            </a:lvl8pPr>
+            <a:lvl9pPr marL="2500000" indent="-228600" algn="l" defTabSz="914400" rtl="0" eaLnBrk="1" latinLnBrk="0" hangingPunct="1">
+              <a:lnSpc>
+                <a:spcPct val="90000"/>
+              </a:lnSpc>
+              <a:spcBef>
+                <a:spcPts val="200"/>
+              </a:spcBef>
+              <a:spcAft>
+                <a:spcPts val="400"/>
+              </a:spcAft>
+              <a:buClr>
+                <a:schemeClr val="tx1"/>
+              </a:buClr>
+              <a:buSzPct val="80000"/>
+              <a:buFont typeface="Corbel" pitchFamily="34" charset="0"/>
+              <a:buChar char="•"/>
+              <a:defRPr sz="1600" kern="1200">
+                <a:solidFill>
+                  <a:schemeClr val="tx1"/>
+                </a:solidFill>
+                <a:latin typeface="+mn-lt"/>
+                <a:ea typeface="+mn-ea"/>
+                <a:cs typeface="+mn-cs"/>
+              </a:defRPr>
+            </a:lvl9pPr>
+          </a:lstStyle>
+          <a:p>
+            <a:pPr marL="45720" indent="0">
+              <a:buFont typeface="Corbel" pitchFamily="34" charset="0"/>
+              <a:buNone/>
+            </a:pPr>
+            <a:r>
+              <a:rPr lang="it-IT" sz="1600" dirty="0">
+                <a:latin typeface="Verdana" panose="020B0604030504040204" pitchFamily="34" charset="0"/>
+                <a:ea typeface="Verdana" panose="020B0604030504040204" pitchFamily="34" charset="0"/>
+              </a:rPr>
+              <a:t>Sensing Lidar-Like:</a:t>
+            </a:r>
+          </a:p>
+          <a:p>
+            <a:pPr marL="45720" indent="0">
+              <a:buFont typeface="Corbel" pitchFamily="34" charset="0"/>
+              <a:buNone/>
+            </a:pPr>
+            <a:r>
+              <a:rPr lang="it-IT" sz="1600" dirty="0">
+                <a:latin typeface="Verdana" panose="020B0604030504040204" pitchFamily="34" charset="0"/>
+                <a:ea typeface="Verdana" panose="020B0604030504040204" pitchFamily="34" charset="0"/>
+              </a:rPr>
+              <a:t>4 * (4*4)^8 * 3 * 2 </a:t>
+            </a:r>
+            <a:r>
+              <a:rPr lang="en-US" sz="1600" dirty="0">
+                <a:latin typeface="Verdana" panose="020B0604030504040204" pitchFamily="34" charset="0"/>
+                <a:ea typeface="Verdana" panose="020B0604030504040204" pitchFamily="34" charset="0"/>
+              </a:rPr>
+              <a:t>= </a:t>
+            </a:r>
+          </a:p>
+          <a:p>
+            <a:pPr marL="45720" indent="0">
+              <a:buNone/>
+            </a:pPr>
+            <a:r>
+              <a:rPr lang="en-US" sz="1600" dirty="0">
+                <a:latin typeface="Verdana" panose="020B0604030504040204" pitchFamily="34" charset="0"/>
+                <a:ea typeface="Verdana" panose="020B0604030504040204" pitchFamily="34" charset="0"/>
+              </a:rPr>
+              <a:t>103.079.215.104 </a:t>
+            </a:r>
+            <a:r>
+              <a:rPr lang="it-IT" sz="1600" dirty="0">
+                <a:latin typeface="Verdana" panose="020B0604030504040204" pitchFamily="34" charset="0"/>
+                <a:ea typeface="Verdana" panose="020B0604030504040204" pitchFamily="34" charset="0"/>
+              </a:rPr>
+              <a:t>stati possibili</a:t>
+            </a:r>
+          </a:p>
+          <a:p>
+            <a:pPr marL="45720" indent="0">
+              <a:buFont typeface="Corbel" pitchFamily="34" charset="0"/>
+              <a:buNone/>
+            </a:pPr>
+            <a:endParaRPr lang="it-IT" sz="1600" dirty="0">
+              <a:latin typeface="Verdana" panose="020B0604030504040204" pitchFamily="34" charset="0"/>
+              <a:ea typeface="Verdana" panose="020B0604030504040204" pitchFamily="34" charset="0"/>
+            </a:endParaRPr>
+          </a:p>
+        </p:txBody>
+      </p:sp>
+      <p:sp>
+        <p:nvSpPr>
+          <p:cNvPr id="12" name="Freccia in giù 11">
+            <a:extLst>
+              <a:ext uri="{FF2B5EF4-FFF2-40B4-BE49-F238E27FC236}">
+                <a16:creationId xmlns:a16="http://schemas.microsoft.com/office/drawing/2014/main" id="{8CC7FF6A-54B0-4A67-A296-F1B7188A7C73}"/>
+              </a:ext>
+            </a:extLst>
+          </p:cNvPr>
+          <p:cNvSpPr/>
+          <p:nvPr/>
+        </p:nvSpPr>
+        <p:spPr>
+          <a:xfrm>
+            <a:off x="4347333" y="3815496"/>
+            <a:ext cx="273466" cy="492598"/>
+          </a:xfrm>
+          <a:prstGeom prst="downArrow">
+            <a:avLst/>
+          </a:prstGeom>
+          <a:noFill/>
+        </p:spPr>
+        <p:style>
+          <a:lnRef idx="2">
+            <a:schemeClr val="dk1">
+              <a:shade val="50000"/>
+            </a:schemeClr>
+          </a:lnRef>
+          <a:fillRef idx="1">
+            <a:schemeClr val="dk1"/>
+          </a:fillRef>
+          <a:effectRef idx="0">
+            <a:schemeClr val="dk1"/>
+          </a:effectRef>
+          <a:fontRef idx="minor">
+            <a:schemeClr val="lt1"/>
+          </a:fontRef>
+        </p:style>
+        <p:txBody>
+          <a:bodyPr rtlCol="0" anchor="ctr"/>
+          <a:lstStyle/>
+          <a:p>
+            <a:pPr algn="ctr"/>
+            <a:endParaRPr lang="it-IT"/>
+          </a:p>
+        </p:txBody>
+      </p:sp>
+    </p:spTree>
+    <p:extLst>
+      <p:ext uri="{BB962C8B-B14F-4D97-AF65-F5344CB8AC3E}">
+        <p14:creationId xmlns:p14="http://schemas.microsoft.com/office/powerpoint/2010/main" val="1175710872"/>
+      </p:ext>
+    </p:extLst>
+  </p:cSld>
+  <p:clrMapOvr>
+    <a:masterClrMapping/>
+  </p:clrMapOvr>
+</p:sld>
+</file>
+
+<file path=ppt/slides/slide16.xml><?xml version="1.0" encoding="utf-8"?>
+<p:sld xmlns:a="http://schemas.openxmlformats.org/drawingml/2006/main" xmlns:r="http://schemas.openxmlformats.org/officeDocument/2006/relationships" xmlns:p="http://schemas.openxmlformats.org/presentationml/2006/main">
+  <p:cSld>
+    <p:bg>
+      <p:bgPr>
+        <a:solidFill>
+          <a:schemeClr val="bg1"/>
+        </a:solidFill>
+        <a:effectLst/>
+      </p:bgPr>
+    </p:bg>
+    <p:spTree>
+      <p:nvGrpSpPr>
+        <p:cNvPr id="1" name=""/>
+        <p:cNvGrpSpPr/>
+        <p:nvPr/>
+      </p:nvGrpSpPr>
+      <p:grpSpPr>
+        <a:xfrm>
+          <a:off x="0" y="0"/>
+          <a:ext cx="0" cy="0"/>
+          <a:chOff x="0" y="0"/>
+          <a:chExt cx="0" cy="0"/>
+        </a:xfrm>
+      </p:grpSpPr>
+      <p:sp>
+        <p:nvSpPr>
+          <p:cNvPr id="2" name="Titolo 1">
+            <a:extLst>
+              <a:ext uri="{FF2B5EF4-FFF2-40B4-BE49-F238E27FC236}">
+                <a16:creationId xmlns:a16="http://schemas.microsoft.com/office/drawing/2014/main" id="{4599934B-87C3-45A9-A1F9-E5B1D9F1A3EB}"/>
+              </a:ext>
+            </a:extLst>
+          </p:cNvPr>
+          <p:cNvSpPr>
+            <a:spLocks noGrp="1"/>
+          </p:cNvSpPr>
+          <p:nvPr>
+            <p:ph type="title"/>
+          </p:nvPr>
+        </p:nvSpPr>
+        <p:spPr>
+          <a:xfrm>
+            <a:off x="2599043" y="389025"/>
+            <a:ext cx="6993914" cy="652391"/>
+          </a:xfrm>
+        </p:spPr>
+        <p:txBody>
+          <a:bodyPr>
+            <a:normAutofit fontScale="90000"/>
+          </a:bodyPr>
+          <a:lstStyle/>
+          <a:p>
+            <a:pPr algn="ctr"/>
+            <a:r>
+              <a:rPr lang="en-GB" dirty="0">
+                <a:latin typeface="Verdana" panose="020B0604030504040204" pitchFamily="34" charset="0"/>
+                <a:ea typeface="Verdana" panose="020B0604030504040204" pitchFamily="34" charset="0"/>
+              </a:rPr>
+              <a:t>Due </a:t>
+            </a:r>
+            <a:r>
+              <a:rPr lang="en-GB" dirty="0" err="1">
+                <a:latin typeface="Verdana" panose="020B0604030504040204" pitchFamily="34" charset="0"/>
+                <a:ea typeface="Verdana" panose="020B0604030504040204" pitchFamily="34" charset="0"/>
+              </a:rPr>
+              <a:t>possibili</a:t>
+            </a:r>
+            <a:r>
+              <a:rPr lang="en-GB" dirty="0">
+                <a:latin typeface="Verdana" panose="020B0604030504040204" pitchFamily="34" charset="0"/>
+                <a:ea typeface="Verdana" panose="020B0604030504040204" pitchFamily="34" charset="0"/>
+              </a:rPr>
+              <a:t> </a:t>
+            </a:r>
+            <a:r>
+              <a:rPr lang="en-GB" dirty="0" err="1">
+                <a:latin typeface="Verdana" panose="020B0604030504040204" pitchFamily="34" charset="0"/>
+                <a:ea typeface="Verdana" panose="020B0604030504040204" pitchFamily="34" charset="0"/>
+              </a:rPr>
+              <a:t>soluzioni</a:t>
+            </a:r>
+            <a:endParaRPr lang="it-IT" dirty="0">
+              <a:latin typeface="Verdana" panose="020B0604030504040204" pitchFamily="34" charset="0"/>
+              <a:ea typeface="Verdana" panose="020B0604030504040204" pitchFamily="34" charset="0"/>
+            </a:endParaRPr>
+          </a:p>
+        </p:txBody>
+      </p:sp>
+      <p:sp>
+        <p:nvSpPr>
+          <p:cNvPr id="46" name="Content Placeholder 12">
+            <a:extLst>
+              <a:ext uri="{FF2B5EF4-FFF2-40B4-BE49-F238E27FC236}">
+                <a16:creationId xmlns:a16="http://schemas.microsoft.com/office/drawing/2014/main" id="{6E697896-E47C-45F7-A1D5-01764DF5C601}"/>
+              </a:ext>
+            </a:extLst>
+          </p:cNvPr>
+          <p:cNvSpPr>
+            <a:spLocks noGrp="1"/>
+          </p:cNvSpPr>
+          <p:nvPr>
+            <p:ph idx="1"/>
+          </p:nvPr>
+        </p:nvSpPr>
+        <p:spPr>
+          <a:xfrm>
+            <a:off x="293201" y="1210363"/>
+            <a:ext cx="7736181" cy="4038600"/>
+          </a:xfrm>
+        </p:spPr>
+        <p:txBody>
+          <a:bodyPr>
+            <a:normAutofit/>
+          </a:bodyPr>
+          <a:lstStyle/>
+          <a:p>
+            <a:pPr marL="45720" indent="0">
+              <a:buNone/>
+            </a:pPr>
+            <a:r>
+              <a:rPr lang="en-US" b="0" i="0" dirty="0">
+                <a:effectLst/>
+                <a:latin typeface="proxima-nova"/>
+              </a:rPr>
+              <a:t>Double Q-Network: </a:t>
+            </a:r>
+            <a:r>
+              <a:rPr lang="en-US" b="0" i="0" dirty="0" err="1">
+                <a:effectLst/>
+                <a:latin typeface="proxima-nova"/>
+              </a:rPr>
+              <a:t>utilizzo</a:t>
+            </a:r>
+            <a:r>
+              <a:rPr lang="en-US" b="0" i="0" dirty="0">
+                <a:effectLst/>
+                <a:latin typeface="proxima-nova"/>
+              </a:rPr>
+              <a:t> di due Deep Neural Network</a:t>
+            </a:r>
+          </a:p>
+          <a:p>
+            <a:pPr marL="45720" indent="0">
+              <a:buNone/>
+            </a:pPr>
+            <a:r>
+              <a:rPr lang="en-US" dirty="0">
+                <a:latin typeface="proxima-nova"/>
+              </a:rPr>
+              <a:t>Pro:</a:t>
+            </a:r>
+          </a:p>
+          <a:p>
+            <a:pPr>
+              <a:buFontTx/>
+              <a:buChar char="-"/>
+            </a:pPr>
+            <a:r>
+              <a:rPr lang="en-US" dirty="0">
+                <a:latin typeface="proxima-nova"/>
+              </a:rPr>
+              <a:t>Training phase stabile (solo con doppia DNN)</a:t>
+            </a:r>
+          </a:p>
+          <a:p>
+            <a:pPr>
+              <a:buFontTx/>
+              <a:buChar char="-"/>
+            </a:pPr>
+            <a:r>
+              <a:rPr lang="en-US" b="0" i="0" dirty="0">
+                <a:effectLst/>
+                <a:latin typeface="proxima-nova"/>
+              </a:rPr>
+              <a:t>Q-Value </a:t>
+            </a:r>
+            <a:r>
+              <a:rPr lang="en-US" b="0" i="0" dirty="0" err="1">
+                <a:effectLst/>
+                <a:latin typeface="proxima-nova"/>
+              </a:rPr>
+              <a:t>calcolato</a:t>
+            </a:r>
+            <a:r>
+              <a:rPr lang="en-US" b="0" i="0" dirty="0">
+                <a:effectLst/>
+                <a:latin typeface="proxima-nova"/>
+              </a:rPr>
+              <a:t> </a:t>
+            </a:r>
+            <a:r>
+              <a:rPr lang="en-US" b="0" i="0" dirty="0" err="1">
+                <a:effectLst/>
+                <a:latin typeface="proxima-nova"/>
+              </a:rPr>
+              <a:t>tramite</a:t>
+            </a:r>
+            <a:r>
+              <a:rPr lang="en-US" b="0" i="0" dirty="0">
+                <a:effectLst/>
+                <a:latin typeface="proxima-nova"/>
+              </a:rPr>
+              <a:t> DNN (</a:t>
+            </a:r>
+            <a:r>
+              <a:rPr lang="en-US" b="0" i="0" dirty="0" err="1">
+                <a:effectLst/>
+                <a:latin typeface="proxima-nova"/>
+              </a:rPr>
+              <a:t>che</a:t>
+            </a:r>
+            <a:r>
+              <a:rPr lang="en-US" b="0" i="0" dirty="0">
+                <a:effectLst/>
+                <a:latin typeface="proxima-nova"/>
+              </a:rPr>
+              <a:t> </a:t>
+            </a:r>
+            <a:r>
+              <a:rPr lang="en-US" b="0" i="0" dirty="0" err="1">
+                <a:effectLst/>
+                <a:latin typeface="proxima-nova"/>
+              </a:rPr>
+              <a:t>approssima</a:t>
+            </a:r>
+            <a:r>
+              <a:rPr lang="en-US" b="0" i="0" dirty="0">
+                <a:effectLst/>
+                <a:latin typeface="proxima-nova"/>
+              </a:rPr>
+              <a:t> la Q-Function)</a:t>
+            </a:r>
+          </a:p>
+          <a:p>
+            <a:pPr marL="45720" indent="0">
+              <a:buNone/>
+            </a:pPr>
+            <a:r>
+              <a:rPr lang="en-US" dirty="0" err="1">
+                <a:latin typeface="proxima-nova"/>
+              </a:rPr>
+              <a:t>Contro</a:t>
+            </a:r>
+            <a:r>
+              <a:rPr lang="en-US" dirty="0">
+                <a:latin typeface="proxima-nova"/>
+              </a:rPr>
+              <a:t>:</a:t>
+            </a:r>
+          </a:p>
+          <a:p>
+            <a:pPr>
+              <a:buFontTx/>
+              <a:buChar char="-"/>
+            </a:pPr>
+            <a:r>
+              <a:rPr lang="en-US" b="0" i="0" dirty="0">
+                <a:effectLst/>
+                <a:latin typeface="proxima-nova"/>
+              </a:rPr>
+              <a:t>Tempi di training molto </a:t>
+            </a:r>
+            <a:r>
+              <a:rPr lang="en-US" b="0" i="0" dirty="0" err="1">
+                <a:effectLst/>
+                <a:latin typeface="proxima-nova"/>
+              </a:rPr>
+              <a:t>elevati</a:t>
+            </a:r>
+            <a:r>
+              <a:rPr lang="en-US" b="0" i="0" dirty="0">
+                <a:effectLst/>
+                <a:latin typeface="proxima-nova"/>
+              </a:rPr>
+              <a:t> ( &gt; 30 </a:t>
+            </a:r>
+            <a:r>
+              <a:rPr lang="en-US" b="0" i="0" dirty="0" err="1">
+                <a:effectLst/>
+                <a:latin typeface="proxima-nova"/>
+              </a:rPr>
+              <a:t>hrs</a:t>
+            </a:r>
+            <a:r>
+              <a:rPr lang="en-US" b="0" i="0" dirty="0">
+                <a:effectLst/>
+                <a:latin typeface="proxima-nova"/>
+              </a:rPr>
+              <a:t> ) </a:t>
+            </a:r>
+            <a:r>
+              <a:rPr lang="en-US" b="0" i="0" dirty="0" err="1">
+                <a:effectLst/>
+                <a:latin typeface="proxima-nova"/>
+              </a:rPr>
+              <a:t>anche</a:t>
+            </a:r>
+            <a:r>
+              <a:rPr lang="en-US" b="0" i="0" dirty="0">
+                <a:effectLst/>
+                <a:latin typeface="proxima-nova"/>
+              </a:rPr>
+              <a:t> per</a:t>
+            </a:r>
+          </a:p>
+          <a:p>
+            <a:pPr marL="45720" indent="0">
+              <a:buNone/>
+            </a:pPr>
+            <a:r>
+              <a:rPr lang="en-US" dirty="0">
+                <a:latin typeface="proxima-nova"/>
+              </a:rPr>
+              <a:t>   </a:t>
+            </a:r>
+            <a:r>
+              <a:rPr lang="en-US" dirty="0" err="1">
+                <a:latin typeface="proxima-nova"/>
+              </a:rPr>
+              <a:t>cardinalit</a:t>
+            </a:r>
+            <a:r>
+              <a:rPr lang="it-IT" dirty="0">
+                <a:latin typeface="proxima-nova"/>
+              </a:rPr>
+              <a:t>à più piccole del nostro spazio di stato</a:t>
+            </a:r>
+            <a:endParaRPr lang="en-US" b="0" i="0" dirty="0">
+              <a:effectLst/>
+              <a:latin typeface="proxima-nova"/>
+            </a:endParaRPr>
+          </a:p>
+        </p:txBody>
+      </p:sp>
+      <p:pic>
+        <p:nvPicPr>
+          <p:cNvPr id="2050" name="Picture 2">
+            <a:extLst>
+              <a:ext uri="{FF2B5EF4-FFF2-40B4-BE49-F238E27FC236}">
+                <a16:creationId xmlns:a16="http://schemas.microsoft.com/office/drawing/2014/main" id="{A4E5ED88-BA4B-4B87-92AA-1E8210CDC7C9}"/>
+              </a:ext>
+            </a:extLst>
+          </p:cNvPr>
+          <p:cNvPicPr>
+            <a:picLocks noChangeAspect="1" noChangeArrowheads="1"/>
+          </p:cNvPicPr>
+          <p:nvPr/>
+        </p:nvPicPr>
+        <p:blipFill>
+          <a:blip r:embed="rId2">
+            <a:extLst>
+              <a:ext uri="{28A0092B-C50C-407E-A947-70E740481C1C}">
+                <a14:useLocalDpi xmlns:a14="http://schemas.microsoft.com/office/drawing/2010/main" val="0"/>
+              </a:ext>
+            </a:extLst>
+          </a:blip>
+          <a:stretch>
+            <a:fillRect/>
+          </a:stretch>
+        </p:blipFill>
+        <p:spPr bwMode="auto">
+          <a:xfrm>
+            <a:off x="6182784" y="3955714"/>
+            <a:ext cx="5716015" cy="2586497"/>
+          </a:xfrm>
+          <a:prstGeom prst="rect">
+            <a:avLst/>
+          </a:prstGeom>
+          <a:noFill/>
+          <a:extLst>
+            <a:ext uri="{909E8E84-426E-40DD-AFC4-6F175D3DCCD1}">
+              <a14:hiddenFill xmlns:a14="http://schemas.microsoft.com/office/drawing/2010/main">
+                <a:solidFill>
+                  <a:srgbClr val="FFFFFF"/>
+                </a:solidFill>
+              </a14:hiddenFill>
+            </a:ext>
+          </a:extLst>
+        </p:spPr>
+      </p:pic>
+    </p:spTree>
+    <p:extLst>
+      <p:ext uri="{BB962C8B-B14F-4D97-AF65-F5344CB8AC3E}">
+        <p14:creationId xmlns:p14="http://schemas.microsoft.com/office/powerpoint/2010/main" val="1659054361"/>
+      </p:ext>
+    </p:extLst>
+  </p:cSld>
+  <p:clrMapOvr>
+    <a:masterClrMapping/>
+  </p:clrMapOvr>
+</p:sld>
+</file>
+
+<file path=ppt/slides/slide17.xml><?xml version="1.0" encoding="utf-8"?>
+<p:sld xmlns:a="http://schemas.openxmlformats.org/drawingml/2006/main" xmlns:r="http://schemas.openxmlformats.org/officeDocument/2006/relationships" xmlns:p="http://schemas.openxmlformats.org/presentationml/2006/main">
+  <p:cSld>
+    <p:bg>
+      <p:bgPr>
+        <a:solidFill>
+          <a:schemeClr val="bg1"/>
+        </a:solidFill>
+        <a:effectLst/>
+      </p:bgPr>
+    </p:bg>
+    <p:spTree>
+      <p:nvGrpSpPr>
+        <p:cNvPr id="1" name=""/>
+        <p:cNvGrpSpPr/>
+        <p:nvPr/>
+      </p:nvGrpSpPr>
+      <p:grpSpPr>
+        <a:xfrm>
+          <a:off x="0" y="0"/>
+          <a:ext cx="0" cy="0"/>
+          <a:chOff x="0" y="0"/>
+          <a:chExt cx="0" cy="0"/>
+        </a:xfrm>
+      </p:grpSpPr>
+      <p:sp>
+        <p:nvSpPr>
+          <p:cNvPr id="2" name="Titolo 1">
+            <a:extLst>
+              <a:ext uri="{FF2B5EF4-FFF2-40B4-BE49-F238E27FC236}">
+                <a16:creationId xmlns:a16="http://schemas.microsoft.com/office/drawing/2014/main" id="{4599934B-87C3-45A9-A1F9-E5B1D9F1A3EB}"/>
+              </a:ext>
+            </a:extLst>
+          </p:cNvPr>
+          <p:cNvSpPr>
+            <a:spLocks noGrp="1"/>
+          </p:cNvSpPr>
+          <p:nvPr>
+            <p:ph type="title"/>
+          </p:nvPr>
+        </p:nvSpPr>
+        <p:spPr>
+          <a:xfrm>
+            <a:off x="2599043" y="389025"/>
+            <a:ext cx="6993914" cy="652391"/>
+          </a:xfrm>
+        </p:spPr>
+        <p:txBody>
+          <a:bodyPr>
+            <a:normAutofit fontScale="90000"/>
+          </a:bodyPr>
+          <a:lstStyle/>
+          <a:p>
+            <a:pPr algn="ctr"/>
+            <a:r>
+              <a:rPr lang="en-GB" dirty="0">
+                <a:latin typeface="Verdana" panose="020B0604030504040204" pitchFamily="34" charset="0"/>
+                <a:ea typeface="Verdana" panose="020B0604030504040204" pitchFamily="34" charset="0"/>
+              </a:rPr>
+              <a:t>Due </a:t>
+            </a:r>
+            <a:r>
+              <a:rPr lang="en-GB" dirty="0" err="1">
+                <a:latin typeface="Verdana" panose="020B0604030504040204" pitchFamily="34" charset="0"/>
+                <a:ea typeface="Verdana" panose="020B0604030504040204" pitchFamily="34" charset="0"/>
+              </a:rPr>
+              <a:t>possibili</a:t>
+            </a:r>
+            <a:r>
+              <a:rPr lang="en-GB" dirty="0">
+                <a:latin typeface="Verdana" panose="020B0604030504040204" pitchFamily="34" charset="0"/>
+                <a:ea typeface="Verdana" panose="020B0604030504040204" pitchFamily="34" charset="0"/>
+              </a:rPr>
+              <a:t> </a:t>
+            </a:r>
+            <a:r>
+              <a:rPr lang="en-GB" dirty="0" err="1">
+                <a:latin typeface="Verdana" panose="020B0604030504040204" pitchFamily="34" charset="0"/>
+                <a:ea typeface="Verdana" panose="020B0604030504040204" pitchFamily="34" charset="0"/>
+              </a:rPr>
+              <a:t>soluzioni</a:t>
+            </a:r>
+            <a:endParaRPr lang="it-IT" dirty="0">
+              <a:latin typeface="Verdana" panose="020B0604030504040204" pitchFamily="34" charset="0"/>
+              <a:ea typeface="Verdana" panose="020B0604030504040204" pitchFamily="34" charset="0"/>
+            </a:endParaRPr>
+          </a:p>
+        </p:txBody>
+      </p:sp>
+      <p:sp>
+        <p:nvSpPr>
+          <p:cNvPr id="46" name="Content Placeholder 12">
+            <a:extLst>
+              <a:ext uri="{FF2B5EF4-FFF2-40B4-BE49-F238E27FC236}">
+                <a16:creationId xmlns:a16="http://schemas.microsoft.com/office/drawing/2014/main" id="{6E697896-E47C-45F7-A1D5-01764DF5C601}"/>
+              </a:ext>
+            </a:extLst>
+          </p:cNvPr>
+          <p:cNvSpPr>
+            <a:spLocks noGrp="1"/>
+          </p:cNvSpPr>
+          <p:nvPr>
+            <p:ph idx="1"/>
+          </p:nvPr>
+        </p:nvSpPr>
+        <p:spPr>
+          <a:xfrm>
+            <a:off x="361568" y="1483828"/>
+            <a:ext cx="11602545" cy="4038600"/>
+          </a:xfrm>
+        </p:spPr>
+        <p:txBody>
+          <a:bodyPr>
+            <a:normAutofit/>
+          </a:bodyPr>
+          <a:lstStyle/>
+          <a:p>
+            <a:pPr marL="45720" indent="0">
+              <a:buNone/>
+            </a:pPr>
+            <a:r>
+              <a:rPr lang="en-US" sz="1600" b="0" i="0" dirty="0">
+                <a:effectLst/>
+                <a:latin typeface="Verdana" panose="020B0604030504040204" pitchFamily="34" charset="0"/>
+                <a:ea typeface="Verdana" panose="020B0604030504040204" pitchFamily="34" charset="0"/>
+              </a:rPr>
+              <a:t>Q-Table e </a:t>
+            </a:r>
+            <a:r>
+              <a:rPr lang="en-US" sz="1600" b="0" i="0" dirty="0" err="1">
+                <a:effectLst/>
+                <a:latin typeface="Verdana" panose="020B0604030504040204" pitchFamily="34" charset="0"/>
+                <a:ea typeface="Verdana" panose="020B0604030504040204" pitchFamily="34" charset="0"/>
+              </a:rPr>
+              <a:t>riduzione</a:t>
+            </a:r>
+            <a:r>
+              <a:rPr lang="en-US" sz="1600" b="0" i="0" dirty="0">
+                <a:effectLst/>
+                <a:latin typeface="Verdana" panose="020B0604030504040204" pitchFamily="34" charset="0"/>
+                <a:ea typeface="Verdana" panose="020B0604030504040204" pitchFamily="34" charset="0"/>
+              </a:rPr>
+              <a:t> </a:t>
+            </a:r>
+            <a:r>
+              <a:rPr lang="en-US" sz="1600" b="0" i="0" dirty="0" err="1">
+                <a:effectLst/>
+                <a:latin typeface="Verdana" panose="020B0604030504040204" pitchFamily="34" charset="0"/>
+                <a:ea typeface="Verdana" panose="020B0604030504040204" pitchFamily="34" charset="0"/>
+              </a:rPr>
+              <a:t>dello</a:t>
+            </a:r>
+            <a:r>
+              <a:rPr lang="en-US" sz="1600" b="0" i="0" dirty="0">
+                <a:effectLst/>
+                <a:latin typeface="Verdana" panose="020B0604030504040204" pitchFamily="34" charset="0"/>
+                <a:ea typeface="Verdana" panose="020B0604030504040204" pitchFamily="34" charset="0"/>
+              </a:rPr>
+              <a:t> </a:t>
+            </a:r>
+            <a:r>
+              <a:rPr lang="en-US" sz="1600" b="0" i="0" dirty="0" err="1">
+                <a:effectLst/>
+                <a:latin typeface="Verdana" panose="020B0604030504040204" pitchFamily="34" charset="0"/>
+                <a:ea typeface="Verdana" panose="020B0604030504040204" pitchFamily="34" charset="0"/>
+              </a:rPr>
+              <a:t>spazio</a:t>
+            </a:r>
+            <a:r>
+              <a:rPr lang="en-US" sz="1600" b="0" i="0" dirty="0">
+                <a:effectLst/>
+                <a:latin typeface="Verdana" panose="020B0604030504040204" pitchFamily="34" charset="0"/>
+                <a:ea typeface="Verdana" panose="020B0604030504040204" pitchFamily="34" charset="0"/>
+              </a:rPr>
+              <a:t> di </a:t>
+            </a:r>
+            <a:r>
+              <a:rPr lang="en-US" sz="1600" b="0" i="0" dirty="0" err="1">
+                <a:effectLst/>
+                <a:latin typeface="Verdana" panose="020B0604030504040204" pitchFamily="34" charset="0"/>
+                <a:ea typeface="Verdana" panose="020B0604030504040204" pitchFamily="34" charset="0"/>
+              </a:rPr>
+              <a:t>stato</a:t>
+            </a:r>
+            <a:r>
+              <a:rPr lang="en-US" sz="1600" dirty="0">
+                <a:latin typeface="Verdana" panose="020B0604030504040204" pitchFamily="34" charset="0"/>
+                <a:ea typeface="Verdana" panose="020B0604030504040204" pitchFamily="34" charset="0"/>
+              </a:rPr>
+              <a:t> ( </a:t>
+            </a:r>
+            <a:r>
+              <a:rPr lang="en-US" sz="1600" dirty="0" err="1">
+                <a:latin typeface="Verdana" panose="020B0604030504040204" pitchFamily="34" charset="0"/>
+                <a:ea typeface="Verdana" panose="020B0604030504040204" pitchFamily="34" charset="0"/>
+              </a:rPr>
+              <a:t>eliminazione</a:t>
+            </a:r>
+            <a:r>
+              <a:rPr lang="en-US" sz="1600" dirty="0">
+                <a:latin typeface="Verdana" panose="020B0604030504040204" pitchFamily="34" charset="0"/>
+                <a:ea typeface="Verdana" panose="020B0604030504040204" pitchFamily="34" charset="0"/>
+              </a:rPr>
+              <a:t> </a:t>
+            </a:r>
+            <a:r>
+              <a:rPr lang="en-US" sz="1600" dirty="0" err="1">
+                <a:latin typeface="Verdana" panose="020B0604030504040204" pitchFamily="34" charset="0"/>
+                <a:ea typeface="Verdana" panose="020B0604030504040204" pitchFamily="34" charset="0"/>
+              </a:rPr>
+              <a:t>dei</a:t>
+            </a:r>
+            <a:r>
+              <a:rPr lang="en-US" sz="1600" dirty="0">
+                <a:latin typeface="Verdana" panose="020B0604030504040204" pitchFamily="34" charset="0"/>
+                <a:ea typeface="Verdana" panose="020B0604030504040204" pitchFamily="34" charset="0"/>
+              </a:rPr>
+              <a:t> </a:t>
+            </a:r>
+            <a:r>
+              <a:rPr lang="en-US" sz="1600" dirty="0" err="1">
+                <a:latin typeface="Verdana" panose="020B0604030504040204" pitchFamily="34" charset="0"/>
+                <a:ea typeface="Verdana" panose="020B0604030504040204" pitchFamily="34" charset="0"/>
+              </a:rPr>
+              <a:t>sensori</a:t>
+            </a:r>
+            <a:r>
+              <a:rPr lang="en-US" sz="1600" dirty="0">
+                <a:latin typeface="Verdana" panose="020B0604030504040204" pitchFamily="34" charset="0"/>
+                <a:ea typeface="Verdana" panose="020B0604030504040204" pitchFamily="34" charset="0"/>
+              </a:rPr>
+              <a:t> </a:t>
+            </a:r>
+            <a:r>
+              <a:rPr lang="en-US" sz="1600" dirty="0" err="1">
+                <a:latin typeface="Verdana" panose="020B0604030504040204" pitchFamily="34" charset="0"/>
+                <a:ea typeface="Verdana" panose="020B0604030504040204" pitchFamily="34" charset="0"/>
+              </a:rPr>
+              <a:t>lungo</a:t>
+            </a:r>
+            <a:r>
+              <a:rPr lang="en-US" sz="1600" dirty="0">
+                <a:latin typeface="Verdana" panose="020B0604030504040204" pitchFamily="34" charset="0"/>
+                <a:ea typeface="Verdana" panose="020B0604030504040204" pitchFamily="34" charset="0"/>
+              </a:rPr>
+              <a:t> le </a:t>
+            </a:r>
+            <a:r>
+              <a:rPr lang="en-US" sz="1600" dirty="0" err="1">
+                <a:latin typeface="Verdana" panose="020B0604030504040204" pitchFamily="34" charset="0"/>
+                <a:ea typeface="Verdana" panose="020B0604030504040204" pitchFamily="34" charset="0"/>
+              </a:rPr>
+              <a:t>direzioni</a:t>
+            </a:r>
+            <a:r>
+              <a:rPr lang="en-US" sz="1600" dirty="0">
+                <a:latin typeface="Verdana" panose="020B0604030504040204" pitchFamily="34" charset="0"/>
+                <a:ea typeface="Verdana" panose="020B0604030504040204" pitchFamily="34" charset="0"/>
+              </a:rPr>
+              <a:t> </a:t>
+            </a:r>
+            <a:r>
+              <a:rPr lang="en-US" sz="1600" dirty="0" err="1">
+                <a:latin typeface="Verdana" panose="020B0604030504040204" pitchFamily="34" charset="0"/>
+                <a:ea typeface="Verdana" panose="020B0604030504040204" pitchFamily="34" charset="0"/>
+              </a:rPr>
+              <a:t>intermedie</a:t>
+            </a:r>
+            <a:r>
+              <a:rPr lang="en-US" sz="1600" dirty="0">
+                <a:latin typeface="Verdana" panose="020B0604030504040204" pitchFamily="34" charset="0"/>
+                <a:ea typeface="Verdana" panose="020B0604030504040204" pitchFamily="34" charset="0"/>
+              </a:rPr>
+              <a:t>)</a:t>
+            </a:r>
+          </a:p>
+          <a:p>
+            <a:pPr marL="45720" indent="0">
+              <a:buNone/>
+            </a:pPr>
+            <a:r>
+              <a:rPr lang="it-IT" sz="1600" dirty="0">
+                <a:latin typeface="Verdana" panose="020B0604030504040204" pitchFamily="34" charset="0"/>
+                <a:ea typeface="Verdana" panose="020B0604030504040204" pitchFamily="34" charset="0"/>
+              </a:rPr>
+              <a:t>Nuova cardinalità: 4 * (4*4)^4 * 3 * 2 </a:t>
+            </a:r>
+            <a:r>
+              <a:rPr lang="en-US" sz="1600" dirty="0">
+                <a:latin typeface="Verdana" panose="020B0604030504040204" pitchFamily="34" charset="0"/>
+                <a:ea typeface="Verdana" panose="020B0604030504040204" pitchFamily="34" charset="0"/>
+              </a:rPr>
+              <a:t>= 1.572.864 </a:t>
+            </a:r>
+            <a:r>
+              <a:rPr lang="en-US" sz="1600" dirty="0" err="1">
+                <a:latin typeface="Verdana" panose="020B0604030504040204" pitchFamily="34" charset="0"/>
+                <a:ea typeface="Verdana" panose="020B0604030504040204" pitchFamily="34" charset="0"/>
+              </a:rPr>
+              <a:t>stati</a:t>
+            </a:r>
+            <a:r>
+              <a:rPr lang="en-US" sz="1600" dirty="0">
+                <a:latin typeface="Verdana" panose="020B0604030504040204" pitchFamily="34" charset="0"/>
+                <a:ea typeface="Verdana" panose="020B0604030504040204" pitchFamily="34" charset="0"/>
+              </a:rPr>
+              <a:t> </a:t>
+            </a:r>
+            <a:r>
+              <a:rPr lang="en-US" sz="1600" dirty="0" err="1">
+                <a:latin typeface="Verdana" panose="020B0604030504040204" pitchFamily="34" charset="0"/>
+                <a:ea typeface="Verdana" panose="020B0604030504040204" pitchFamily="34" charset="0"/>
+              </a:rPr>
+              <a:t>possibili</a:t>
+            </a:r>
+            <a:r>
+              <a:rPr lang="en-US" sz="1600" dirty="0">
+                <a:latin typeface="Verdana" panose="020B0604030504040204" pitchFamily="34" charset="0"/>
+                <a:ea typeface="Verdana" panose="020B0604030504040204" pitchFamily="34" charset="0"/>
+              </a:rPr>
+              <a:t> (</a:t>
+            </a:r>
+            <a:r>
+              <a:rPr lang="en-US" sz="1600" dirty="0" err="1">
+                <a:latin typeface="Verdana" panose="020B0604030504040204" pitchFamily="34" charset="0"/>
+                <a:ea typeface="Verdana" panose="020B0604030504040204" pitchFamily="34" charset="0"/>
+              </a:rPr>
+              <a:t>gestibile</a:t>
+            </a:r>
+            <a:r>
+              <a:rPr lang="en-US" sz="1600" dirty="0">
+                <a:latin typeface="Verdana" panose="020B0604030504040204" pitchFamily="34" charset="0"/>
+                <a:ea typeface="Verdana" panose="020B0604030504040204" pitchFamily="34" charset="0"/>
+              </a:rPr>
+              <a:t> in </a:t>
+            </a:r>
+            <a:r>
+              <a:rPr lang="en-US" sz="1600" dirty="0" err="1">
+                <a:latin typeface="Verdana" panose="020B0604030504040204" pitchFamily="34" charset="0"/>
+                <a:ea typeface="Verdana" panose="020B0604030504040204" pitchFamily="34" charset="0"/>
+              </a:rPr>
+              <a:t>memoria</a:t>
+            </a:r>
+            <a:r>
+              <a:rPr lang="en-US" sz="1600" dirty="0">
+                <a:latin typeface="Verdana" panose="020B0604030504040204" pitchFamily="34" charset="0"/>
+                <a:ea typeface="Verdana" panose="020B0604030504040204" pitchFamily="34" charset="0"/>
+              </a:rPr>
+              <a:t> </a:t>
+            </a:r>
+            <a:r>
+              <a:rPr lang="en-US" sz="1600" dirty="0" err="1">
+                <a:latin typeface="Verdana" panose="020B0604030504040204" pitchFamily="34" charset="0"/>
+                <a:ea typeface="Verdana" panose="020B0604030504040204" pitchFamily="34" charset="0"/>
+              </a:rPr>
+              <a:t>principale</a:t>
+            </a:r>
+            <a:r>
+              <a:rPr lang="en-US" sz="1600" dirty="0">
+                <a:latin typeface="Verdana" panose="020B0604030504040204" pitchFamily="34" charset="0"/>
+                <a:ea typeface="Verdana" panose="020B0604030504040204" pitchFamily="34" charset="0"/>
+              </a:rPr>
+              <a:t>)</a:t>
+            </a:r>
+            <a:endParaRPr lang="it-IT" sz="1600" dirty="0">
+              <a:latin typeface="Verdana" panose="020B0604030504040204" pitchFamily="34" charset="0"/>
+              <a:ea typeface="Verdana" panose="020B0604030504040204" pitchFamily="34" charset="0"/>
+            </a:endParaRPr>
+          </a:p>
+          <a:p>
+            <a:pPr marL="45720" indent="0">
+              <a:buNone/>
+            </a:pPr>
+            <a:endParaRPr lang="en-US" sz="1600" b="0" i="0" dirty="0">
+              <a:effectLst/>
+              <a:latin typeface="Verdana" panose="020B0604030504040204" pitchFamily="34" charset="0"/>
+              <a:ea typeface="Verdana" panose="020B0604030504040204" pitchFamily="34" charset="0"/>
+            </a:endParaRPr>
+          </a:p>
+          <a:p>
+            <a:pPr marL="45720" indent="0">
+              <a:buNone/>
+            </a:pPr>
+            <a:r>
+              <a:rPr lang="en-US" sz="1600" dirty="0">
+                <a:latin typeface="Verdana" panose="020B0604030504040204" pitchFamily="34" charset="0"/>
+                <a:ea typeface="Verdana" panose="020B0604030504040204" pitchFamily="34" charset="0"/>
+              </a:rPr>
+              <a:t>Pro:</a:t>
+            </a:r>
+          </a:p>
+          <a:p>
+            <a:pPr>
+              <a:buFontTx/>
+              <a:buChar char="-"/>
+            </a:pPr>
+            <a:r>
+              <a:rPr lang="en-US" sz="1600" dirty="0">
+                <a:latin typeface="Verdana" panose="020B0604030504040204" pitchFamily="34" charset="0"/>
+                <a:ea typeface="Verdana" panose="020B0604030504040204" pitchFamily="34" charset="0"/>
+              </a:rPr>
+              <a:t>Training phase stabile e veloce ( &lt; 1 </a:t>
+            </a:r>
+            <a:r>
+              <a:rPr lang="en-US" sz="1600" dirty="0" err="1">
+                <a:latin typeface="Verdana" panose="020B0604030504040204" pitchFamily="34" charset="0"/>
+                <a:ea typeface="Verdana" panose="020B0604030504040204" pitchFamily="34" charset="0"/>
+              </a:rPr>
+              <a:t>hrs</a:t>
+            </a:r>
+            <a:r>
+              <a:rPr lang="en-US" sz="1600" dirty="0">
+                <a:latin typeface="Verdana" panose="020B0604030504040204" pitchFamily="34" charset="0"/>
+                <a:ea typeface="Verdana" panose="020B0604030504040204" pitchFamily="34" charset="0"/>
+              </a:rPr>
+              <a:t> )</a:t>
+            </a:r>
+          </a:p>
+          <a:p>
+            <a:pPr marL="45720" indent="0">
+              <a:buNone/>
+            </a:pPr>
+            <a:r>
+              <a:rPr lang="en-US" sz="1600" dirty="0" err="1">
+                <a:latin typeface="Verdana" panose="020B0604030504040204" pitchFamily="34" charset="0"/>
+                <a:ea typeface="Verdana" panose="020B0604030504040204" pitchFamily="34" charset="0"/>
+              </a:rPr>
+              <a:t>Contro</a:t>
+            </a:r>
+            <a:r>
+              <a:rPr lang="en-US" sz="1600" dirty="0">
+                <a:latin typeface="Verdana" panose="020B0604030504040204" pitchFamily="34" charset="0"/>
+                <a:ea typeface="Verdana" panose="020B0604030504040204" pitchFamily="34" charset="0"/>
+              </a:rPr>
+              <a:t>:</a:t>
+            </a:r>
+          </a:p>
+          <a:p>
+            <a:pPr>
+              <a:buFontTx/>
+              <a:buChar char="-"/>
+            </a:pPr>
+            <a:r>
+              <a:rPr lang="it-IT" sz="1600" b="0" i="0" dirty="0">
+                <a:effectLst/>
+                <a:latin typeface="Verdana" panose="020B0604030504040204" pitchFamily="34" charset="0"/>
+                <a:ea typeface="Verdana" panose="020B0604030504040204" pitchFamily="34" charset="0"/>
+              </a:rPr>
+              <a:t>Impossibilità di aumentare lo spazio di stato</a:t>
+            </a:r>
+          </a:p>
+          <a:p>
+            <a:pPr>
+              <a:buFontTx/>
+              <a:buChar char="-"/>
+            </a:pPr>
+            <a:endParaRPr lang="it-IT" sz="1600" dirty="0">
+              <a:latin typeface="Verdana" panose="020B0604030504040204" pitchFamily="34" charset="0"/>
+              <a:ea typeface="Verdana" panose="020B0604030504040204" pitchFamily="34" charset="0"/>
+            </a:endParaRPr>
+          </a:p>
+          <a:p>
+            <a:pPr marL="45720" indent="0">
+              <a:buNone/>
+            </a:pPr>
+            <a:r>
+              <a:rPr lang="it-IT" sz="1600" b="0" i="0" dirty="0">
+                <a:effectLst/>
+                <a:latin typeface="Verdana" panose="020B0604030504040204" pitchFamily="34" charset="0"/>
+                <a:ea typeface="Verdana" panose="020B0604030504040204" pitchFamily="34" charset="0"/>
+              </a:rPr>
+              <a:t>Entrambe le soluzioni solo state sviluppate ma, a causa della mancanza di hardware necessario al training per la soluzione con due reti neurali profonde, verrà presentata nel se</a:t>
+            </a:r>
+            <a:r>
+              <a:rPr lang="it-IT" sz="1600" dirty="0">
+                <a:latin typeface="Verdana" panose="020B0604030504040204" pitchFamily="34" charset="0"/>
+                <a:ea typeface="Verdana" panose="020B0604030504040204" pitchFamily="34" charset="0"/>
+              </a:rPr>
+              <a:t>guito l’implementazione tramite Q-</a:t>
+            </a:r>
+            <a:r>
+              <a:rPr lang="it-IT" sz="1600" dirty="0" err="1">
+                <a:latin typeface="Verdana" panose="020B0604030504040204" pitchFamily="34" charset="0"/>
+                <a:ea typeface="Verdana" panose="020B0604030504040204" pitchFamily="34" charset="0"/>
+              </a:rPr>
+              <a:t>Table</a:t>
+            </a:r>
+            <a:endParaRPr lang="en-US" sz="1600" b="0" i="0" dirty="0">
+              <a:effectLst/>
+              <a:latin typeface="Verdana" panose="020B0604030504040204" pitchFamily="34" charset="0"/>
+              <a:ea typeface="Verdana" panose="020B0604030504040204" pitchFamily="34" charset="0"/>
+            </a:endParaRPr>
+          </a:p>
+        </p:txBody>
+      </p:sp>
+    </p:spTree>
+    <p:extLst>
+      <p:ext uri="{BB962C8B-B14F-4D97-AF65-F5344CB8AC3E}">
+        <p14:creationId xmlns:p14="http://schemas.microsoft.com/office/powerpoint/2010/main" val="2819954953"/>
+      </p:ext>
+    </p:extLst>
+  </p:cSld>
+  <p:clrMapOvr>
+    <a:masterClrMapping/>
+  </p:clrMapOvr>
+</p:sld>
+</file>
+
+<file path=ppt/slides/slide18.xml><?xml version="1.0" encoding="utf-8"?>
+<p:sld xmlns:a="http://schemas.openxmlformats.org/drawingml/2006/main" xmlns:r="http://schemas.openxmlformats.org/officeDocument/2006/relationships" xmlns:p="http://schemas.openxmlformats.org/presentationml/2006/main">
+  <p:cSld>
+    <p:bg>
+      <p:bgPr>
+        <a:solidFill>
+          <a:schemeClr val="bg1"/>
+        </a:solidFill>
+        <a:effectLst/>
+      </p:bgPr>
+    </p:bg>
+    <p:spTree>
+      <p:nvGrpSpPr>
+        <p:cNvPr id="1" name=""/>
+        <p:cNvGrpSpPr/>
+        <p:nvPr/>
+      </p:nvGrpSpPr>
+      <p:grpSpPr>
+        <a:xfrm>
+          <a:off x="0" y="0"/>
+          <a:ext cx="0" cy="0"/>
+          <a:chOff x="0" y="0"/>
+          <a:chExt cx="0" cy="0"/>
+        </a:xfrm>
+      </p:grpSpPr>
       <p:sp useBgFill="1">
         <p:nvSpPr>
           <p:cNvPr id="34" name="Rectangle 33">
@@ -5458,7 +10159,7 @@
                 <a:latin typeface="Verdana" panose="020B0604030504040204" pitchFamily="34" charset="0"/>
                 <a:ea typeface="Verdana" panose="020B0604030504040204" pitchFamily="34" charset="0"/>
               </a:rPr>
-              <a:t>Deep Q-Network</a:t>
+              <a:t>Training Phase</a:t>
             </a:r>
             <a:endParaRPr lang="it-IT" sz="3200" dirty="0">
               <a:latin typeface="Verdana" panose="020B0604030504040204" pitchFamily="34" charset="0"/>
@@ -5485,8 +10186,8 @@
         </p:nvSpPr>
         <p:spPr>
           <a:xfrm>
-            <a:off x="477244" y="1415351"/>
-            <a:ext cx="11250221" cy="4542104"/>
+            <a:off x="464534" y="1307419"/>
+            <a:ext cx="6481211" cy="1958899"/>
           </a:xfrm>
         </p:spPr>
         <p:txBody>
@@ -5498,10 +10199,568 @@
             <a:pPr marL="45720" indent="0">
               <a:buNone/>
             </a:pPr>
-            <a:endParaRPr lang="it-IT" dirty="0">
+            <a:r>
+              <a:rPr lang="it-IT" sz="1600" dirty="0">
+                <a:latin typeface="Verdana" panose="020B0604030504040204" pitchFamily="34" charset="0"/>
+                <a:ea typeface="Verdana" panose="020B0604030504040204" pitchFamily="34" charset="0"/>
+              </a:rPr>
+              <a:t>La fase di training è composta dalle seguenti operazioni:</a:t>
+            </a:r>
+          </a:p>
+          <a:p>
+            <a:pPr marL="45720" indent="0">
+              <a:buNone/>
+            </a:pPr>
+            <a:r>
+              <a:rPr lang="it-IT" sz="1600" dirty="0">
+                <a:latin typeface="Verdana" panose="020B0604030504040204" pitchFamily="34" charset="0"/>
+                <a:ea typeface="Verdana" panose="020B0604030504040204" pitchFamily="34" charset="0"/>
+              </a:rPr>
+              <a:t>1) </a:t>
+            </a:r>
+            <a:r>
+              <a:rPr lang="it-IT" sz="1600" dirty="0" err="1">
+                <a:latin typeface="Verdana" panose="020B0604030504040204" pitchFamily="34" charset="0"/>
+                <a:ea typeface="Verdana" panose="020B0604030504040204" pitchFamily="34" charset="0"/>
+              </a:rPr>
+              <a:t>L’environment</a:t>
+            </a:r>
+            <a:r>
+              <a:rPr lang="it-IT" sz="1600" dirty="0">
+                <a:latin typeface="Verdana" panose="020B0604030504040204" pitchFamily="34" charset="0"/>
+                <a:ea typeface="Verdana" panose="020B0604030504040204" pitchFamily="34" charset="0"/>
+              </a:rPr>
+              <a:t> di test viene inizializzato</a:t>
+            </a:r>
+          </a:p>
+          <a:p>
+            <a:pPr marL="45720" indent="0">
+              <a:buNone/>
+            </a:pPr>
+            <a:r>
+              <a:rPr lang="it-IT" sz="1600" dirty="0">
+                <a:latin typeface="Verdana" panose="020B0604030504040204" pitchFamily="34" charset="0"/>
+                <a:ea typeface="Verdana" panose="020B0604030504040204" pitchFamily="34" charset="0"/>
+              </a:rPr>
+              <a:t>2) L’agente richiede informazioni sullo stato (</a:t>
+            </a:r>
+            <a:r>
+              <a:rPr lang="it-IT" sz="1600" dirty="0" err="1">
+                <a:latin typeface="Verdana" panose="020B0604030504040204" pitchFamily="34" charset="0"/>
+                <a:ea typeface="Verdana" panose="020B0604030504040204" pitchFamily="34" charset="0"/>
+              </a:rPr>
+              <a:t>Sense</a:t>
+            </a:r>
+            <a:r>
+              <a:rPr lang="it-IT" sz="1600" dirty="0">
+                <a:latin typeface="Verdana" panose="020B0604030504040204" pitchFamily="34" charset="0"/>
+                <a:ea typeface="Verdana" panose="020B0604030504040204" pitchFamily="34" charset="0"/>
+              </a:rPr>
+              <a:t>)</a:t>
+            </a:r>
+          </a:p>
+          <a:p>
+            <a:pPr marL="45720" indent="0">
+              <a:buNone/>
+            </a:pPr>
+            <a:r>
+              <a:rPr lang="it-IT" sz="1600" dirty="0">
+                <a:latin typeface="Verdana" panose="020B0604030504040204" pitchFamily="34" charset="0"/>
+                <a:ea typeface="Verdana" panose="020B0604030504040204" pitchFamily="34" charset="0"/>
+              </a:rPr>
+              <a:t>3) L’agente sceglie l’azione da eseguire in quello stato (Plan)</a:t>
+            </a:r>
+          </a:p>
+          <a:p>
+            <a:pPr marL="45720" indent="0">
+              <a:buNone/>
+            </a:pPr>
+            <a:r>
+              <a:rPr lang="it-IT" sz="1600" dirty="0">
+                <a:latin typeface="Verdana" panose="020B0604030504040204" pitchFamily="34" charset="0"/>
+                <a:ea typeface="Verdana" panose="020B0604030504040204" pitchFamily="34" charset="0"/>
+              </a:rPr>
+              <a:t>4) L’agente richiede al body di eseguire l’azione scelta (Act)</a:t>
+            </a:r>
+          </a:p>
+          <a:p>
+            <a:pPr>
+              <a:buFontTx/>
+              <a:buChar char="-"/>
+            </a:pPr>
+            <a:endParaRPr lang="it-IT" sz="1600" dirty="0">
               <a:latin typeface="Verdana" panose="020B0604030504040204" pitchFamily="34" charset="0"/>
               <a:ea typeface="Verdana" panose="020B0604030504040204" pitchFamily="34" charset="0"/>
             </a:endParaRPr>
+          </a:p>
+        </p:txBody>
+      </p:sp>
+      <p:pic>
+        <p:nvPicPr>
+          <p:cNvPr id="4" name="Immagine 3">
+            <a:extLst>
+              <a:ext uri="{FF2B5EF4-FFF2-40B4-BE49-F238E27FC236}">
+                <a16:creationId xmlns:a16="http://schemas.microsoft.com/office/drawing/2014/main" id="{B523CC25-0D40-4930-8B15-D7E30B9EAF9C}"/>
+              </a:ext>
+            </a:extLst>
+          </p:cNvPr>
+          <p:cNvPicPr>
+            <a:picLocks noChangeAspect="1"/>
+          </p:cNvPicPr>
+          <p:nvPr/>
+        </p:nvPicPr>
+        <p:blipFill>
+          <a:blip r:embed="rId2"/>
+          <a:stretch>
+            <a:fillRect/>
+          </a:stretch>
+        </p:blipFill>
+        <p:spPr>
+          <a:xfrm>
+            <a:off x="7642285" y="1066010"/>
+            <a:ext cx="4085181" cy="2441718"/>
+          </a:xfrm>
+          <a:prstGeom prst="rect">
+            <a:avLst/>
+          </a:prstGeom>
+        </p:spPr>
+      </p:pic>
+      <p:sp>
+        <p:nvSpPr>
+          <p:cNvPr id="8" name="Content Placeholder 12">
+            <a:extLst>
+              <a:ext uri="{FF2B5EF4-FFF2-40B4-BE49-F238E27FC236}">
+                <a16:creationId xmlns:a16="http://schemas.microsoft.com/office/drawing/2014/main" id="{CB582D2D-68C1-4EC7-8E13-6FD3EF930968}"/>
+              </a:ext>
+            </a:extLst>
+          </p:cNvPr>
+          <p:cNvSpPr txBox="1">
+            <a:spLocks/>
+          </p:cNvSpPr>
+          <p:nvPr/>
+        </p:nvSpPr>
+        <p:spPr>
+          <a:xfrm>
+            <a:off x="464533" y="3712234"/>
+            <a:ext cx="11339539" cy="2901926"/>
+          </a:xfrm>
+          <a:prstGeom prst="rect">
+            <a:avLst/>
+          </a:prstGeom>
+        </p:spPr>
+        <p:txBody>
+          <a:bodyPr vert="horz" lIns="91440" tIns="45720" rIns="91440" bIns="45720" rtlCol="0">
+            <a:normAutofit lnSpcReduction="10000"/>
+          </a:bodyPr>
+          <a:lstStyle>
+            <a:lvl1pPr marL="228600" indent="-182880" algn="l" defTabSz="914400" rtl="0" eaLnBrk="1" latinLnBrk="0" hangingPunct="1">
+              <a:lnSpc>
+                <a:spcPct val="90000"/>
+              </a:lnSpc>
+              <a:spcBef>
+                <a:spcPts val="1400"/>
+              </a:spcBef>
+              <a:buClr>
+                <a:schemeClr val="tx1"/>
+              </a:buClr>
+              <a:buSzPct val="80000"/>
+              <a:buFont typeface="Corbel" pitchFamily="34" charset="0"/>
+              <a:buChar char="•"/>
+              <a:defRPr sz="2200" kern="1200">
+                <a:solidFill>
+                  <a:schemeClr val="tx1"/>
+                </a:solidFill>
+                <a:latin typeface="+mn-lt"/>
+                <a:ea typeface="+mn-ea"/>
+                <a:cs typeface="+mn-cs"/>
+              </a:defRPr>
+            </a:lvl1pPr>
+            <a:lvl2pPr marL="457200" indent="-182880" algn="l" defTabSz="914400" rtl="0" eaLnBrk="1" latinLnBrk="0" hangingPunct="1">
+              <a:lnSpc>
+                <a:spcPct val="90000"/>
+              </a:lnSpc>
+              <a:spcBef>
+                <a:spcPts val="200"/>
+              </a:spcBef>
+              <a:spcAft>
+                <a:spcPts val="400"/>
+              </a:spcAft>
+              <a:buClr>
+                <a:schemeClr val="tx1"/>
+              </a:buClr>
+              <a:buSzPct val="80000"/>
+              <a:buFont typeface="Corbel" pitchFamily="34" charset="0"/>
+              <a:buChar char="•"/>
+              <a:defRPr sz="2000" kern="1200">
+                <a:solidFill>
+                  <a:schemeClr val="tx1"/>
+                </a:solidFill>
+                <a:latin typeface="+mn-lt"/>
+                <a:ea typeface="+mn-ea"/>
+                <a:cs typeface="+mn-cs"/>
+              </a:defRPr>
+            </a:lvl2pPr>
+            <a:lvl3pPr marL="731520" indent="-182880" algn="l" defTabSz="914400" rtl="0" eaLnBrk="1" latinLnBrk="0" hangingPunct="1">
+              <a:lnSpc>
+                <a:spcPct val="90000"/>
+              </a:lnSpc>
+              <a:spcBef>
+                <a:spcPts val="200"/>
+              </a:spcBef>
+              <a:spcAft>
+                <a:spcPts val="400"/>
+              </a:spcAft>
+              <a:buClr>
+                <a:schemeClr val="tx1"/>
+              </a:buClr>
+              <a:buSzPct val="80000"/>
+              <a:buFont typeface="Corbel" pitchFamily="34" charset="0"/>
+              <a:buChar char="•"/>
+              <a:defRPr sz="1800" kern="1200">
+                <a:solidFill>
+                  <a:schemeClr val="tx1"/>
+                </a:solidFill>
+                <a:latin typeface="+mn-lt"/>
+                <a:ea typeface="+mn-ea"/>
+                <a:cs typeface="+mn-cs"/>
+              </a:defRPr>
+            </a:lvl3pPr>
+            <a:lvl4pPr marL="1005840" indent="-182880" algn="l" defTabSz="914400" rtl="0" eaLnBrk="1" latinLnBrk="0" hangingPunct="1">
+              <a:lnSpc>
+                <a:spcPct val="90000"/>
+              </a:lnSpc>
+              <a:spcBef>
+                <a:spcPts val="200"/>
+              </a:spcBef>
+              <a:spcAft>
+                <a:spcPts val="400"/>
+              </a:spcAft>
+              <a:buClr>
+                <a:schemeClr val="tx1"/>
+              </a:buClr>
+              <a:buSzPct val="80000"/>
+              <a:buFont typeface="Corbel" pitchFamily="34" charset="0"/>
+              <a:buChar char="•"/>
+              <a:defRPr sz="1600" kern="1200">
+                <a:solidFill>
+                  <a:schemeClr val="tx1"/>
+                </a:solidFill>
+                <a:latin typeface="+mn-lt"/>
+                <a:ea typeface="+mn-ea"/>
+                <a:cs typeface="+mn-cs"/>
+              </a:defRPr>
+            </a:lvl4pPr>
+            <a:lvl5pPr marL="1280160" indent="-182880" algn="l" defTabSz="914400" rtl="0" eaLnBrk="1" latinLnBrk="0" hangingPunct="1">
+              <a:lnSpc>
+                <a:spcPct val="90000"/>
+              </a:lnSpc>
+              <a:spcBef>
+                <a:spcPts val="200"/>
+              </a:spcBef>
+              <a:spcAft>
+                <a:spcPts val="400"/>
+              </a:spcAft>
+              <a:buClr>
+                <a:schemeClr val="tx1"/>
+              </a:buClr>
+              <a:buSzPct val="80000"/>
+              <a:buFont typeface="Corbel" pitchFamily="34" charset="0"/>
+              <a:buChar char="•"/>
+              <a:defRPr sz="1600" kern="1200">
+                <a:solidFill>
+                  <a:schemeClr val="tx1"/>
+                </a:solidFill>
+                <a:latin typeface="+mn-lt"/>
+                <a:ea typeface="+mn-ea"/>
+                <a:cs typeface="+mn-cs"/>
+              </a:defRPr>
+            </a:lvl5pPr>
+            <a:lvl6pPr marL="1600000" indent="-228600" algn="l" defTabSz="914400" rtl="0" eaLnBrk="1" latinLnBrk="0" hangingPunct="1">
+              <a:lnSpc>
+                <a:spcPct val="90000"/>
+              </a:lnSpc>
+              <a:spcBef>
+                <a:spcPts val="200"/>
+              </a:spcBef>
+              <a:spcAft>
+                <a:spcPts val="400"/>
+              </a:spcAft>
+              <a:buClr>
+                <a:schemeClr val="tx1"/>
+              </a:buClr>
+              <a:buSzPct val="80000"/>
+              <a:buFont typeface="Corbel" pitchFamily="34" charset="0"/>
+              <a:buChar char="•"/>
+              <a:defRPr sz="1600" kern="1200">
+                <a:solidFill>
+                  <a:schemeClr val="tx1"/>
+                </a:solidFill>
+                <a:latin typeface="+mn-lt"/>
+                <a:ea typeface="+mn-ea"/>
+                <a:cs typeface="+mn-cs"/>
+              </a:defRPr>
+            </a:lvl6pPr>
+            <a:lvl7pPr marL="1900000" indent="-228600" algn="l" defTabSz="914400" rtl="0" eaLnBrk="1" latinLnBrk="0" hangingPunct="1">
+              <a:lnSpc>
+                <a:spcPct val="90000"/>
+              </a:lnSpc>
+              <a:spcBef>
+                <a:spcPts val="200"/>
+              </a:spcBef>
+              <a:spcAft>
+                <a:spcPts val="400"/>
+              </a:spcAft>
+              <a:buClr>
+                <a:schemeClr val="tx1"/>
+              </a:buClr>
+              <a:buSzPct val="80000"/>
+              <a:buFont typeface="Corbel" pitchFamily="34" charset="0"/>
+              <a:buChar char="•"/>
+              <a:defRPr sz="1600" kern="1200">
+                <a:solidFill>
+                  <a:schemeClr val="tx1"/>
+                </a:solidFill>
+                <a:latin typeface="+mn-lt"/>
+                <a:ea typeface="+mn-ea"/>
+                <a:cs typeface="+mn-cs"/>
+              </a:defRPr>
+            </a:lvl7pPr>
+            <a:lvl8pPr marL="2200000" indent="-228600" algn="l" defTabSz="914400" rtl="0" eaLnBrk="1" latinLnBrk="0" hangingPunct="1">
+              <a:lnSpc>
+                <a:spcPct val="90000"/>
+              </a:lnSpc>
+              <a:spcBef>
+                <a:spcPts val="200"/>
+              </a:spcBef>
+              <a:spcAft>
+                <a:spcPts val="400"/>
+              </a:spcAft>
+              <a:buClr>
+                <a:schemeClr val="tx1"/>
+              </a:buClr>
+              <a:buSzPct val="80000"/>
+              <a:buFont typeface="Corbel" pitchFamily="34" charset="0"/>
+              <a:buChar char="•"/>
+              <a:defRPr sz="1600" kern="1200">
+                <a:solidFill>
+                  <a:schemeClr val="tx1"/>
+                </a:solidFill>
+                <a:latin typeface="+mn-lt"/>
+                <a:ea typeface="+mn-ea"/>
+                <a:cs typeface="+mn-cs"/>
+              </a:defRPr>
+            </a:lvl8pPr>
+            <a:lvl9pPr marL="2500000" indent="-228600" algn="l" defTabSz="914400" rtl="0" eaLnBrk="1" latinLnBrk="0" hangingPunct="1">
+              <a:lnSpc>
+                <a:spcPct val="90000"/>
+              </a:lnSpc>
+              <a:spcBef>
+                <a:spcPts val="200"/>
+              </a:spcBef>
+              <a:spcAft>
+                <a:spcPts val="400"/>
+              </a:spcAft>
+              <a:buClr>
+                <a:schemeClr val="tx1"/>
+              </a:buClr>
+              <a:buSzPct val="80000"/>
+              <a:buFont typeface="Corbel" pitchFamily="34" charset="0"/>
+              <a:buChar char="•"/>
+              <a:defRPr sz="1600" kern="1200">
+                <a:solidFill>
+                  <a:schemeClr val="tx1"/>
+                </a:solidFill>
+                <a:latin typeface="+mn-lt"/>
+                <a:ea typeface="+mn-ea"/>
+                <a:cs typeface="+mn-cs"/>
+              </a:defRPr>
+            </a:lvl9pPr>
+          </a:lstStyle>
+          <a:p>
+            <a:pPr marL="45720" indent="0">
+              <a:buFont typeface="Corbel" pitchFamily="34" charset="0"/>
+              <a:buNone/>
+            </a:pPr>
+            <a:r>
+              <a:rPr lang="it-IT" sz="1600" dirty="0">
+                <a:latin typeface="Verdana" panose="020B0604030504040204" pitchFamily="34" charset="0"/>
+                <a:ea typeface="Verdana" panose="020B0604030504040204" pitchFamily="34" charset="0"/>
+              </a:rPr>
+              <a:t>Le operazioni da 1 a 4 vengono eseguite </a:t>
+            </a:r>
+            <a:r>
+              <a:rPr lang="it-IT" sz="1600" dirty="0" err="1">
+                <a:latin typeface="Verdana" panose="020B0604030504040204" pitchFamily="34" charset="0"/>
+                <a:ea typeface="Verdana" panose="020B0604030504040204" pitchFamily="34" charset="0"/>
+              </a:rPr>
+              <a:t>finch</a:t>
+            </a:r>
+            <a:r>
+              <a:rPr lang="en-AU" sz="1600" dirty="0">
+                <a:latin typeface="Verdana" panose="020B0604030504040204" pitchFamily="34" charset="0"/>
+                <a:ea typeface="Verdana" panose="020B0604030504040204" pitchFamily="34" charset="0"/>
+              </a:rPr>
+              <a:t>é non </a:t>
+            </a:r>
+            <a:r>
+              <a:rPr lang="en-AU" sz="1600" dirty="0" err="1">
+                <a:latin typeface="Verdana" panose="020B0604030504040204" pitchFamily="34" charset="0"/>
+                <a:ea typeface="Verdana" panose="020B0604030504040204" pitchFamily="34" charset="0"/>
+              </a:rPr>
+              <a:t>viene</a:t>
+            </a:r>
+            <a:r>
+              <a:rPr lang="en-AU" sz="1600" dirty="0">
+                <a:latin typeface="Verdana" panose="020B0604030504040204" pitchFamily="34" charset="0"/>
+                <a:ea typeface="Verdana" panose="020B0604030504040204" pitchFamily="34" charset="0"/>
+              </a:rPr>
+              <a:t> </a:t>
+            </a:r>
+            <a:r>
+              <a:rPr lang="en-AU" sz="1600" dirty="0" err="1">
+                <a:latin typeface="Verdana" panose="020B0604030504040204" pitchFamily="34" charset="0"/>
+                <a:ea typeface="Verdana" panose="020B0604030504040204" pitchFamily="34" charset="0"/>
+              </a:rPr>
+              <a:t>raggiunto</a:t>
+            </a:r>
+            <a:r>
+              <a:rPr lang="en-AU" sz="1600" dirty="0">
+                <a:latin typeface="Verdana" panose="020B0604030504040204" pitchFamily="34" charset="0"/>
+                <a:ea typeface="Verdana" panose="020B0604030504040204" pitchFamily="34" charset="0"/>
+              </a:rPr>
+              <a:t> </a:t>
+            </a:r>
+            <a:r>
+              <a:rPr lang="en-AU" sz="1600" dirty="0" err="1">
+                <a:latin typeface="Verdana" panose="020B0604030504040204" pitchFamily="34" charset="0"/>
+                <a:ea typeface="Verdana" panose="020B0604030504040204" pitchFamily="34" charset="0"/>
+              </a:rPr>
+              <a:t>l’obiettivo</a:t>
+            </a:r>
+            <a:r>
+              <a:rPr lang="en-AU" sz="1600" dirty="0">
+                <a:latin typeface="Verdana" panose="020B0604030504040204" pitchFamily="34" charset="0"/>
+                <a:ea typeface="Verdana" panose="020B0604030504040204" pitchFamily="34" charset="0"/>
+              </a:rPr>
+              <a:t> del task</a:t>
+            </a:r>
+            <a:endParaRPr lang="it-IT" sz="1600" dirty="0">
+              <a:latin typeface="Verdana" panose="020B0604030504040204" pitchFamily="34" charset="0"/>
+              <a:ea typeface="Verdana" panose="020B0604030504040204" pitchFamily="34" charset="0"/>
+            </a:endParaRPr>
+          </a:p>
+          <a:p>
+            <a:pPr marL="45720" indent="0">
+              <a:buFont typeface="Corbel" pitchFamily="34" charset="0"/>
+              <a:buNone/>
+            </a:pPr>
+            <a:r>
+              <a:rPr lang="it-IT" sz="1600" dirty="0">
+                <a:latin typeface="Verdana" panose="020B0604030504040204" pitchFamily="34" charset="0"/>
+                <a:ea typeface="Verdana" panose="020B0604030504040204" pitchFamily="34" charset="0"/>
+              </a:rPr>
+              <a:t>L’esecuzione di tale ciclo viene definito come Episodio.</a:t>
+            </a:r>
+          </a:p>
+          <a:p>
+            <a:pPr marL="45720" indent="0">
+              <a:buFont typeface="Corbel" pitchFamily="34" charset="0"/>
+              <a:buNone/>
+            </a:pPr>
+            <a:r>
+              <a:rPr lang="it-IT" sz="1600" dirty="0">
+                <a:latin typeface="Verdana" panose="020B0604030504040204" pitchFamily="34" charset="0"/>
+                <a:ea typeface="Verdana" panose="020B0604030504040204" pitchFamily="34" charset="0"/>
+              </a:rPr>
+              <a:t>Maggiore sarà il numero di episodi e meglio imparerà il nostro agente.</a:t>
+            </a:r>
+          </a:p>
+          <a:p>
+            <a:pPr marL="45720" indent="0">
+              <a:buFont typeface="Corbel" pitchFamily="34" charset="0"/>
+              <a:buNone/>
+            </a:pPr>
+            <a:r>
+              <a:rPr lang="it-IT" sz="1600" dirty="0">
+                <a:latin typeface="Verdana" panose="020B0604030504040204" pitchFamily="34" charset="0"/>
+                <a:ea typeface="Verdana" panose="020B0604030504040204" pitchFamily="34" charset="0"/>
+              </a:rPr>
+              <a:t>Durante la fase di training verranno raccolte tre informazioni utili alla valutazione delle performance dell’agente:</a:t>
+            </a:r>
+          </a:p>
+          <a:p>
+            <a:pPr>
+              <a:buFontTx/>
+              <a:buChar char="-"/>
+            </a:pPr>
+            <a:r>
+              <a:rPr lang="it-IT" sz="1600" dirty="0">
+                <a:latin typeface="Verdana" panose="020B0604030504040204" pitchFamily="34" charset="0"/>
+                <a:ea typeface="Verdana" panose="020B0604030504040204" pitchFamily="34" charset="0"/>
+              </a:rPr>
+              <a:t>step: numero di azioni compiute in un episodio</a:t>
+            </a:r>
+          </a:p>
+          <a:p>
+            <a:pPr>
+              <a:buFontTx/>
+              <a:buChar char="-"/>
+            </a:pPr>
+            <a:r>
+              <a:rPr lang="it-IT" sz="1600" dirty="0">
+                <a:latin typeface="Verdana" panose="020B0604030504040204" pitchFamily="34" charset="0"/>
+                <a:ea typeface="Verdana" panose="020B0604030504040204" pitchFamily="34" charset="0"/>
+              </a:rPr>
+              <a:t>penalità: numero di </a:t>
+            </a:r>
+            <a:r>
+              <a:rPr lang="it-IT" sz="1600" dirty="0" err="1">
+                <a:latin typeface="Verdana" panose="020B0604030504040204" pitchFamily="34" charset="0"/>
+                <a:ea typeface="Verdana" panose="020B0604030504040204" pitchFamily="34" charset="0"/>
+              </a:rPr>
+              <a:t>reward</a:t>
+            </a:r>
+            <a:r>
+              <a:rPr lang="it-IT" sz="1600" dirty="0">
+                <a:latin typeface="Verdana" panose="020B0604030504040204" pitchFamily="34" charset="0"/>
+                <a:ea typeface="Verdana" panose="020B0604030504040204" pitchFamily="34" charset="0"/>
+              </a:rPr>
+              <a:t> negativi ricevuti minori di -1 (viene ignorata la penalità sul tempo minimo)</a:t>
+            </a:r>
+          </a:p>
+          <a:p>
+            <a:pPr>
+              <a:buFontTx/>
+              <a:buChar char="-"/>
+            </a:pPr>
+            <a:r>
+              <a:rPr lang="it-IT" sz="1600" dirty="0" err="1">
+                <a:latin typeface="Verdana" panose="020B0604030504040204" pitchFamily="34" charset="0"/>
+                <a:ea typeface="Verdana" panose="020B0604030504040204" pitchFamily="34" charset="0"/>
+              </a:rPr>
+              <a:t>reward</a:t>
+            </a:r>
+            <a:r>
+              <a:rPr lang="it-IT" sz="1600" dirty="0">
+                <a:latin typeface="Verdana" panose="020B0604030504040204" pitchFamily="34" charset="0"/>
+                <a:ea typeface="Verdana" panose="020B0604030504040204" pitchFamily="34" charset="0"/>
+              </a:rPr>
+              <a:t>: somma di </a:t>
+            </a:r>
+            <a:r>
+              <a:rPr lang="it-IT" sz="1600" dirty="0" err="1">
+                <a:latin typeface="Verdana" panose="020B0604030504040204" pitchFamily="34" charset="0"/>
+                <a:ea typeface="Verdana" panose="020B0604030504040204" pitchFamily="34" charset="0"/>
+              </a:rPr>
+              <a:t>reward</a:t>
+            </a:r>
+            <a:r>
+              <a:rPr lang="it-IT" sz="1600" dirty="0">
+                <a:latin typeface="Verdana" panose="020B0604030504040204" pitchFamily="34" charset="0"/>
+                <a:ea typeface="Verdana" panose="020B0604030504040204" pitchFamily="34" charset="0"/>
+              </a:rPr>
+              <a:t> positivi e negativi ricevuti in un episodio</a:t>
+            </a:r>
           </a:p>
         </p:txBody>
       </p:sp>
@@ -5509,6 +10768,523 @@
     <p:extLst>
       <p:ext uri="{BB962C8B-B14F-4D97-AF65-F5344CB8AC3E}">
         <p14:creationId xmlns:p14="http://schemas.microsoft.com/office/powerpoint/2010/main" val="46616923"/>
+      </p:ext>
+    </p:extLst>
+  </p:cSld>
+  <p:clrMapOvr>
+    <a:masterClrMapping/>
+  </p:clrMapOvr>
+</p:sld>
+</file>
+
+<file path=ppt/slides/slide19.xml><?xml version="1.0" encoding="utf-8"?>
+<p:sld xmlns:a="http://schemas.openxmlformats.org/drawingml/2006/main" xmlns:r="http://schemas.openxmlformats.org/officeDocument/2006/relationships" xmlns:p="http://schemas.openxmlformats.org/presentationml/2006/main">
+  <p:cSld>
+    <p:bg>
+      <p:bgPr>
+        <a:solidFill>
+          <a:schemeClr val="bg1"/>
+        </a:solidFill>
+        <a:effectLst/>
+      </p:bgPr>
+    </p:bg>
+    <p:spTree>
+      <p:nvGrpSpPr>
+        <p:cNvPr id="1" name=""/>
+        <p:cNvGrpSpPr/>
+        <p:nvPr/>
+      </p:nvGrpSpPr>
+      <p:grpSpPr>
+        <a:xfrm>
+          <a:off x="0" y="0"/>
+          <a:ext cx="0" cy="0"/>
+          <a:chOff x="0" y="0"/>
+          <a:chExt cx="0" cy="0"/>
+        </a:xfrm>
+      </p:grpSpPr>
+      <p:sp useBgFill="1">
+        <p:nvSpPr>
+          <p:cNvPr id="34" name="Rectangle 33">
+            <a:extLst>
+              <a:ext uri="{FF2B5EF4-FFF2-40B4-BE49-F238E27FC236}">
+                <a16:creationId xmlns:a16="http://schemas.microsoft.com/office/drawing/2014/main" id="{33324453-BE62-4E1F-9D4F-CF3928DA65E5}"/>
+              </a:ext>
+              <a:ext uri="{C183D7F6-B498-43B3-948B-1728B52AA6E4}">
+                <adec:decorative xmlns:adec="http://schemas.microsoft.com/office/drawing/2017/decorative" val="1"/>
+              </a:ext>
+            </a:extLst>
+          </p:cNvPr>
+          <p:cNvSpPr>
+            <a:spLocks noGrp="1" noRot="1" noChangeAspect="1" noMove="1" noResize="1" noEditPoints="1" noAdjustHandles="1" noChangeArrowheads="1" noChangeShapeType="1" noTextEdit="1"/>
+          </p:cNvSpPr>
+          <p:nvPr>
+            <p:extLst>
+              <p:ext uri="{386F3935-93C4-4BCD-93E2-E3B085C9AB24}">
+                <p16:designElem xmlns:p16="http://schemas.microsoft.com/office/powerpoint/2015/main" val="1"/>
+              </p:ext>
+            </p:extLst>
+          </p:nvPr>
+        </p:nvSpPr>
+        <p:spPr>
+          <a:xfrm>
+            <a:off x="0" y="0"/>
+            <a:ext cx="12192000" cy="6858000"/>
+          </a:xfrm>
+          <a:prstGeom prst="rect">
+            <a:avLst/>
+          </a:prstGeom>
+          <a:ln>
+            <a:noFill/>
+          </a:ln>
+        </p:spPr>
+        <p:style>
+          <a:lnRef idx="2">
+            <a:schemeClr val="accent1">
+              <a:shade val="50000"/>
+            </a:schemeClr>
+          </a:lnRef>
+          <a:fillRef idx="1">
+            <a:schemeClr val="accent1"/>
+          </a:fillRef>
+          <a:effectRef idx="0">
+            <a:schemeClr val="accent1"/>
+          </a:effectRef>
+          <a:fontRef idx="minor">
+            <a:schemeClr val="lt1"/>
+          </a:fontRef>
+        </p:style>
+        <p:txBody>
+          <a:bodyPr rtlCol="0" anchor="ctr"/>
+          <a:lstStyle/>
+          <a:p>
+            <a:pPr algn="ctr"/>
+            <a:endParaRPr lang="en-US"/>
+          </a:p>
+        </p:txBody>
+      </p:sp>
+      <p:sp>
+        <p:nvSpPr>
+          <p:cNvPr id="36" name="Rectangle 35">
+            <a:extLst>
+              <a:ext uri="{FF2B5EF4-FFF2-40B4-BE49-F238E27FC236}">
+                <a16:creationId xmlns:a16="http://schemas.microsoft.com/office/drawing/2014/main" id="{70F489CA-D60F-4448-A487-4F07DC913266}"/>
+              </a:ext>
+              <a:ext uri="{C183D7F6-B498-43B3-948B-1728B52AA6E4}">
+                <adec:decorative xmlns:adec="http://schemas.microsoft.com/office/drawing/2017/decorative" val="1"/>
+              </a:ext>
+            </a:extLst>
+          </p:cNvPr>
+          <p:cNvSpPr>
+            <a:spLocks noGrp="1" noRot="1" noChangeAspect="1" noMove="1" noResize="1" noEditPoints="1" noAdjustHandles="1" noChangeArrowheads="1" noChangeShapeType="1" noTextEdit="1"/>
+          </p:cNvSpPr>
+          <p:nvPr>
+            <p:extLst>
+              <p:ext uri="{386F3935-93C4-4BCD-93E2-E3B085C9AB24}">
+                <p16:designElem xmlns:p16="http://schemas.microsoft.com/office/powerpoint/2015/main" val="1"/>
+              </p:ext>
+            </p:extLst>
+          </p:nvPr>
+        </p:nvSpPr>
+        <p:spPr>
+          <a:xfrm>
+            <a:off x="231140" y="243840"/>
+            <a:ext cx="11724640" cy="6377939"/>
+          </a:xfrm>
+          <a:prstGeom prst="rect">
+            <a:avLst/>
+          </a:prstGeom>
+          <a:noFill/>
+          <a:ln w="12700">
+            <a:solidFill>
+              <a:schemeClr val="tx1"/>
+            </a:solidFill>
+          </a:ln>
+        </p:spPr>
+        <p:style>
+          <a:lnRef idx="2">
+            <a:schemeClr val="accent1">
+              <a:shade val="50000"/>
+            </a:schemeClr>
+          </a:lnRef>
+          <a:fillRef idx="1">
+            <a:schemeClr val="accent1"/>
+          </a:fillRef>
+          <a:effectRef idx="0">
+            <a:schemeClr val="accent1"/>
+          </a:effectRef>
+          <a:fontRef idx="minor">
+            <a:schemeClr val="lt1"/>
+          </a:fontRef>
+        </p:style>
+      </p:sp>
+      <p:sp>
+        <p:nvSpPr>
+          <p:cNvPr id="2" name="Titolo 1">
+            <a:extLst>
+              <a:ext uri="{FF2B5EF4-FFF2-40B4-BE49-F238E27FC236}">
+                <a16:creationId xmlns:a16="http://schemas.microsoft.com/office/drawing/2014/main" id="{4599934B-87C3-45A9-A1F9-E5B1D9F1A3EB}"/>
+              </a:ext>
+            </a:extLst>
+          </p:cNvPr>
+          <p:cNvSpPr>
+            <a:spLocks noGrp="1"/>
+          </p:cNvSpPr>
+          <p:nvPr>
+            <p:ph type="title"/>
+          </p:nvPr>
+        </p:nvSpPr>
+        <p:spPr>
+          <a:xfrm>
+            <a:off x="461994" y="360742"/>
+            <a:ext cx="11262932" cy="579295"/>
+          </a:xfrm>
+        </p:spPr>
+        <p:txBody>
+          <a:bodyPr anchor="t">
+            <a:normAutofit/>
+          </a:bodyPr>
+          <a:lstStyle/>
+          <a:p>
+            <a:pPr algn="ctr"/>
+            <a:r>
+              <a:rPr lang="en-GB" sz="3200" dirty="0">
+                <a:latin typeface="Verdana" panose="020B0604030504040204" pitchFamily="34" charset="0"/>
+                <a:ea typeface="Verdana" panose="020B0604030504040204" pitchFamily="34" charset="0"/>
+              </a:rPr>
+              <a:t>Deep into choose action</a:t>
+            </a:r>
+            <a:endParaRPr lang="it-IT" sz="3200" dirty="0">
+              <a:latin typeface="Verdana" panose="020B0604030504040204" pitchFamily="34" charset="0"/>
+              <a:ea typeface="Verdana" panose="020B0604030504040204" pitchFamily="34" charset="0"/>
+            </a:endParaRPr>
+          </a:p>
+        </p:txBody>
+      </p:sp>
+      <p:sp>
+        <p:nvSpPr>
+          <p:cNvPr id="46" name="Content Placeholder 12">
+            <a:extLst>
+              <a:ext uri="{FF2B5EF4-FFF2-40B4-BE49-F238E27FC236}">
+                <a16:creationId xmlns:a16="http://schemas.microsoft.com/office/drawing/2014/main" id="{6E697896-E47C-45F7-A1D5-01764DF5C601}"/>
+              </a:ext>
+            </a:extLst>
+          </p:cNvPr>
+          <p:cNvSpPr>
+            <a:spLocks noGrp="1"/>
+          </p:cNvSpPr>
+          <p:nvPr>
+            <p:ph idx="1"/>
+          </p:nvPr>
+        </p:nvSpPr>
+        <p:spPr>
+          <a:xfrm>
+            <a:off x="461994" y="940037"/>
+            <a:ext cx="11262932" cy="3212740"/>
+          </a:xfrm>
+        </p:spPr>
+        <p:txBody>
+          <a:bodyPr>
+            <a:normAutofit fontScale="92500" lnSpcReduction="10000"/>
+          </a:bodyPr>
+          <a:lstStyle/>
+          <a:p>
+            <a:pPr marL="45720" indent="0">
+              <a:buNone/>
+            </a:pPr>
+            <a:r>
+              <a:rPr lang="en-US" sz="1600" dirty="0">
+                <a:latin typeface="Verdana" panose="020B0604030504040204" pitchFamily="34" charset="0"/>
+                <a:ea typeface="Verdana" panose="020B0604030504040204" pitchFamily="34" charset="0"/>
+              </a:rPr>
+              <a:t>La </a:t>
+            </a:r>
+            <a:r>
+              <a:rPr lang="en-US" sz="1600" dirty="0" err="1">
+                <a:latin typeface="Verdana" panose="020B0604030504040204" pitchFamily="34" charset="0"/>
+                <a:ea typeface="Verdana" panose="020B0604030504040204" pitchFamily="34" charset="0"/>
+              </a:rPr>
+              <a:t>strategia</a:t>
+            </a:r>
+            <a:r>
+              <a:rPr lang="en-US" sz="1600" dirty="0">
+                <a:latin typeface="Verdana" panose="020B0604030504040204" pitchFamily="34" charset="0"/>
+                <a:ea typeface="Verdana" panose="020B0604030504040204" pitchFamily="34" charset="0"/>
+              </a:rPr>
+              <a:t> di </a:t>
+            </a:r>
+            <a:r>
+              <a:rPr lang="en-US" sz="1600" dirty="0" err="1">
+                <a:latin typeface="Verdana" panose="020B0604030504040204" pitchFamily="34" charset="0"/>
+                <a:ea typeface="Verdana" panose="020B0604030504040204" pitchFamily="34" charset="0"/>
+              </a:rPr>
+              <a:t>scelta</a:t>
+            </a:r>
+            <a:r>
+              <a:rPr lang="en-US" sz="1600" dirty="0">
+                <a:latin typeface="Verdana" panose="020B0604030504040204" pitchFamily="34" charset="0"/>
+                <a:ea typeface="Verdana" panose="020B0604030504040204" pitchFamily="34" charset="0"/>
+              </a:rPr>
+              <a:t> </a:t>
+            </a:r>
+            <a:r>
+              <a:rPr lang="en-US" sz="1600" dirty="0" err="1">
+                <a:latin typeface="Verdana" panose="020B0604030504040204" pitchFamily="34" charset="0"/>
+                <a:ea typeface="Verdana" panose="020B0604030504040204" pitchFamily="34" charset="0"/>
+              </a:rPr>
+              <a:t>scelta</a:t>
+            </a:r>
+            <a:r>
+              <a:rPr lang="en-US" sz="1600" dirty="0">
+                <a:latin typeface="Verdana" panose="020B0604030504040204" pitchFamily="34" charset="0"/>
+                <a:ea typeface="Verdana" panose="020B0604030504040204" pitchFamily="34" charset="0"/>
+              </a:rPr>
+              <a:t> </a:t>
+            </a:r>
+            <a:r>
+              <a:rPr lang="en-US" sz="1600" dirty="0" err="1">
+                <a:latin typeface="Verdana" panose="020B0604030504040204" pitchFamily="34" charset="0"/>
+                <a:ea typeface="Verdana" panose="020B0604030504040204" pitchFamily="34" charset="0"/>
+              </a:rPr>
+              <a:t>dell’azione</a:t>
+            </a:r>
+            <a:r>
+              <a:rPr lang="en-US" sz="1600" dirty="0">
+                <a:latin typeface="Verdana" panose="020B0604030504040204" pitchFamily="34" charset="0"/>
+                <a:ea typeface="Verdana" panose="020B0604030504040204" pitchFamily="34" charset="0"/>
+              </a:rPr>
+              <a:t> </a:t>
+            </a:r>
+            <a:r>
+              <a:rPr lang="en-US" sz="1600" dirty="0" err="1">
+                <a:latin typeface="Verdana" panose="020B0604030504040204" pitchFamily="34" charset="0"/>
+                <a:ea typeface="Verdana" panose="020B0604030504040204" pitchFamily="34" charset="0"/>
+              </a:rPr>
+              <a:t>si</a:t>
+            </a:r>
+            <a:r>
+              <a:rPr lang="en-US" sz="1600" dirty="0">
+                <a:latin typeface="Verdana" panose="020B0604030504040204" pitchFamily="34" charset="0"/>
+                <a:ea typeface="Verdana" panose="020B0604030504040204" pitchFamily="34" charset="0"/>
+              </a:rPr>
+              <a:t> divide in due</a:t>
+            </a:r>
+            <a:r>
+              <a:rPr lang="it-IT" sz="1600" dirty="0">
+                <a:latin typeface="Verdana" panose="020B0604030504040204" pitchFamily="34" charset="0"/>
+                <a:ea typeface="Verdana" panose="020B0604030504040204" pitchFamily="34" charset="0"/>
+              </a:rPr>
+              <a:t>:</a:t>
+            </a:r>
+          </a:p>
+          <a:p>
+            <a:pPr marL="45720" indent="0">
+              <a:buNone/>
+            </a:pPr>
+            <a:r>
+              <a:rPr lang="it-IT" sz="1600" dirty="0">
+                <a:latin typeface="Verdana" panose="020B0604030504040204" pitchFamily="34" charset="0"/>
+                <a:ea typeface="Verdana" panose="020B0604030504040204" pitchFamily="34" charset="0"/>
+              </a:rPr>
+              <a:t>- Exploration: scegliere azioni random per permettere all’agente di imbattersi in stati sconosciuti</a:t>
+            </a:r>
+          </a:p>
+          <a:p>
+            <a:pPr>
+              <a:buFontTx/>
+              <a:buChar char="-"/>
+            </a:pPr>
+            <a:r>
+              <a:rPr lang="it-IT" sz="1600" dirty="0">
+                <a:latin typeface="Verdana" panose="020B0604030504040204" pitchFamily="34" charset="0"/>
+                <a:ea typeface="Verdana" panose="020B0604030504040204" pitchFamily="34" charset="0"/>
+              </a:rPr>
+              <a:t>Exploitation: scegliere azioni basandosi sui Q-Value (appresi dalle esperienze precedenti)</a:t>
+            </a:r>
+          </a:p>
+          <a:p>
+            <a:pPr marL="45720" indent="0">
+              <a:buNone/>
+            </a:pPr>
+            <a:r>
+              <a:rPr lang="it-IT" sz="1600" dirty="0">
+                <a:latin typeface="Verdana" panose="020B0604030504040204" pitchFamily="34" charset="0"/>
+                <a:ea typeface="Verdana" panose="020B0604030504040204" pitchFamily="34" charset="0"/>
+              </a:rPr>
+              <a:t>La scelta tra le due strategie è guidata dall’ </a:t>
+            </a:r>
+            <a:r>
+              <a:rPr lang="it-IT" sz="1600" dirty="0" err="1">
+                <a:latin typeface="Verdana" panose="020B0604030504040204" pitchFamily="34" charset="0"/>
+                <a:ea typeface="Verdana" panose="020B0604030504040204" pitchFamily="34" charset="0"/>
+              </a:rPr>
+              <a:t>iperparametro</a:t>
+            </a:r>
+            <a:r>
+              <a:rPr lang="it-IT" sz="1600" dirty="0">
+                <a:latin typeface="Verdana" panose="020B0604030504040204" pitchFamily="34" charset="0"/>
+                <a:ea typeface="Verdana" panose="020B0604030504040204" pitchFamily="34" charset="0"/>
+              </a:rPr>
+              <a:t> epsilon.</a:t>
+            </a:r>
+          </a:p>
+          <a:p>
+            <a:pPr marL="45720" indent="0">
+              <a:buNone/>
+            </a:pPr>
+            <a:r>
+              <a:rPr lang="it-IT" sz="1600" dirty="0">
+                <a:latin typeface="Verdana" panose="020B0604030504040204" pitchFamily="34" charset="0"/>
+                <a:ea typeface="Verdana" panose="020B0604030504040204" pitchFamily="34" charset="0"/>
+              </a:rPr>
+              <a:t>Tale parametro permette all’agente di evitare di scegliere sempre lo stesso percorso prima ancora di scoprire percorsi migliori.</a:t>
+            </a:r>
+          </a:p>
+          <a:p>
+            <a:pPr marL="45720" indent="0">
+              <a:buNone/>
+            </a:pPr>
+            <a:r>
+              <a:rPr lang="it-IT" sz="1600" dirty="0">
+                <a:latin typeface="Verdana" panose="020B0604030504040204" pitchFamily="34" charset="0"/>
+                <a:ea typeface="Verdana" panose="020B0604030504040204" pitchFamily="34" charset="0"/>
+              </a:rPr>
+              <a:t>Inoltre, in questa implementazione, è stato scelto di utilizzare un epsilon dinamico: diminuisce all’aumentare della conoscenza dell’agente.  0.1 &lt; </a:t>
+            </a:r>
+            <a:r>
+              <a:rPr lang="el-GR" sz="1600" dirty="0">
+                <a:latin typeface="Verdana" panose="020B0604030504040204" pitchFamily="34" charset="0"/>
+                <a:ea typeface="Verdana" panose="020B0604030504040204" pitchFamily="34" charset="0"/>
+              </a:rPr>
+              <a:t>ε</a:t>
+            </a:r>
+            <a:r>
+              <a:rPr lang="it-IT" sz="1600" dirty="0">
+                <a:latin typeface="Verdana" panose="020B0604030504040204" pitchFamily="34" charset="0"/>
+                <a:ea typeface="Verdana" panose="020B0604030504040204" pitchFamily="34" charset="0"/>
+              </a:rPr>
+              <a:t> </a:t>
+            </a:r>
+            <a:r>
+              <a:rPr lang="el-GR" sz="1600" dirty="0">
+                <a:latin typeface="Verdana" panose="020B0604030504040204" pitchFamily="34" charset="0"/>
+                <a:ea typeface="Verdana" panose="020B0604030504040204" pitchFamily="34" charset="0"/>
+              </a:rPr>
+              <a:t>≤</a:t>
+            </a:r>
+            <a:r>
+              <a:rPr lang="it-IT" sz="1600" dirty="0">
+                <a:latin typeface="Verdana" panose="020B0604030504040204" pitchFamily="34" charset="0"/>
+                <a:ea typeface="Verdana" panose="020B0604030504040204" pitchFamily="34" charset="0"/>
+              </a:rPr>
+              <a:t> 1</a:t>
+            </a:r>
+          </a:p>
+          <a:p>
+            <a:pPr>
+              <a:buFontTx/>
+              <a:buChar char="-"/>
+            </a:pPr>
+            <a:r>
+              <a:rPr lang="el-GR" sz="1600" dirty="0">
+                <a:latin typeface="Verdana" panose="020B0604030504040204" pitchFamily="34" charset="0"/>
+                <a:ea typeface="Verdana" panose="020B0604030504040204" pitchFamily="34" charset="0"/>
+              </a:rPr>
+              <a:t>ε</a:t>
+            </a:r>
+            <a:r>
+              <a:rPr lang="it-IT" sz="1600" dirty="0">
+                <a:latin typeface="Verdana" panose="020B0604030504040204" pitchFamily="34" charset="0"/>
+                <a:ea typeface="Verdana" panose="020B0604030504040204" pitchFamily="34" charset="0"/>
+              </a:rPr>
+              <a:t> = 1: azioni scelte solo </a:t>
+            </a:r>
+            <a:r>
+              <a:rPr lang="it-IT" sz="1600" dirty="0" err="1">
+                <a:latin typeface="Verdana" panose="020B0604030504040204" pitchFamily="34" charset="0"/>
+                <a:ea typeface="Verdana" panose="020B0604030504040204" pitchFamily="34" charset="0"/>
+              </a:rPr>
+              <a:t>randomicamente</a:t>
+            </a:r>
+            <a:endParaRPr lang="it-IT" sz="1600" dirty="0">
+              <a:latin typeface="Verdana" panose="020B0604030504040204" pitchFamily="34" charset="0"/>
+              <a:ea typeface="Verdana" panose="020B0604030504040204" pitchFamily="34" charset="0"/>
+            </a:endParaRPr>
+          </a:p>
+          <a:p>
+            <a:pPr>
+              <a:buFontTx/>
+              <a:buChar char="-"/>
+            </a:pPr>
+            <a:r>
+              <a:rPr lang="el-GR" sz="1600" dirty="0">
+                <a:latin typeface="Verdana" panose="020B0604030504040204" pitchFamily="34" charset="0"/>
+                <a:ea typeface="Verdana" panose="020B0604030504040204" pitchFamily="34" charset="0"/>
+              </a:rPr>
+              <a:t>ε</a:t>
+            </a:r>
+            <a:r>
+              <a:rPr lang="it-IT" sz="1600" dirty="0">
+                <a:latin typeface="Verdana" panose="020B0604030504040204" pitchFamily="34" charset="0"/>
+                <a:ea typeface="Verdana" panose="020B0604030504040204" pitchFamily="34" charset="0"/>
+              </a:rPr>
+              <a:t> = 0: azioni scelte solo sulla base del miglior Q-Value</a:t>
+            </a:r>
+          </a:p>
+          <a:p>
+            <a:pPr>
+              <a:buFontTx/>
+              <a:buChar char="-"/>
+            </a:pPr>
+            <a:endParaRPr lang="it-IT" sz="1600" dirty="0">
+              <a:latin typeface="Verdana" panose="020B0604030504040204" pitchFamily="34" charset="0"/>
+              <a:ea typeface="Verdana" panose="020B0604030504040204" pitchFamily="34" charset="0"/>
+            </a:endParaRPr>
+          </a:p>
+          <a:p>
+            <a:pPr marL="45720" indent="0">
+              <a:buNone/>
+            </a:pPr>
+            <a:endParaRPr lang="it-IT" sz="1600" dirty="0">
+              <a:latin typeface="Verdana" panose="020B0604030504040204" pitchFamily="34" charset="0"/>
+              <a:ea typeface="Verdana" panose="020B0604030504040204" pitchFamily="34" charset="0"/>
+            </a:endParaRPr>
+          </a:p>
+        </p:txBody>
+      </p:sp>
+      <p:pic>
+        <p:nvPicPr>
+          <p:cNvPr id="7" name="Immagine 6">
+            <a:extLst>
+              <a:ext uri="{FF2B5EF4-FFF2-40B4-BE49-F238E27FC236}">
+                <a16:creationId xmlns:a16="http://schemas.microsoft.com/office/drawing/2014/main" id="{BC3D28F5-E523-4676-87DC-14B320EB8A14}"/>
+              </a:ext>
+            </a:extLst>
+          </p:cNvPr>
+          <p:cNvPicPr>
+            <a:picLocks noChangeAspect="1"/>
+          </p:cNvPicPr>
+          <p:nvPr/>
+        </p:nvPicPr>
+        <p:blipFill>
+          <a:blip r:embed="rId2"/>
+          <a:stretch>
+            <a:fillRect/>
+          </a:stretch>
+        </p:blipFill>
+        <p:spPr>
+          <a:xfrm>
+            <a:off x="1501769" y="4221144"/>
+            <a:ext cx="9183382" cy="2400635"/>
+          </a:xfrm>
+          <a:prstGeom prst="rect">
+            <a:avLst/>
+          </a:prstGeom>
+        </p:spPr>
+      </p:pic>
+    </p:spTree>
+    <p:extLst>
+      <p:ext uri="{BB962C8B-B14F-4D97-AF65-F5344CB8AC3E}">
+        <p14:creationId xmlns:p14="http://schemas.microsoft.com/office/powerpoint/2010/main" val="211329859"/>
       </p:ext>
     </p:extLst>
   </p:cSld>
@@ -5720,7 +11496,7 @@
         <p:spPr>
           <a:xfrm>
             <a:off x="510293" y="1407318"/>
-            <a:ext cx="5979381" cy="4509568"/>
+            <a:ext cx="11291449" cy="4509568"/>
           </a:xfrm>
         </p:spPr>
         <p:txBody>
@@ -6287,7 +12063,7 @@
             </a:r>
             <a:r>
               <a:rPr lang="en-US" dirty="0" err="1"/>
-              <a:t>visibili</a:t>
+              <a:t>presenti</a:t>
             </a:r>
             <a:r>
               <a:rPr lang="en-US" dirty="0"/>
@@ -6295,7 +12071,7 @@
             </a:r>
             <a:r>
               <a:rPr lang="en-US" dirty="0" err="1"/>
-              <a:t>gli</a:t>
+              <a:t>ostacoli</a:t>
             </a:r>
             <a:r>
               <a:rPr lang="en-US" dirty="0"/>
@@ -6303,27 +12079,11 @@
             </a:r>
             <a:r>
               <a:rPr lang="en-US" dirty="0" err="1"/>
-              <a:t>ostacoli</a:t>
+              <a:t>interni</a:t>
             </a:r>
             <a:r>
               <a:rPr lang="en-US" dirty="0"/>
-              <a:t> </a:t>
-            </a:r>
-            <a:r>
-              <a:rPr lang="en-US" dirty="0" err="1"/>
-              <a:t>interni</a:t>
-            </a:r>
-            <a:r>
-              <a:rPr lang="en-US" dirty="0"/>
-              <a:t> ed </a:t>
-            </a:r>
-            <a:r>
-              <a:rPr lang="en-US" dirty="0" err="1"/>
-              <a:t>i</a:t>
-            </a:r>
-            <a:r>
-              <a:rPr lang="en-US" dirty="0"/>
-              <a:t> muri </a:t>
+              <a:t> e muri </a:t>
             </a:r>
             <a:r>
               <a:rPr lang="en-US" dirty="0" err="1"/>
@@ -8345,7 +14105,7 @@
                 <a:latin typeface="Verdana" panose="020B0604030504040204" pitchFamily="34" charset="0"/>
                 <a:ea typeface="Verdana" panose="020B0604030504040204" pitchFamily="34" charset="0"/>
               </a:rPr>
-              <a:t>Reinforcement Learning: Q-Learning</a:t>
+              <a:t>Reinforcement Learning</a:t>
             </a:r>
             <a:endParaRPr lang="it-IT" sz="3200" dirty="0">
               <a:latin typeface="Verdana" panose="020B0604030504040204" pitchFamily="34" charset="0"/>
@@ -10981,7 +16741,7 @@
                 <a:latin typeface="Verdana" panose="020B0604030504040204" pitchFamily="34" charset="0"/>
                 <a:ea typeface="Verdana" panose="020B0604030504040204" pitchFamily="34" charset="0"/>
               </a:rPr>
-              <a:t>Q-Learning &amp; Sense-Plan-Act</a:t>
+              <a:t>RL &amp; Sense-Plan-Act</a:t>
             </a:r>
             <a:endParaRPr lang="it-IT" sz="3200" dirty="0">
               <a:latin typeface="Verdana" panose="020B0604030504040204" pitchFamily="34" charset="0"/>
